--- a/ppt/ch5.pptx
+++ b/ppt/ch5.pptx
@@ -151,7 +151,7 @@
   </p:defaultTextStyle>
   <p:extLst>
     <p:ext uri="{EFAFB233-063F-42B5-8137-9DF3F51BA10A}">
-      <p15:sldGuideLst xmlns:p15="http://schemas.microsoft.com/office/powerpoint/2012/main" xmlns="">
+      <p15:sldGuideLst xmlns="" xmlns:p15="http://schemas.microsoft.com/office/powerpoint/2012/main">
         <p15:guide id="1" orient="horz" pos="2160">
           <p15:clr>
             <a:srgbClr val="A4A3A4"/>
@@ -250,7 +250,8 @@
           <a:p>
             <a:fld id="{1FCC631B-CC38-4F2D-9CED-6E1EB5E9158A}" type="datetimeFigureOut">
               <a:rPr lang="zh-CN" altLang="en-US" smtClean="0"/>
-              <a:t>17/6/13</a:t>
+              <a:pPr/>
+              <a:t>2018/10/24</a:t>
             </a:fld>
             <a:endParaRPr lang="zh-CN" altLang="en-US"/>
           </a:p>
@@ -409,6 +410,7 @@
           <a:p>
             <a:fld id="{EA6E4824-92A7-408A-820D-42FB10C00BA6}" type="slidenum">
               <a:rPr lang="zh-CN" altLang="en-US" smtClean="0"/>
+              <a:pPr/>
               <a:t>‹#›</a:t>
             </a:fld>
             <a:endParaRPr lang="zh-CN" altLang="en-US"/>
@@ -418,7 +420,7 @@
     </p:spTree>
     <p:extLst>
       <p:ext uri="{BB962C8B-B14F-4D97-AF65-F5344CB8AC3E}">
-        <p14:creationId xmlns:p14="http://schemas.microsoft.com/office/powerpoint/2010/main" val="838453063"/>
+        <p14:creationId xmlns:p14="http://schemas.microsoft.com/office/powerpoint/2010/main" xmlns="" val="838453063"/>
       </p:ext>
     </p:extLst>
   </p:cSld>
@@ -583,6 +585,7 @@
           <a:p>
             <a:fld id="{678D3716-3079-41B6-8951-92C177AE559C}" type="slidenum">
               <a:rPr lang="zh-CN" altLang="en-US" smtClean="0"/>
+              <a:pPr/>
               <a:t>3</a:t>
             </a:fld>
             <a:endParaRPr lang="zh-CN" altLang="en-US"/>
@@ -592,7 +595,7 @@
     </p:spTree>
     <p:extLst>
       <p:ext uri="{BB962C8B-B14F-4D97-AF65-F5344CB8AC3E}">
-        <p14:creationId xmlns:p14="http://schemas.microsoft.com/office/powerpoint/2010/main" val="1973477928"/>
+        <p14:creationId xmlns:p14="http://schemas.microsoft.com/office/powerpoint/2010/main" xmlns="" val="1973477928"/>
       </p:ext>
     </p:extLst>
   </p:cSld>
@@ -667,6 +670,7 @@
           <a:p>
             <a:fld id="{678D3716-3079-41B6-8951-92C177AE559C}" type="slidenum">
               <a:rPr lang="zh-CN" altLang="en-US" smtClean="0"/>
+              <a:pPr/>
               <a:t>5</a:t>
             </a:fld>
             <a:endParaRPr lang="zh-CN" altLang="en-US"/>
@@ -676,7 +680,7 @@
     </p:spTree>
     <p:extLst>
       <p:ext uri="{BB962C8B-B14F-4D97-AF65-F5344CB8AC3E}">
-        <p14:creationId xmlns:p14="http://schemas.microsoft.com/office/powerpoint/2010/main" val="2040133608"/>
+        <p14:creationId xmlns:p14="http://schemas.microsoft.com/office/powerpoint/2010/main" xmlns="" val="2040133608"/>
       </p:ext>
     </p:extLst>
   </p:cSld>
@@ -751,6 +755,7 @@
           <a:p>
             <a:fld id="{678D3716-3079-41B6-8951-92C177AE559C}" type="slidenum">
               <a:rPr lang="zh-CN" altLang="en-US" smtClean="0"/>
+              <a:pPr/>
               <a:t>11</a:t>
             </a:fld>
             <a:endParaRPr lang="zh-CN" altLang="en-US"/>
@@ -760,7 +765,7 @@
     </p:spTree>
     <p:extLst>
       <p:ext uri="{BB962C8B-B14F-4D97-AF65-F5344CB8AC3E}">
-        <p14:creationId xmlns:p14="http://schemas.microsoft.com/office/powerpoint/2010/main" val="3426274973"/>
+        <p14:creationId xmlns:p14="http://schemas.microsoft.com/office/powerpoint/2010/main" xmlns="" val="3426274973"/>
       </p:ext>
     </p:extLst>
   </p:cSld>
@@ -911,7 +916,7 @@
               <a:pPr>
                 <a:defRPr/>
               </a:pPr>
-              <a:t>17/6/13</a:t>
+              <a:t>2018/10/24</a:t>
             </a:fld>
             <a:endParaRPr lang="zh-CN" altLang="en-US"/>
           </a:p>
@@ -1103,7 +1108,7 @@
               <a:pPr>
                 <a:defRPr/>
               </a:pPr>
-              <a:t>17/6/13</a:t>
+              <a:t>2018/10/24</a:t>
             </a:fld>
             <a:endParaRPr lang="zh-CN" altLang="en-US"/>
           </a:p>
@@ -1305,7 +1310,7 @@
               <a:pPr>
                 <a:defRPr/>
               </a:pPr>
-              <a:t>17/6/13</a:t>
+              <a:t>2018/10/24</a:t>
             </a:fld>
             <a:endParaRPr lang="zh-CN" altLang="en-US"/>
           </a:p>
@@ -1497,7 +1502,7 @@
               <a:pPr>
                 <a:defRPr/>
               </a:pPr>
-              <a:t>17/6/13</a:t>
+              <a:t>2018/10/24</a:t>
             </a:fld>
             <a:endParaRPr lang="zh-CN" altLang="en-US"/>
           </a:p>
@@ -1765,7 +1770,7 @@
               <a:pPr>
                 <a:defRPr/>
               </a:pPr>
-              <a:t>17/6/13</a:t>
+              <a:t>2018/10/24</a:t>
             </a:fld>
             <a:endParaRPr lang="zh-CN" altLang="en-US"/>
           </a:p>
@@ -2019,7 +2024,7 @@
               <a:pPr>
                 <a:defRPr/>
               </a:pPr>
-              <a:t>17/6/13</a:t>
+              <a:t>2018/10/24</a:t>
             </a:fld>
             <a:endParaRPr lang="zh-CN" altLang="en-US"/>
           </a:p>
@@ -2408,7 +2413,7 @@
               <a:pPr>
                 <a:defRPr/>
               </a:pPr>
-              <a:t>17/6/13</a:t>
+              <a:t>2018/10/24</a:t>
             </a:fld>
             <a:endParaRPr lang="zh-CN" altLang="en-US"/>
           </a:p>
@@ -2548,7 +2553,7 @@
               <a:pPr>
                 <a:defRPr/>
               </a:pPr>
-              <a:t>17/6/13</a:t>
+              <a:t>2018/10/24</a:t>
             </a:fld>
             <a:endParaRPr lang="zh-CN" altLang="en-US"/>
           </a:p>
@@ -2665,7 +2670,7 @@
               <a:pPr>
                 <a:defRPr/>
               </a:pPr>
-              <a:t>17/6/13</a:t>
+              <a:t>2018/10/24</a:t>
             </a:fld>
             <a:endParaRPr lang="zh-CN" altLang="en-US"/>
           </a:p>
@@ -2964,7 +2969,7 @@
               <a:pPr>
                 <a:defRPr/>
               </a:pPr>
-              <a:t>17/6/13</a:t>
+              <a:t>2018/10/24</a:t>
             </a:fld>
             <a:endParaRPr lang="zh-CN" altLang="en-US"/>
           </a:p>
@@ -3242,7 +3247,7 @@
               <a:pPr>
                 <a:defRPr/>
               </a:pPr>
-              <a:t>17/6/13</a:t>
+              <a:t>2018/10/24</a:t>
             </a:fld>
             <a:endParaRPr lang="zh-CN" altLang="en-US"/>
           </a:p>
@@ -3321,7 +3326,7 @@
     <p:bg>
       <p:bgPr>
         <a:blipFill dpi="0" rotWithShape="0">
-          <a:blip r:embed="rId13"/>
+          <a:blip r:embed="rId13" cstate="print"/>
           <a:srcRect/>
           <a:stretch>
             <a:fillRect/>
@@ -3505,7 +3510,7 @@
               <a:pPr>
                 <a:defRPr/>
               </a:pPr>
-              <a:t>17/6/13</a:t>
+              <a:t>2018/10/24</a:t>
             </a:fld>
             <a:endParaRPr lang="zh-CN" altLang="en-US"/>
           </a:p>
@@ -4243,7 +4248,7 @@
         <p:spPr bwMode="auto">
           <a:xfrm>
             <a:off x="5081588" y="4983747"/>
-            <a:ext cx="1618853" cy="400110"/>
+            <a:ext cx="1874231" cy="400110"/>
           </a:xfrm>
           <a:prstGeom prst="rect">
             <a:avLst/>
@@ -4263,7 +4268,7 @@
           <a:lstStyle/>
           <a:p>
             <a:r>
-              <a:rPr lang="en-US" altLang="en-US" sz="2000" dirty="0">
+              <a:rPr lang="en-US" altLang="en-US" sz="2000" dirty="0" err="1">
                 <a:solidFill>
                   <a:schemeClr val="bg1"/>
                 </a:solidFill>
@@ -4283,14 +4288,14 @@
               <a:t>：</a:t>
             </a:r>
             <a:r>
-              <a:rPr lang="zh-CN" altLang="en-US" sz="2000" dirty="0" smtClean="0">
+              <a:rPr lang="zh-CN" altLang="en-US" sz="2000" smtClean="0">
                 <a:solidFill>
                   <a:schemeClr val="bg1"/>
                 </a:solidFill>
                 <a:latin typeface="微软雅黑" pitchFamily="34" charset="-122"/>
                 <a:ea typeface="微软雅黑" pitchFamily="34" charset="-122"/>
               </a:rPr>
-              <a:t>张  </a:t>
+              <a:t>代立云</a:t>
             </a:r>
             <a:r>
               <a:rPr lang="zh-CN" altLang="en-US" sz="2000" smtClean="0">
@@ -4300,7 +4305,7 @@
                 <a:latin typeface="微软雅黑" pitchFamily="34" charset="-122"/>
                 <a:ea typeface="微软雅黑" pitchFamily="34" charset="-122"/>
               </a:rPr>
-              <a:t>衡  </a:t>
+              <a:t>  </a:t>
             </a:r>
             <a:endParaRPr lang="zh-CN" altLang="en-US" sz="2000" dirty="0">
               <a:solidFill>
@@ -4803,7 +4808,7 @@
           </a:ln>
           <a:extLst>
             <a:ext uri="{91240B29-F687-4f45-9708-019B960494DF}">
-              <a14:hiddenLine xmlns:a14="http://schemas.microsoft.com/office/drawing/2010/main" w="12700" cap="flat" cmpd="sng">
+              <a14:hiddenLine xmlns:a14="http://schemas.microsoft.com/office/drawing/2010/main" xmlns="" w="12700" cap="flat" cmpd="sng">
                 <a:solidFill>
                   <a:srgbClr val="42719B"/>
                 </a:solidFill>
@@ -4838,10 +4843,10 @@
           <p:nvPr/>
         </p:nvPicPr>
         <p:blipFill>
-          <a:blip r:embed="rId2">
+          <a:blip r:embed="rId2" cstate="print">
             <a:extLst>
               <a:ext uri="{28A0092B-C50C-407E-A947-70E740481C1C}">
-                <a14:useLocalDpi xmlns:a14="http://schemas.microsoft.com/office/drawing/2010/main" val="0"/>
+                <a14:useLocalDpi xmlns:a14="http://schemas.microsoft.com/office/drawing/2010/main" xmlns="" val="0"/>
               </a:ext>
             </a:extLst>
           </a:blip>
@@ -4961,7 +4966,7 @@
     </p:spTree>
     <p:extLst>
       <p:ext uri="{BB962C8B-B14F-4D97-AF65-F5344CB8AC3E}">
-        <p14:creationId xmlns:p14="http://schemas.microsoft.com/office/powerpoint/2010/main" val="3355872320"/>
+        <p14:creationId xmlns:p14="http://schemas.microsoft.com/office/powerpoint/2010/main" xmlns="" val="3355872320"/>
       </p:ext>
     </p:extLst>
   </p:cSld>
@@ -4971,7 +4976,7 @@
   <p:timing>
     <p:tnLst>
       <p:par>
-        <p:cTn xmlns:p14="http://schemas.microsoft.com/office/powerpoint/2010/main" id="1" dur="indefinite" restart="never" nodeType="tmRoot"/>
+        <p:cTn id="1" dur="indefinite" restart="never" nodeType="tmRoot"/>
       </p:par>
     </p:tnLst>
   </p:timing>
@@ -6143,7 +6148,7 @@
     </p:spTree>
     <p:extLst>
       <p:ext uri="{BB962C8B-B14F-4D97-AF65-F5344CB8AC3E}">
-        <p14:creationId xmlns:p14="http://schemas.microsoft.com/office/powerpoint/2010/main" val="3059100359"/>
+        <p14:creationId xmlns:p14="http://schemas.microsoft.com/office/powerpoint/2010/main" xmlns="" val="3059100359"/>
       </p:ext>
     </p:extLst>
   </p:cSld>
@@ -6153,7 +6158,7 @@
   <p:timing>
     <p:tnLst>
       <p:par>
-        <p:cTn xmlns:p14="http://schemas.microsoft.com/office/powerpoint/2010/main" id="1" dur="indefinite" restart="never" nodeType="tmRoot"/>
+        <p:cTn id="1" dur="indefinite" restart="never" nodeType="tmRoot"/>
       </p:par>
     </p:tnLst>
   </p:timing>
@@ -6494,7 +6499,7 @@
     </p:spTree>
     <p:extLst>
       <p:ext uri="{BB962C8B-B14F-4D97-AF65-F5344CB8AC3E}">
-        <p14:creationId xmlns:p14="http://schemas.microsoft.com/office/powerpoint/2010/main" val="953779935"/>
+        <p14:creationId xmlns:p14="http://schemas.microsoft.com/office/powerpoint/2010/main" xmlns="" val="953779935"/>
       </p:ext>
     </p:extLst>
   </p:cSld>
@@ -6504,7 +6509,7 @@
   <p:timing>
     <p:tnLst>
       <p:par>
-        <p:cTn xmlns:p14="http://schemas.microsoft.com/office/powerpoint/2010/main" id="1" dur="indefinite" restart="never" nodeType="tmRoot"/>
+        <p:cTn id="1" dur="indefinite" restart="never" nodeType="tmRoot"/>
       </p:par>
     </p:tnLst>
   </p:timing>
@@ -8311,7 +8316,7 @@
           <p:nvPr/>
         </p:nvPicPr>
         <p:blipFill>
-          <a:blip r:embed="rId2"/>
+          <a:blip r:embed="rId2" cstate="print"/>
           <a:stretch>
             <a:fillRect/>
           </a:stretch>
@@ -8329,7 +8334,7 @@
     </p:spTree>
     <p:extLst>
       <p:ext uri="{BB962C8B-B14F-4D97-AF65-F5344CB8AC3E}">
-        <p14:creationId xmlns:p14="http://schemas.microsoft.com/office/powerpoint/2010/main" val="1602019398"/>
+        <p14:creationId xmlns:p14="http://schemas.microsoft.com/office/powerpoint/2010/main" xmlns="" val="1602019398"/>
       </p:ext>
     </p:extLst>
   </p:cSld>
@@ -8339,7 +8344,7 @@
   <p:timing>
     <p:tnLst>
       <p:par>
-        <p:cTn xmlns:p14="http://schemas.microsoft.com/office/powerpoint/2010/main" id="1" dur="indefinite" restart="never" nodeType="tmRoot"/>
+        <p:cTn id="1" dur="indefinite" restart="never" nodeType="tmRoot"/>
       </p:par>
     </p:tnLst>
   </p:timing>
@@ -9148,7 +9153,7 @@
     </p:spTree>
     <p:extLst>
       <p:ext uri="{BB962C8B-B14F-4D97-AF65-F5344CB8AC3E}">
-        <p14:creationId xmlns:p14="http://schemas.microsoft.com/office/powerpoint/2010/main" val="1215440084"/>
+        <p14:creationId xmlns:p14="http://schemas.microsoft.com/office/powerpoint/2010/main" xmlns="" val="1215440084"/>
       </p:ext>
     </p:extLst>
   </p:cSld>
@@ -9158,7 +9163,7 @@
   <p:timing>
     <p:tnLst>
       <p:par>
-        <p:cTn xmlns:p14="http://schemas.microsoft.com/office/powerpoint/2010/main" id="1" dur="indefinite" restart="never" nodeType="tmRoot"/>
+        <p:cTn id="1" dur="indefinite" restart="never" nodeType="tmRoot"/>
       </p:par>
     </p:tnLst>
   </p:timing>
@@ -9204,14 +9209,14 @@
           </a:ln>
           <a:extLst>
             <a:ext uri="{909E8E84-426E-40dd-AFC4-6F175D3DCCD1}">
-              <a14:hiddenFill xmlns:a14="http://schemas.microsoft.com/office/drawing/2010/main">
+              <a14:hiddenFill xmlns:a14="http://schemas.microsoft.com/office/drawing/2010/main" xmlns="">
                 <a:solidFill>
                   <a:srgbClr val="FFFFFF"/>
                 </a:solidFill>
               </a14:hiddenFill>
             </a:ext>
             <a:ext uri="{91240B29-F687-4f45-9708-019B960494DF}">
-              <a14:hiddenLine xmlns:a14="http://schemas.microsoft.com/office/drawing/2010/main" w="9525">
+              <a14:hiddenLine xmlns:a14="http://schemas.microsoft.com/office/drawing/2010/main" xmlns="" w="9525">
                 <a:solidFill>
                   <a:srgbClr val="000000"/>
                 </a:solidFill>
@@ -13499,14 +13504,14 @@
           </a:ln>
           <a:extLst>
             <a:ext uri="{909E8E84-426E-40dd-AFC4-6F175D3DCCD1}">
-              <a14:hiddenFill xmlns:a14="http://schemas.microsoft.com/office/drawing/2010/main">
+              <a14:hiddenFill xmlns:a14="http://schemas.microsoft.com/office/drawing/2010/main" xmlns="">
                 <a:solidFill>
                   <a:srgbClr val="FFFFFF"/>
                 </a:solidFill>
               </a14:hiddenFill>
             </a:ext>
             <a:ext uri="{91240B29-F687-4f45-9708-019B960494DF}">
-              <a14:hiddenLine xmlns:a14="http://schemas.microsoft.com/office/drawing/2010/main" w="9525">
+              <a14:hiddenLine xmlns:a14="http://schemas.microsoft.com/office/drawing/2010/main" xmlns="" w="9525">
                 <a:solidFill>
                   <a:srgbClr val="000000"/>
                 </a:solidFill>
@@ -13705,14 +13710,14 @@
           </a:ln>
           <a:extLst>
             <a:ext uri="{909E8E84-426E-40dd-AFC4-6F175D3DCCD1}">
-              <a14:hiddenFill xmlns:a14="http://schemas.microsoft.com/office/drawing/2010/main">
+              <a14:hiddenFill xmlns:a14="http://schemas.microsoft.com/office/drawing/2010/main" xmlns="">
                 <a:solidFill>
                   <a:srgbClr val="FFFFFF"/>
                 </a:solidFill>
               </a14:hiddenFill>
             </a:ext>
             <a:ext uri="{91240B29-F687-4f45-9708-019B960494DF}">
-              <a14:hiddenLine xmlns:a14="http://schemas.microsoft.com/office/drawing/2010/main" w="9525">
+              <a14:hiddenLine xmlns:a14="http://schemas.microsoft.com/office/drawing/2010/main" xmlns="" w="9525">
                 <a:solidFill>
                   <a:srgbClr val="000000"/>
                 </a:solidFill>
@@ -13972,14 +13977,14 @@
           </a:ln>
           <a:extLst>
             <a:ext uri="{909E8E84-426E-40dd-AFC4-6F175D3DCCD1}">
-              <a14:hiddenFill xmlns:a14="http://schemas.microsoft.com/office/drawing/2010/main">
+              <a14:hiddenFill xmlns:a14="http://schemas.microsoft.com/office/drawing/2010/main" xmlns="">
                 <a:solidFill>
                   <a:srgbClr val="FFFFFF"/>
                 </a:solidFill>
               </a14:hiddenFill>
             </a:ext>
             <a:ext uri="{91240B29-F687-4f45-9708-019B960494DF}">
-              <a14:hiddenLine xmlns:a14="http://schemas.microsoft.com/office/drawing/2010/main" w="9525">
+              <a14:hiddenLine xmlns:a14="http://schemas.microsoft.com/office/drawing/2010/main" xmlns="" w="9525">
                 <a:solidFill>
                   <a:srgbClr val="000000"/>
                 </a:solidFill>
@@ -14204,14 +14209,14 @@
           </a:ln>
           <a:extLst>
             <a:ext uri="{909E8E84-426E-40dd-AFC4-6F175D3DCCD1}">
-              <a14:hiddenFill xmlns:a14="http://schemas.microsoft.com/office/drawing/2010/main">
+              <a14:hiddenFill xmlns:a14="http://schemas.microsoft.com/office/drawing/2010/main" xmlns="">
                 <a:solidFill>
                   <a:srgbClr val="FFFFFF"/>
                 </a:solidFill>
               </a14:hiddenFill>
             </a:ext>
             <a:ext uri="{91240B29-F687-4f45-9708-019B960494DF}">
-              <a14:hiddenLine xmlns:a14="http://schemas.microsoft.com/office/drawing/2010/main" w="9525">
+              <a14:hiddenLine xmlns:a14="http://schemas.microsoft.com/office/drawing/2010/main" xmlns="" w="9525">
                 <a:solidFill>
                   <a:srgbClr val="000000"/>
                 </a:solidFill>
@@ -14419,14 +14424,14 @@
           </a:ln>
           <a:extLst>
             <a:ext uri="{909E8E84-426E-40dd-AFC4-6F175D3DCCD1}">
-              <a14:hiddenFill xmlns:a14="http://schemas.microsoft.com/office/drawing/2010/main">
+              <a14:hiddenFill xmlns:a14="http://schemas.microsoft.com/office/drawing/2010/main" xmlns="">
                 <a:solidFill>
                   <a:srgbClr val="FFFFFF"/>
                 </a:solidFill>
               </a14:hiddenFill>
             </a:ext>
             <a:ext uri="{91240B29-F687-4f45-9708-019B960494DF}">
-              <a14:hiddenLine xmlns:a14="http://schemas.microsoft.com/office/drawing/2010/main" w="9525">
+              <a14:hiddenLine xmlns:a14="http://schemas.microsoft.com/office/drawing/2010/main" xmlns="" w="9525">
                 <a:solidFill>
                   <a:srgbClr val="000000"/>
                 </a:solidFill>
@@ -14708,14 +14713,14 @@
           </a:ln>
           <a:extLst>
             <a:ext uri="{909E8E84-426E-40dd-AFC4-6F175D3DCCD1}">
-              <a14:hiddenFill xmlns:a14="http://schemas.microsoft.com/office/drawing/2010/main">
+              <a14:hiddenFill xmlns:a14="http://schemas.microsoft.com/office/drawing/2010/main" xmlns="">
                 <a:solidFill>
                   <a:srgbClr val="FFFFFF"/>
                 </a:solidFill>
               </a14:hiddenFill>
             </a:ext>
             <a:ext uri="{91240B29-F687-4f45-9708-019B960494DF}">
-              <a14:hiddenLine xmlns:a14="http://schemas.microsoft.com/office/drawing/2010/main" w="9525">
+              <a14:hiddenLine xmlns:a14="http://schemas.microsoft.com/office/drawing/2010/main" xmlns="" w="9525">
                 <a:solidFill>
                   <a:srgbClr val="000000"/>
                 </a:solidFill>
@@ -15011,7 +15016,7 @@
     </p:spTree>
     <p:extLst>
       <p:ext uri="{BB962C8B-B14F-4D97-AF65-F5344CB8AC3E}">
-        <p14:creationId xmlns:p14="http://schemas.microsoft.com/office/powerpoint/2010/main" val="2045722361"/>
+        <p14:creationId xmlns:p14="http://schemas.microsoft.com/office/powerpoint/2010/main" xmlns="" val="2045722361"/>
       </p:ext>
     </p:extLst>
   </p:cSld>
@@ -15021,7 +15026,7 @@
   <p:timing>
     <p:tnLst>
       <p:par>
-        <p:cTn xmlns:p14="http://schemas.microsoft.com/office/powerpoint/2010/main" id="1" dur="indefinite" restart="never" nodeType="tmRoot">
+        <p:cTn id="1" dur="indefinite" restart="never" nodeType="tmRoot">
           <p:childTnLst>
             <p:seq concurrent="1" nextAc="seek">
               <p:cTn id="2" dur="indefinite" nodeType="mainSeq">
@@ -15968,7 +15973,7 @@
     </p:spTree>
     <p:extLst>
       <p:ext uri="{BB962C8B-B14F-4D97-AF65-F5344CB8AC3E}">
-        <p14:creationId xmlns:p14="http://schemas.microsoft.com/office/powerpoint/2010/main" val="904381446"/>
+        <p14:creationId xmlns:p14="http://schemas.microsoft.com/office/powerpoint/2010/main" xmlns="" val="904381446"/>
       </p:ext>
     </p:extLst>
   </p:cSld>
@@ -15978,7 +15983,7 @@
   <p:timing>
     <p:tnLst>
       <p:par>
-        <p:cTn xmlns:p14="http://schemas.microsoft.com/office/powerpoint/2010/main" id="1" dur="indefinite" restart="never" nodeType="tmRoot"/>
+        <p:cTn id="1" dur="indefinite" restart="never" nodeType="tmRoot"/>
       </p:par>
     </p:tnLst>
   </p:timing>
@@ -16942,7 +16947,7 @@
     </p:spTree>
     <p:extLst>
       <p:ext uri="{BB962C8B-B14F-4D97-AF65-F5344CB8AC3E}">
-        <p14:creationId xmlns:p14="http://schemas.microsoft.com/office/powerpoint/2010/main" val="2867337511"/>
+        <p14:creationId xmlns:p14="http://schemas.microsoft.com/office/powerpoint/2010/main" xmlns="" val="2867337511"/>
       </p:ext>
     </p:extLst>
   </p:cSld>
@@ -16952,7 +16957,7 @@
   <p:timing>
     <p:tnLst>
       <p:par>
-        <p:cTn xmlns:p14="http://schemas.microsoft.com/office/powerpoint/2010/main" id="1" dur="indefinite" restart="never" nodeType="tmRoot"/>
+        <p:cTn id="1" dur="indefinite" restart="never" nodeType="tmRoot"/>
       </p:par>
     </p:tnLst>
   </p:timing>
@@ -17285,7 +17290,7 @@
     </p:spTree>
     <p:extLst>
       <p:ext uri="{BB962C8B-B14F-4D97-AF65-F5344CB8AC3E}">
-        <p14:creationId xmlns:p14="http://schemas.microsoft.com/office/powerpoint/2010/main" val="3158823771"/>
+        <p14:creationId xmlns:p14="http://schemas.microsoft.com/office/powerpoint/2010/main" xmlns="" val="3158823771"/>
       </p:ext>
     </p:extLst>
   </p:cSld>
@@ -17295,7 +17300,7 @@
   <p:timing>
     <p:tnLst>
       <p:par>
-        <p:cTn xmlns:p14="http://schemas.microsoft.com/office/powerpoint/2010/main" id="1" dur="indefinite" restart="never" nodeType="tmRoot"/>
+        <p:cTn id="1" dur="indefinite" restart="never" nodeType="tmRoot"/>
       </p:par>
     </p:tnLst>
   </p:timing>
@@ -18252,7 +18257,7 @@
           <p:nvPr/>
         </p:nvPicPr>
         <p:blipFill>
-          <a:blip r:embed="rId2"/>
+          <a:blip r:embed="rId2" cstate="print"/>
           <a:stretch>
             <a:fillRect/>
           </a:stretch>
@@ -18276,7 +18281,7 @@
           <p:nvPr/>
         </p:nvPicPr>
         <p:blipFill>
-          <a:blip r:embed="rId3"/>
+          <a:blip r:embed="rId3" cstate="print"/>
           <a:stretch>
             <a:fillRect/>
           </a:stretch>
@@ -18294,7 +18299,7 @@
     </p:spTree>
     <p:extLst>
       <p:ext uri="{BB962C8B-B14F-4D97-AF65-F5344CB8AC3E}">
-        <p14:creationId xmlns:p14="http://schemas.microsoft.com/office/powerpoint/2010/main" val="3976435027"/>
+        <p14:creationId xmlns:p14="http://schemas.microsoft.com/office/powerpoint/2010/main" xmlns="" val="3976435027"/>
       </p:ext>
     </p:extLst>
   </p:cSld>
@@ -18304,7 +18309,7 @@
   <p:timing>
     <p:tnLst>
       <p:par>
-        <p:cTn xmlns:p14="http://schemas.microsoft.com/office/powerpoint/2010/main" id="1" dur="indefinite" restart="never" nodeType="tmRoot"/>
+        <p:cTn id="1" dur="indefinite" restart="never" nodeType="tmRoot"/>
       </p:par>
     </p:tnLst>
   </p:timing>
@@ -19925,7 +19930,7 @@
           <p:nvPr/>
         </p:nvPicPr>
         <p:blipFill>
-          <a:blip r:embed="rId2"/>
+          <a:blip r:embed="rId2" cstate="print"/>
           <a:stretch>
             <a:fillRect/>
           </a:stretch>
@@ -19943,7 +19948,7 @@
     </p:spTree>
     <p:extLst>
       <p:ext uri="{BB962C8B-B14F-4D97-AF65-F5344CB8AC3E}">
-        <p14:creationId xmlns:p14="http://schemas.microsoft.com/office/powerpoint/2010/main" val="626159493"/>
+        <p14:creationId xmlns:p14="http://schemas.microsoft.com/office/powerpoint/2010/main" xmlns="" val="626159493"/>
       </p:ext>
     </p:extLst>
   </p:cSld>
@@ -19953,7 +19958,7 @@
   <p:timing>
     <p:tnLst>
       <p:par>
-        <p:cTn xmlns:p14="http://schemas.microsoft.com/office/powerpoint/2010/main" id="1" dur="indefinite" restart="never" nodeType="tmRoot"/>
+        <p:cTn id="1" dur="indefinite" restart="never" nodeType="tmRoot"/>
       </p:par>
     </p:tnLst>
   </p:timing>
@@ -20455,7 +20460,7 @@
           <p:nvPr/>
         </p:nvPicPr>
         <p:blipFill>
-          <a:blip r:embed="rId2"/>
+          <a:blip r:embed="rId2" cstate="print"/>
           <a:stretch>
             <a:fillRect/>
           </a:stretch>
@@ -20479,7 +20484,7 @@
           <p:nvPr/>
         </p:nvPicPr>
         <p:blipFill>
-          <a:blip r:embed="rId3"/>
+          <a:blip r:embed="rId3" cstate="print"/>
           <a:stretch>
             <a:fillRect/>
           </a:stretch>
@@ -20497,7 +20502,7 @@
     </p:spTree>
     <p:extLst>
       <p:ext uri="{BB962C8B-B14F-4D97-AF65-F5344CB8AC3E}">
-        <p14:creationId xmlns:p14="http://schemas.microsoft.com/office/powerpoint/2010/main" val="3198888026"/>
+        <p14:creationId xmlns:p14="http://schemas.microsoft.com/office/powerpoint/2010/main" xmlns="" val="3198888026"/>
       </p:ext>
     </p:extLst>
   </p:cSld>
@@ -20507,7 +20512,7 @@
   <p:timing>
     <p:tnLst>
       <p:par>
-        <p:cTn xmlns:p14="http://schemas.microsoft.com/office/powerpoint/2010/main" id="1" dur="indefinite" restart="never" nodeType="tmRoot">
+        <p:cTn id="1" dur="indefinite" restart="never" nodeType="tmRoot">
           <p:childTnLst>
             <p:seq concurrent="1" nextAc="seek">
               <p:cTn id="2" dur="indefinite" nodeType="mainSeq">
@@ -21635,7 +21640,7 @@
           <a:effectLst/>
           <a:extLst>
             <a:ext uri="{91240B29-F687-4f45-9708-019B960494DF}">
-              <a14:hiddenLine xmlns:a14="http://schemas.microsoft.com/office/drawing/2010/main" w="9525">
+              <a14:hiddenLine xmlns:a14="http://schemas.microsoft.com/office/drawing/2010/main" xmlns="" w="9525">
                 <a:solidFill>
                   <a:schemeClr val="tx1"/>
                 </a:solidFill>
@@ -21645,7 +21650,7 @@
               </a14:hiddenLine>
             </a:ext>
             <a:ext uri="{AF507438-7753-43e0-B8FC-AC1667EBCBE1}">
-              <a14:hiddenEffects xmlns:a14="http://schemas.microsoft.com/office/drawing/2010/main">
+              <a14:hiddenEffects xmlns:a14="http://schemas.microsoft.com/office/drawing/2010/main" xmlns="">
                 <a:effectLst>
                   <a:outerShdw dist="35921" dir="2700000" algn="ctr" rotWithShape="0">
                     <a:schemeClr val="bg2"/>
@@ -22457,7 +22462,7 @@
     </p:spTree>
     <p:extLst>
       <p:ext uri="{BB962C8B-B14F-4D97-AF65-F5344CB8AC3E}">
-        <p14:creationId xmlns:p14="http://schemas.microsoft.com/office/powerpoint/2010/main" val="3419165084"/>
+        <p14:creationId xmlns:p14="http://schemas.microsoft.com/office/powerpoint/2010/main" xmlns="" val="3419165084"/>
       </p:ext>
     </p:extLst>
   </p:cSld>
@@ -22467,7 +22472,7 @@
   <p:timing>
     <p:tnLst>
       <p:par>
-        <p:cTn xmlns:p14="http://schemas.microsoft.com/office/powerpoint/2010/main" id="1" dur="indefinite" restart="never" nodeType="tmRoot"/>
+        <p:cTn id="1" dur="indefinite" restart="never" nodeType="tmRoot"/>
       </p:par>
     </p:tnLst>
   </p:timing>
@@ -22702,7 +22707,7 @@
   <a:extraClrSchemeLst/>
   <a:extLst>
     <a:ext uri="{05A4C25C-085E-4340-85A3-A5531E510DB2}">
-      <thm15:themeFamily xmlns:thm15="http://schemas.microsoft.com/office/thememl/2012/main" xmlns="" name="Office Theme" id="{62F939B6-93AF-4DB8-9C6B-D6C7DFDC589F}" vid="{4A3C46E8-61CC-4603-A589-7422A47A8E4A}"/>
+      <thm15:themeFamily xmlns="" xmlns:thm15="http://schemas.microsoft.com/office/thememl/2012/main" name="Office Theme" id="{62F939B6-93AF-4DB8-9C6B-D6C7DFDC589F}" vid="{4A3C46E8-61CC-4603-A589-7422A47A8E4A}"/>
     </a:ext>
   </a:extLst>
 </a:theme>
@@ -22963,7 +22968,7 @@
   <a:extraClrSchemeLst/>
   <a:extLst>
     <a:ext uri="{05A4C25C-085E-4340-85A3-A5531E510DB2}">
-      <thm15:themeFamily xmlns:thm15="http://schemas.microsoft.com/office/thememl/2012/main" xmlns="" name="Office Theme" id="{62F939B6-93AF-4DB8-9C6B-D6C7DFDC589F}" vid="{4A3C46E8-61CC-4603-A589-7422A47A8E4A}"/>
+      <thm15:themeFamily xmlns="" xmlns:thm15="http://schemas.microsoft.com/office/thememl/2012/main" name="Office Theme" id="{62F939B6-93AF-4DB8-9C6B-D6C7DFDC589F}" vid="{4A3C46E8-61CC-4603-A589-7422A47A8E4A}"/>
     </a:ext>
   </a:extLst>
 </a:theme>

--- a/ppt/ch5.pptx
+++ b/ppt/ch5.pptx
@@ -5,7 +5,7 @@
     <p:sldMasterId id="2147483648" r:id="rId1"/>
   </p:sldMasterIdLst>
   <p:notesMasterIdLst>
-    <p:notesMasterId r:id="rId15"/>
+    <p:notesMasterId r:id="rId16"/>
   </p:notesMasterIdLst>
   <p:sldIdLst>
     <p:sldId id="294" r:id="rId2"/>
@@ -15,12 +15,13 @@
     <p:sldId id="299" r:id="rId6"/>
     <p:sldId id="300" r:id="rId7"/>
     <p:sldId id="301" r:id="rId8"/>
-    <p:sldId id="302" r:id="rId9"/>
-    <p:sldId id="303" r:id="rId10"/>
-    <p:sldId id="304" r:id="rId11"/>
-    <p:sldId id="305" r:id="rId12"/>
-    <p:sldId id="307" r:id="rId13"/>
-    <p:sldId id="306" r:id="rId14"/>
+    <p:sldId id="308" r:id="rId9"/>
+    <p:sldId id="302" r:id="rId10"/>
+    <p:sldId id="303" r:id="rId11"/>
+    <p:sldId id="304" r:id="rId12"/>
+    <p:sldId id="305" r:id="rId13"/>
+    <p:sldId id="307" r:id="rId14"/>
+    <p:sldId id="306" r:id="rId15"/>
   </p:sldIdLst>
   <p:sldSz cx="12192000" cy="6858000"/>
   <p:notesSz cx="6858000" cy="9144000"/>
@@ -756,7 +757,7 @@
             <a:fld id="{678D3716-3079-41B6-8951-92C177AE559C}" type="slidenum">
               <a:rPr lang="zh-CN" altLang="en-US" smtClean="0"/>
               <a:pPr/>
-              <a:t>11</a:t>
+              <a:t>12</a:t>
             </a:fld>
             <a:endParaRPr lang="zh-CN" altLang="en-US"/>
           </a:p>
@@ -4278,7 +4279,7 @@
               <a:t>教师</a:t>
             </a:r>
             <a:r>
-              <a:rPr lang="zh-CN" altLang="en-US" sz="2000" smtClean="0">
+              <a:rPr lang="zh-CN" altLang="en-US" sz="2000" dirty="0" smtClean="0">
                 <a:solidFill>
                   <a:schemeClr val="bg1"/>
                 </a:solidFill>
@@ -4288,7 +4289,7 @@
               <a:t>：</a:t>
             </a:r>
             <a:r>
-              <a:rPr lang="zh-CN" altLang="en-US" sz="2000" smtClean="0">
+              <a:rPr lang="zh-CN" altLang="en-US" sz="2000" dirty="0" smtClean="0">
                 <a:solidFill>
                   <a:schemeClr val="bg1"/>
                 </a:solidFill>
@@ -4298,7 +4299,7 @@
               <a:t>代立云</a:t>
             </a:r>
             <a:r>
-              <a:rPr lang="zh-CN" altLang="en-US" sz="2000" smtClean="0">
+              <a:rPr lang="zh-CN" altLang="en-US" sz="2000" dirty="0" smtClean="0">
                 <a:solidFill>
                   <a:schemeClr val="bg1"/>
                 </a:solidFill>
@@ -5043,6 +5044,1844 @@
         </p:nvSpPr>
         <p:spPr>
           <a:xfrm>
+            <a:off x="11283950" y="3681413"/>
+            <a:ext cx="568325" cy="568325"/>
+          </a:xfrm>
+          <a:prstGeom prst="ellipse">
+            <a:avLst/>
+          </a:prstGeom>
+          <a:solidFill>
+            <a:srgbClr val="FE5A3E"/>
+          </a:solidFill>
+          <a:ln>
+            <a:noFill/>
+          </a:ln>
+        </p:spPr>
+        <p:style>
+          <a:lnRef idx="2">
+            <a:schemeClr val="accent1">
+              <a:shade val="50000"/>
+            </a:schemeClr>
+          </a:lnRef>
+          <a:fillRef idx="1">
+            <a:schemeClr val="accent1"/>
+          </a:fillRef>
+          <a:effectRef idx="0">
+            <a:schemeClr val="accent1"/>
+          </a:effectRef>
+          <a:fontRef idx="minor">
+            <a:schemeClr val="lt1"/>
+          </a:fontRef>
+        </p:style>
+        <p:txBody>
+          <a:bodyPr anchor="ctr"/>
+          <a:lstStyle/>
+          <a:p>
+            <a:pPr algn="ctr" fontAlgn="auto">
+              <a:spcBef>
+                <a:spcPts val="0"/>
+              </a:spcBef>
+              <a:spcAft>
+                <a:spcPts val="0"/>
+              </a:spcAft>
+              <a:defRPr/>
+            </a:pPr>
+            <a:endParaRPr lang="zh-CN" altLang="en-US"/>
+          </a:p>
+        </p:txBody>
+      </p:sp>
+      <p:sp>
+        <p:nvSpPr>
+          <p:cNvPr id="6" name="椭圆 5"/>
+          <p:cNvSpPr/>
+          <p:nvPr/>
+        </p:nvSpPr>
+        <p:spPr>
+          <a:xfrm>
+            <a:off x="11399838" y="1911350"/>
+            <a:ext cx="336550" cy="336550"/>
+          </a:xfrm>
+          <a:prstGeom prst="ellipse">
+            <a:avLst/>
+          </a:prstGeom>
+          <a:solidFill>
+            <a:srgbClr val="FFFFFF"/>
+          </a:solidFill>
+          <a:ln>
+            <a:solidFill>
+              <a:schemeClr val="bg1"/>
+            </a:solidFill>
+          </a:ln>
+        </p:spPr>
+        <p:style>
+          <a:lnRef idx="2">
+            <a:schemeClr val="accent1">
+              <a:shade val="50000"/>
+            </a:schemeClr>
+          </a:lnRef>
+          <a:fillRef idx="1">
+            <a:schemeClr val="accent1"/>
+          </a:fillRef>
+          <a:effectRef idx="0">
+            <a:schemeClr val="accent1"/>
+          </a:effectRef>
+          <a:fontRef idx="minor">
+            <a:schemeClr val="lt1"/>
+          </a:fontRef>
+        </p:style>
+        <p:txBody>
+          <a:bodyPr anchor="ctr"/>
+          <a:lstStyle/>
+          <a:p>
+            <a:pPr algn="ctr" fontAlgn="auto">
+              <a:spcBef>
+                <a:spcPts val="0"/>
+              </a:spcBef>
+              <a:spcAft>
+                <a:spcPts val="0"/>
+              </a:spcAft>
+              <a:defRPr/>
+            </a:pPr>
+            <a:endParaRPr lang="zh-CN" altLang="en-US"/>
+          </a:p>
+        </p:txBody>
+      </p:sp>
+      <p:sp>
+        <p:nvSpPr>
+          <p:cNvPr id="7" name="椭圆 6"/>
+          <p:cNvSpPr/>
+          <p:nvPr/>
+        </p:nvSpPr>
+        <p:spPr>
+          <a:xfrm>
+            <a:off x="11399838" y="914400"/>
+            <a:ext cx="336550" cy="336550"/>
+          </a:xfrm>
+          <a:prstGeom prst="ellipse">
+            <a:avLst/>
+          </a:prstGeom>
+          <a:solidFill>
+            <a:srgbClr val="FFFFFF"/>
+          </a:solidFill>
+          <a:ln>
+            <a:solidFill>
+              <a:schemeClr val="bg1"/>
+            </a:solidFill>
+          </a:ln>
+        </p:spPr>
+        <p:style>
+          <a:lnRef idx="2">
+            <a:schemeClr val="accent1">
+              <a:shade val="50000"/>
+            </a:schemeClr>
+          </a:lnRef>
+          <a:fillRef idx="1">
+            <a:schemeClr val="accent1"/>
+          </a:fillRef>
+          <a:effectRef idx="0">
+            <a:schemeClr val="accent1"/>
+          </a:effectRef>
+          <a:fontRef idx="minor">
+            <a:schemeClr val="lt1"/>
+          </a:fontRef>
+        </p:style>
+        <p:txBody>
+          <a:bodyPr anchor="ctr"/>
+          <a:lstStyle/>
+          <a:p>
+            <a:pPr algn="ctr" fontAlgn="auto">
+              <a:spcBef>
+                <a:spcPts val="0"/>
+              </a:spcBef>
+              <a:spcAft>
+                <a:spcPts val="0"/>
+              </a:spcAft>
+              <a:defRPr/>
+            </a:pPr>
+            <a:endParaRPr lang="zh-CN" altLang="en-US"/>
+          </a:p>
+        </p:txBody>
+      </p:sp>
+      <p:sp>
+        <p:nvSpPr>
+          <p:cNvPr id="8" name="椭圆 7"/>
+          <p:cNvSpPr/>
+          <p:nvPr/>
+        </p:nvSpPr>
+        <p:spPr>
+          <a:xfrm>
+            <a:off x="11399838" y="2854325"/>
+            <a:ext cx="336550" cy="336550"/>
+          </a:xfrm>
+          <a:prstGeom prst="ellipse">
+            <a:avLst/>
+          </a:prstGeom>
+          <a:solidFill>
+            <a:srgbClr val="FFFFFF"/>
+          </a:solidFill>
+          <a:ln>
+            <a:solidFill>
+              <a:schemeClr val="bg1"/>
+            </a:solidFill>
+          </a:ln>
+        </p:spPr>
+        <p:style>
+          <a:lnRef idx="2">
+            <a:schemeClr val="accent1">
+              <a:shade val="50000"/>
+            </a:schemeClr>
+          </a:lnRef>
+          <a:fillRef idx="1">
+            <a:schemeClr val="accent1"/>
+          </a:fillRef>
+          <a:effectRef idx="0">
+            <a:schemeClr val="accent1"/>
+          </a:effectRef>
+          <a:fontRef idx="minor">
+            <a:schemeClr val="lt1"/>
+          </a:fontRef>
+        </p:style>
+        <p:txBody>
+          <a:bodyPr anchor="ctr"/>
+          <a:lstStyle/>
+          <a:p>
+            <a:pPr algn="ctr" fontAlgn="auto">
+              <a:spcBef>
+                <a:spcPts val="0"/>
+              </a:spcBef>
+              <a:spcAft>
+                <a:spcPts val="0"/>
+              </a:spcAft>
+              <a:defRPr/>
+            </a:pPr>
+            <a:endParaRPr lang="zh-CN" altLang="en-US"/>
+          </a:p>
+        </p:txBody>
+      </p:sp>
+      <p:sp>
+        <p:nvSpPr>
+          <p:cNvPr id="9" name="椭圆 8"/>
+          <p:cNvSpPr/>
+          <p:nvPr/>
+        </p:nvSpPr>
+        <p:spPr>
+          <a:xfrm>
+            <a:off x="11399838" y="4740275"/>
+            <a:ext cx="336550" cy="336550"/>
+          </a:xfrm>
+          <a:prstGeom prst="ellipse">
+            <a:avLst/>
+          </a:prstGeom>
+          <a:solidFill>
+            <a:srgbClr val="FFFFFF"/>
+          </a:solidFill>
+          <a:ln>
+            <a:solidFill>
+              <a:schemeClr val="bg1"/>
+            </a:solidFill>
+          </a:ln>
+        </p:spPr>
+        <p:style>
+          <a:lnRef idx="2">
+            <a:schemeClr val="accent1">
+              <a:shade val="50000"/>
+            </a:schemeClr>
+          </a:lnRef>
+          <a:fillRef idx="1">
+            <a:schemeClr val="accent1"/>
+          </a:fillRef>
+          <a:effectRef idx="0">
+            <a:schemeClr val="accent1"/>
+          </a:effectRef>
+          <a:fontRef idx="minor">
+            <a:schemeClr val="lt1"/>
+          </a:fontRef>
+        </p:style>
+        <p:txBody>
+          <a:bodyPr anchor="ctr"/>
+          <a:lstStyle/>
+          <a:p>
+            <a:pPr algn="ctr" fontAlgn="auto">
+              <a:spcBef>
+                <a:spcPts val="0"/>
+              </a:spcBef>
+              <a:spcAft>
+                <a:spcPts val="0"/>
+              </a:spcAft>
+              <a:defRPr/>
+            </a:pPr>
+            <a:endParaRPr lang="zh-CN" altLang="en-US"/>
+          </a:p>
+        </p:txBody>
+      </p:sp>
+      <p:sp>
+        <p:nvSpPr>
+          <p:cNvPr id="10" name="椭圆 9"/>
+          <p:cNvSpPr/>
+          <p:nvPr/>
+        </p:nvSpPr>
+        <p:spPr>
+          <a:xfrm>
+            <a:off x="11399838" y="5683250"/>
+            <a:ext cx="336550" cy="336550"/>
+          </a:xfrm>
+          <a:prstGeom prst="ellipse">
+            <a:avLst/>
+          </a:prstGeom>
+          <a:solidFill>
+            <a:srgbClr val="FFFFFF"/>
+          </a:solidFill>
+          <a:ln>
+            <a:solidFill>
+              <a:schemeClr val="bg1"/>
+            </a:solidFill>
+          </a:ln>
+        </p:spPr>
+        <p:style>
+          <a:lnRef idx="2">
+            <a:schemeClr val="accent1">
+              <a:shade val="50000"/>
+            </a:schemeClr>
+          </a:lnRef>
+          <a:fillRef idx="1">
+            <a:schemeClr val="accent1"/>
+          </a:fillRef>
+          <a:effectRef idx="0">
+            <a:schemeClr val="accent1"/>
+          </a:effectRef>
+          <a:fontRef idx="minor">
+            <a:schemeClr val="lt1"/>
+          </a:fontRef>
+        </p:style>
+        <p:txBody>
+          <a:bodyPr anchor="ctr"/>
+          <a:lstStyle/>
+          <a:p>
+            <a:pPr algn="ctr" fontAlgn="auto">
+              <a:spcBef>
+                <a:spcPts val="0"/>
+              </a:spcBef>
+              <a:spcAft>
+                <a:spcPts val="0"/>
+              </a:spcAft>
+              <a:defRPr/>
+            </a:pPr>
+            <a:endParaRPr lang="zh-CN" altLang="en-US"/>
+          </a:p>
+        </p:txBody>
+      </p:sp>
+      <p:sp>
+        <p:nvSpPr>
+          <p:cNvPr id="23" name="文本框 10"/>
+          <p:cNvSpPr txBox="1">
+            <a:spLocks noChangeArrowheads="1"/>
+          </p:cNvSpPr>
+          <p:nvPr/>
+        </p:nvSpPr>
+        <p:spPr bwMode="auto">
+          <a:xfrm>
+            <a:off x="514349" y="544421"/>
+            <a:ext cx="10442575" cy="830997"/>
+          </a:xfrm>
+          <a:prstGeom prst="rect">
+            <a:avLst/>
+          </a:prstGeom>
+          <a:noFill/>
+          <a:ln w="9525">
+            <a:noFill/>
+            <a:miter lim="800000"/>
+            <a:headEnd/>
+            <a:tailEnd/>
+          </a:ln>
+        </p:spPr>
+        <p:txBody>
+          <a:bodyPr>
+            <a:spAutoFit/>
+          </a:bodyPr>
+          <a:lstStyle/>
+          <a:p>
+            <a:r>
+              <a:rPr lang="en-US" altLang="zh-CN" sz="4800" dirty="0" smtClean="0">
+                <a:solidFill>
+                  <a:schemeClr val="bg1"/>
+                </a:solidFill>
+                <a:latin typeface="Broadway"/>
+                <a:ea typeface="微软雅黑" pitchFamily="34" charset="-122"/>
+              </a:rPr>
+              <a:t>Data</a:t>
+            </a:r>
+            <a:r>
+              <a:rPr lang="zh-CN" altLang="en-US" sz="4800" dirty="0" smtClean="0">
+                <a:solidFill>
+                  <a:schemeClr val="bg1"/>
+                </a:solidFill>
+                <a:latin typeface="Broadway"/>
+                <a:ea typeface="微软雅黑" pitchFamily="34" charset="-122"/>
+              </a:rPr>
+              <a:t>、</a:t>
+            </a:r>
+            <a:r>
+              <a:rPr lang="en-US" altLang="zh-CN" sz="4800" dirty="0" smtClean="0">
+                <a:solidFill>
+                  <a:schemeClr val="bg1"/>
+                </a:solidFill>
+                <a:latin typeface="Broadway"/>
+                <a:ea typeface="微软雅黑" pitchFamily="34" charset="-122"/>
+              </a:rPr>
+              <a:t>Type</a:t>
+            </a:r>
+            <a:r>
+              <a:rPr lang="zh-CN" altLang="en-US" sz="4800" dirty="0" smtClean="0">
+                <a:solidFill>
+                  <a:schemeClr val="bg1"/>
+                </a:solidFill>
+                <a:latin typeface="Calibri" pitchFamily="34" charset="0"/>
+                <a:ea typeface="方正大黑简体" pitchFamily="2" charset="-122"/>
+              </a:rPr>
+              <a:t>属性</a:t>
+            </a:r>
+            <a:r>
+              <a:rPr lang="zh-CN" altLang="en-US" sz="2400" dirty="0" smtClean="0">
+                <a:solidFill>
+                  <a:schemeClr val="bg1"/>
+                </a:solidFill>
+                <a:latin typeface="Calibri" pitchFamily="34" charset="0"/>
+                <a:ea typeface="方正大黑简体" pitchFamily="2" charset="-122"/>
+              </a:rPr>
+              <a:t>与</a:t>
+            </a:r>
+            <a:r>
+              <a:rPr lang="en-US" altLang="zh-CN" sz="2400" dirty="0" smtClean="0">
+                <a:solidFill>
+                  <a:schemeClr val="bg1"/>
+                </a:solidFill>
+                <a:latin typeface="Calibri" pitchFamily="34" charset="0"/>
+                <a:ea typeface="方正大黑简体" pitchFamily="2" charset="-122"/>
+              </a:rPr>
+              <a:t>intent-filter</a:t>
+            </a:r>
+            <a:r>
+              <a:rPr lang="zh-CN" altLang="en-US" sz="2400" dirty="0" smtClean="0">
+                <a:solidFill>
+                  <a:schemeClr val="bg1"/>
+                </a:solidFill>
+                <a:latin typeface="Calibri" pitchFamily="34" charset="0"/>
+                <a:ea typeface="方正大黑简体" pitchFamily="2" charset="-122"/>
+              </a:rPr>
+              <a:t>配置</a:t>
+            </a:r>
+            <a:endParaRPr lang="zh-CN" altLang="en-US" sz="2400" dirty="0">
+              <a:solidFill>
+                <a:schemeClr val="bg1"/>
+              </a:solidFill>
+              <a:latin typeface="Calibri" pitchFamily="34" charset="0"/>
+              <a:ea typeface="方正大黑简体" pitchFamily="2" charset="-122"/>
+            </a:endParaRPr>
+          </a:p>
+        </p:txBody>
+      </p:sp>
+      <p:sp>
+        <p:nvSpPr>
+          <p:cNvPr id="24" name="文本框 1"/>
+          <p:cNvSpPr txBox="1">
+            <a:spLocks noChangeArrowheads="1"/>
+          </p:cNvSpPr>
+          <p:nvPr/>
+        </p:nvSpPr>
+        <p:spPr bwMode="auto">
+          <a:xfrm>
+            <a:off x="1128687" y="1911350"/>
+            <a:ext cx="3015208" cy="1661993"/>
+          </a:xfrm>
+          <a:prstGeom prst="rect">
+            <a:avLst/>
+          </a:prstGeom>
+          <a:noFill/>
+          <a:ln w="9525">
+            <a:noFill/>
+            <a:miter lim="800000"/>
+            <a:headEnd/>
+            <a:tailEnd/>
+          </a:ln>
+        </p:spPr>
+        <p:txBody>
+          <a:bodyPr>
+            <a:spAutoFit/>
+          </a:bodyPr>
+          <a:lstStyle/>
+          <a:p>
+            <a:r>
+              <a:rPr lang="en-US" altLang="zh-CN" sz="4800" dirty="0" smtClean="0">
+                <a:solidFill>
+                  <a:schemeClr val="bg1"/>
+                </a:solidFill>
+                <a:latin typeface="Calibri" pitchFamily="34" charset="0"/>
+                <a:ea typeface="方正大黑简体" pitchFamily="2" charset="-122"/>
+              </a:rPr>
+              <a:t>Data</a:t>
+            </a:r>
+            <a:r>
+              <a:rPr lang="zh-CN" altLang="en-US" sz="4800" dirty="0" smtClean="0">
+                <a:solidFill>
+                  <a:schemeClr val="bg1"/>
+                </a:solidFill>
+                <a:latin typeface="Calibri" pitchFamily="34" charset="0"/>
+                <a:ea typeface="方正大黑简体" pitchFamily="2" charset="-122"/>
+              </a:rPr>
+              <a:t>属性</a:t>
+            </a:r>
+            <a:endParaRPr lang="en-US" altLang="zh-CN" sz="4800" dirty="0">
+              <a:solidFill>
+                <a:schemeClr val="bg1"/>
+              </a:solidFill>
+              <a:latin typeface="Calibri" pitchFamily="34" charset="0"/>
+              <a:ea typeface="方正大黑简体" pitchFamily="2" charset="-122"/>
+            </a:endParaRPr>
+          </a:p>
+          <a:p>
+            <a:r>
+              <a:rPr lang="zh-CN" altLang="en-US" dirty="0" smtClean="0">
+                <a:solidFill>
+                  <a:schemeClr val="bg1"/>
+                </a:solidFill>
+                <a:latin typeface="Calibri" pitchFamily="34" charset="0"/>
+                <a:ea typeface="方正大黑简体" pitchFamily="2" charset="-122"/>
+              </a:rPr>
+              <a:t>用于向</a:t>
+            </a:r>
+            <a:r>
+              <a:rPr lang="en-US" altLang="zh-CN" dirty="0" smtClean="0">
+                <a:solidFill>
+                  <a:schemeClr val="bg1"/>
+                </a:solidFill>
+                <a:latin typeface="Calibri" pitchFamily="34" charset="0"/>
+                <a:ea typeface="方正大黑简体" pitchFamily="2" charset="-122"/>
+              </a:rPr>
+              <a:t>Action</a:t>
+            </a:r>
+            <a:r>
+              <a:rPr lang="zh-CN" altLang="en-US" dirty="0" smtClean="0">
+                <a:solidFill>
+                  <a:schemeClr val="bg1"/>
+                </a:solidFill>
+                <a:latin typeface="Calibri" pitchFamily="34" charset="0"/>
+                <a:ea typeface="方正大黑简体" pitchFamily="2" charset="-122"/>
+              </a:rPr>
+              <a:t>属性提供操作的数据，</a:t>
+            </a:r>
+            <a:r>
+              <a:rPr lang="en-US" altLang="zh-CN" dirty="0" smtClean="0">
+                <a:solidFill>
+                  <a:schemeClr val="bg1"/>
+                </a:solidFill>
+                <a:latin typeface="Calibri" pitchFamily="34" charset="0"/>
+                <a:ea typeface="方正大黑简体" pitchFamily="2" charset="-122"/>
+              </a:rPr>
+              <a:t>Data</a:t>
+            </a:r>
+            <a:r>
+              <a:rPr lang="zh-CN" altLang="en-US" dirty="0" smtClean="0">
+                <a:solidFill>
+                  <a:schemeClr val="bg1"/>
+                </a:solidFill>
+                <a:latin typeface="Calibri" pitchFamily="34" charset="0"/>
+                <a:ea typeface="方正大黑简体" pitchFamily="2" charset="-122"/>
+              </a:rPr>
+              <a:t>属性接受一个</a:t>
+            </a:r>
+            <a:r>
+              <a:rPr lang="en-US" altLang="zh-CN" dirty="0" smtClean="0">
+                <a:solidFill>
+                  <a:schemeClr val="bg1"/>
+                </a:solidFill>
+                <a:latin typeface="Calibri" pitchFamily="34" charset="0"/>
+                <a:ea typeface="方正大黑简体" pitchFamily="2" charset="-122"/>
+              </a:rPr>
+              <a:t>Uri</a:t>
+            </a:r>
+            <a:r>
+              <a:rPr lang="zh-CN" altLang="en-US" dirty="0" smtClean="0">
+                <a:solidFill>
+                  <a:schemeClr val="bg1"/>
+                </a:solidFill>
+                <a:latin typeface="Calibri" pitchFamily="34" charset="0"/>
+                <a:ea typeface="方正大黑简体" pitchFamily="2" charset="-122"/>
+              </a:rPr>
+              <a:t>对象。</a:t>
+            </a:r>
+            <a:endParaRPr lang="zh-CN" altLang="en-US" dirty="0">
+              <a:solidFill>
+                <a:schemeClr val="bg1"/>
+              </a:solidFill>
+              <a:latin typeface="Calibri" pitchFamily="34" charset="0"/>
+              <a:ea typeface="方正大黑简体" pitchFamily="2" charset="-122"/>
+            </a:endParaRPr>
+          </a:p>
+        </p:txBody>
+      </p:sp>
+      <p:sp>
+        <p:nvSpPr>
+          <p:cNvPr id="26" name="文本框 1"/>
+          <p:cNvSpPr txBox="1">
+            <a:spLocks noChangeArrowheads="1"/>
+          </p:cNvSpPr>
+          <p:nvPr/>
+        </p:nvSpPr>
+        <p:spPr bwMode="auto">
+          <a:xfrm>
+            <a:off x="7297713" y="1807488"/>
+            <a:ext cx="3015208" cy="1661993"/>
+          </a:xfrm>
+          <a:prstGeom prst="rect">
+            <a:avLst/>
+          </a:prstGeom>
+          <a:noFill/>
+          <a:ln w="9525">
+            <a:noFill/>
+            <a:miter lim="800000"/>
+            <a:headEnd/>
+            <a:tailEnd/>
+          </a:ln>
+        </p:spPr>
+        <p:txBody>
+          <a:bodyPr>
+            <a:spAutoFit/>
+          </a:bodyPr>
+          <a:lstStyle/>
+          <a:p>
+            <a:r>
+              <a:rPr lang="en-US" altLang="zh-CN" sz="4800" dirty="0" smtClean="0">
+                <a:solidFill>
+                  <a:schemeClr val="bg1"/>
+                </a:solidFill>
+                <a:latin typeface="Calibri" pitchFamily="34" charset="0"/>
+                <a:ea typeface="方正大黑简体" pitchFamily="2" charset="-122"/>
+              </a:rPr>
+              <a:t>Type</a:t>
+            </a:r>
+            <a:r>
+              <a:rPr lang="zh-CN" altLang="en-US" sz="4800" dirty="0" smtClean="0">
+                <a:solidFill>
+                  <a:schemeClr val="bg1"/>
+                </a:solidFill>
+                <a:latin typeface="Calibri" pitchFamily="34" charset="0"/>
+                <a:ea typeface="方正大黑简体" pitchFamily="2" charset="-122"/>
+              </a:rPr>
+              <a:t>属性</a:t>
+            </a:r>
+            <a:endParaRPr lang="en-US" altLang="zh-CN" sz="4800" dirty="0">
+              <a:solidFill>
+                <a:schemeClr val="bg1"/>
+              </a:solidFill>
+              <a:latin typeface="Calibri" pitchFamily="34" charset="0"/>
+              <a:ea typeface="方正大黑简体" pitchFamily="2" charset="-122"/>
+            </a:endParaRPr>
+          </a:p>
+          <a:p>
+            <a:r>
+              <a:rPr lang="zh-CN" altLang="en-US" dirty="0" smtClean="0">
+                <a:solidFill>
+                  <a:schemeClr val="bg1"/>
+                </a:solidFill>
+                <a:latin typeface="Calibri" pitchFamily="34" charset="0"/>
+                <a:ea typeface="方正大黑简体" pitchFamily="2" charset="-122"/>
+              </a:rPr>
+              <a:t>用于指定该</a:t>
+            </a:r>
+            <a:r>
+              <a:rPr lang="en-US" altLang="zh-CN" dirty="0" smtClean="0">
+                <a:solidFill>
+                  <a:schemeClr val="bg1"/>
+                </a:solidFill>
+                <a:latin typeface="Calibri" pitchFamily="34" charset="0"/>
+                <a:ea typeface="方正大黑简体" pitchFamily="2" charset="-122"/>
+              </a:rPr>
+              <a:t>Data</a:t>
+            </a:r>
+            <a:r>
+              <a:rPr lang="zh-CN" altLang="en-US" dirty="0" smtClean="0">
+                <a:solidFill>
+                  <a:schemeClr val="bg1"/>
+                </a:solidFill>
+                <a:latin typeface="Calibri" pitchFamily="34" charset="0"/>
+                <a:ea typeface="方正大黑简体" pitchFamily="2" charset="-122"/>
+              </a:rPr>
+              <a:t>属性所指定</a:t>
+            </a:r>
+            <a:r>
+              <a:rPr lang="en-US" altLang="zh-CN" dirty="0" smtClean="0">
+                <a:solidFill>
+                  <a:schemeClr val="bg1"/>
+                </a:solidFill>
+                <a:latin typeface="Calibri" pitchFamily="34" charset="0"/>
+                <a:ea typeface="方正大黑简体" pitchFamily="2" charset="-122"/>
+              </a:rPr>
+              <a:t>Uri</a:t>
+            </a:r>
+            <a:r>
+              <a:rPr lang="zh-CN" altLang="en-US" dirty="0" smtClean="0">
+                <a:solidFill>
+                  <a:schemeClr val="bg1"/>
+                </a:solidFill>
+                <a:latin typeface="Calibri" pitchFamily="34" charset="0"/>
+                <a:ea typeface="方正大黑简体" pitchFamily="2" charset="-122"/>
+              </a:rPr>
+              <a:t>对应的</a:t>
+            </a:r>
+            <a:r>
+              <a:rPr lang="en-US" altLang="zh-CN" dirty="0" smtClean="0">
+                <a:solidFill>
+                  <a:schemeClr val="bg1"/>
+                </a:solidFill>
+                <a:latin typeface="Calibri" pitchFamily="34" charset="0"/>
+                <a:ea typeface="方正大黑简体" pitchFamily="2" charset="-122"/>
+              </a:rPr>
+              <a:t>MIME</a:t>
+            </a:r>
+            <a:r>
+              <a:rPr lang="zh-CN" altLang="en-US" dirty="0" smtClean="0">
+                <a:solidFill>
+                  <a:schemeClr val="bg1"/>
+                </a:solidFill>
+                <a:latin typeface="Calibri" pitchFamily="34" charset="0"/>
+                <a:ea typeface="方正大黑简体" pitchFamily="2" charset="-122"/>
+              </a:rPr>
+              <a:t>类型，可以是任何自定义的</a:t>
+            </a:r>
+            <a:r>
+              <a:rPr lang="en-US" altLang="zh-CN" dirty="0" smtClean="0">
+                <a:solidFill>
+                  <a:schemeClr val="bg1"/>
+                </a:solidFill>
+                <a:latin typeface="Calibri" pitchFamily="34" charset="0"/>
+                <a:ea typeface="方正大黑简体" pitchFamily="2" charset="-122"/>
+              </a:rPr>
+              <a:t>MIME</a:t>
+            </a:r>
+            <a:r>
+              <a:rPr lang="zh-CN" altLang="en-US" dirty="0" smtClean="0">
+                <a:solidFill>
+                  <a:schemeClr val="bg1"/>
+                </a:solidFill>
+                <a:latin typeface="Calibri" pitchFamily="34" charset="0"/>
+                <a:ea typeface="方正大黑简体" pitchFamily="2" charset="-122"/>
+              </a:rPr>
+              <a:t>类型。</a:t>
+            </a:r>
+            <a:endParaRPr lang="zh-CN" altLang="en-US" dirty="0">
+              <a:solidFill>
+                <a:schemeClr val="bg1"/>
+              </a:solidFill>
+              <a:latin typeface="Calibri" pitchFamily="34" charset="0"/>
+              <a:ea typeface="方正大黑简体" pitchFamily="2" charset="-122"/>
+            </a:endParaRPr>
+          </a:p>
+        </p:txBody>
+      </p:sp>
+      <p:sp>
+        <p:nvSpPr>
+          <p:cNvPr id="27" name="弧形 26"/>
+          <p:cNvSpPr/>
+          <p:nvPr/>
+        </p:nvSpPr>
+        <p:spPr bwMode="auto">
+          <a:xfrm rot="13500000">
+            <a:off x="7018314" y="2287767"/>
+            <a:ext cx="809625" cy="809625"/>
+          </a:xfrm>
+          <a:prstGeom prst="arc">
+            <a:avLst/>
+          </a:prstGeom>
+          <a:ln>
+            <a:solidFill>
+              <a:schemeClr val="bg1"/>
+            </a:solidFill>
+          </a:ln>
+        </p:spPr>
+        <p:style>
+          <a:lnRef idx="1">
+            <a:schemeClr val="accent1"/>
+          </a:lnRef>
+          <a:fillRef idx="0">
+            <a:schemeClr val="accent1"/>
+          </a:fillRef>
+          <a:effectRef idx="0">
+            <a:schemeClr val="accent1"/>
+          </a:effectRef>
+          <a:fontRef idx="minor">
+            <a:schemeClr val="tx1"/>
+          </a:fontRef>
+        </p:style>
+        <p:txBody>
+          <a:bodyPr anchor="ctr"/>
+          <a:lstStyle/>
+          <a:p>
+            <a:pPr algn="ctr" fontAlgn="auto">
+              <a:spcBef>
+                <a:spcPts val="0"/>
+              </a:spcBef>
+              <a:spcAft>
+                <a:spcPts val="0"/>
+              </a:spcAft>
+              <a:defRPr/>
+            </a:pPr>
+            <a:endParaRPr lang="zh-CN" altLang="en-US"/>
+          </a:p>
+        </p:txBody>
+      </p:sp>
+      <p:cxnSp>
+        <p:nvCxnSpPr>
+          <p:cNvPr id="28" name="直接连接符 27"/>
+          <p:cNvCxnSpPr/>
+          <p:nvPr/>
+        </p:nvCxnSpPr>
+        <p:spPr bwMode="auto">
+          <a:xfrm>
+            <a:off x="4167812" y="2638484"/>
+            <a:ext cx="2845740" cy="20758"/>
+          </a:xfrm>
+          <a:prstGeom prst="line">
+            <a:avLst/>
+          </a:prstGeom>
+          <a:ln>
+            <a:solidFill>
+              <a:schemeClr val="bg1"/>
+            </a:solidFill>
+            <a:prstDash val="sysDash"/>
+          </a:ln>
+        </p:spPr>
+        <p:style>
+          <a:lnRef idx="1">
+            <a:schemeClr val="accent1"/>
+          </a:lnRef>
+          <a:fillRef idx="0">
+            <a:schemeClr val="accent1"/>
+          </a:fillRef>
+          <a:effectRef idx="0">
+            <a:schemeClr val="accent1"/>
+          </a:effectRef>
+          <a:fontRef idx="minor">
+            <a:schemeClr val="tx1"/>
+          </a:fontRef>
+        </p:style>
+      </p:cxnSp>
+      <p:sp>
+        <p:nvSpPr>
+          <p:cNvPr id="29" name="弧形 28"/>
+          <p:cNvSpPr/>
+          <p:nvPr/>
+        </p:nvSpPr>
+        <p:spPr bwMode="auto">
+          <a:xfrm rot="2642406">
+            <a:off x="3342883" y="2254430"/>
+            <a:ext cx="809625" cy="809625"/>
+          </a:xfrm>
+          <a:prstGeom prst="arc">
+            <a:avLst/>
+          </a:prstGeom>
+          <a:ln>
+            <a:solidFill>
+              <a:schemeClr val="bg1"/>
+            </a:solidFill>
+          </a:ln>
+        </p:spPr>
+        <p:style>
+          <a:lnRef idx="1">
+            <a:schemeClr val="accent1"/>
+          </a:lnRef>
+          <a:fillRef idx="0">
+            <a:schemeClr val="accent1"/>
+          </a:fillRef>
+          <a:effectRef idx="0">
+            <a:schemeClr val="accent1"/>
+          </a:effectRef>
+          <a:fontRef idx="minor">
+            <a:schemeClr val="tx1"/>
+          </a:fontRef>
+        </p:style>
+        <p:txBody>
+          <a:bodyPr anchor="ctr"/>
+          <a:lstStyle/>
+          <a:p>
+            <a:pPr algn="ctr" fontAlgn="auto">
+              <a:spcBef>
+                <a:spcPts val="0"/>
+              </a:spcBef>
+              <a:spcAft>
+                <a:spcPts val="0"/>
+              </a:spcAft>
+              <a:defRPr/>
+            </a:pPr>
+            <a:endParaRPr lang="zh-CN" altLang="en-US"/>
+          </a:p>
+        </p:txBody>
+      </p:sp>
+      <p:sp>
+        <p:nvSpPr>
+          <p:cNvPr id="11" name="文本框 10"/>
+          <p:cNvSpPr txBox="1"/>
+          <p:nvPr/>
+        </p:nvSpPr>
+        <p:spPr>
+          <a:xfrm>
+            <a:off x="5007070" y="2238374"/>
+            <a:ext cx="1210588" cy="400110"/>
+          </a:xfrm>
+          <a:prstGeom prst="rect">
+            <a:avLst/>
+          </a:prstGeom>
+          <a:noFill/>
+        </p:spPr>
+        <p:txBody>
+          <a:bodyPr wrap="none" rtlCol="0">
+            <a:spAutoFit/>
+          </a:bodyPr>
+          <a:lstStyle/>
+          <a:p>
+            <a:r>
+              <a:rPr lang="zh-CN" altLang="en-US" sz="2000" dirty="0" smtClean="0">
+                <a:solidFill>
+                  <a:srgbClr val="FE5A3E"/>
+                </a:solidFill>
+                <a:latin typeface="微软雅黑" panose="020B0503020204020204" pitchFamily="34" charset="-122"/>
+                <a:ea typeface="微软雅黑" panose="020B0503020204020204" pitchFamily="34" charset="-122"/>
+              </a:rPr>
+              <a:t>相互覆盖</a:t>
+            </a:r>
+            <a:endParaRPr lang="zh-CN" altLang="en-US" sz="2000" dirty="0">
+              <a:solidFill>
+                <a:srgbClr val="FE5A3E"/>
+              </a:solidFill>
+              <a:latin typeface="微软雅黑" panose="020B0503020204020204" pitchFamily="34" charset="-122"/>
+              <a:ea typeface="微软雅黑" panose="020B0503020204020204" pitchFamily="34" charset="-122"/>
+            </a:endParaRPr>
+          </a:p>
+        </p:txBody>
+      </p:sp>
+      <p:sp>
+        <p:nvSpPr>
+          <p:cNvPr id="12" name="Rectangle 1"/>
+          <p:cNvSpPr>
+            <a:spLocks noChangeArrowheads="1"/>
+          </p:cNvSpPr>
+          <p:nvPr/>
+        </p:nvSpPr>
+        <p:spPr bwMode="auto">
+          <a:xfrm>
+            <a:off x="6440239" y="4249738"/>
+            <a:ext cx="3066865" cy="1815882"/>
+          </a:xfrm>
+          <a:prstGeom prst="rect">
+            <a:avLst/>
+          </a:prstGeom>
+          <a:solidFill>
+            <a:srgbClr val="FFFFFF"/>
+          </a:solidFill>
+          <a:ln>
+            <a:noFill/>
+          </a:ln>
+          <a:effectLst/>
+          <a:extLst>
+            <a:ext uri="{91240B29-F687-4f45-9708-019B960494DF}">
+              <a14:hiddenLine xmlns:a14="http://schemas.microsoft.com/office/drawing/2010/main" xmlns="" w="9525">
+                <a:solidFill>
+                  <a:schemeClr val="tx1"/>
+                </a:solidFill>
+                <a:miter lim="800000"/>
+                <a:headEnd/>
+                <a:tailEnd/>
+              </a14:hiddenLine>
+            </a:ext>
+            <a:ext uri="{AF507438-7753-43e0-B8FC-AC1667EBCBE1}">
+              <a14:hiddenEffects xmlns:a14="http://schemas.microsoft.com/office/drawing/2010/main" xmlns="">
+                <a:effectLst>
+                  <a:outerShdw dist="35921" dir="2700000" algn="ctr" rotWithShape="0">
+                    <a:schemeClr val="bg2"/>
+                  </a:outerShdw>
+                </a:effectLst>
+              </a14:hiddenEffects>
+            </a:ext>
+          </a:extLst>
+        </p:spPr>
+        <p:txBody>
+          <a:bodyPr vert="horz" wrap="none" lIns="91440" tIns="45720" rIns="91440" bIns="45720" numCol="1" anchor="ctr" anchorCtr="0" compatLnSpc="1">
+            <a:prstTxWarp prst="textNoShape">
+              <a:avLst/>
+            </a:prstTxWarp>
+            <a:spAutoFit/>
+          </a:bodyPr>
+          <a:lstStyle/>
+          <a:p>
+            <a:pPr marL="0" marR="0" lvl="0" indent="0" algn="l" defTabSz="914400" rtl="0" eaLnBrk="0" fontAlgn="base" latinLnBrk="0" hangingPunct="0">
+              <a:lnSpc>
+                <a:spcPct val="100000"/>
+              </a:lnSpc>
+              <a:spcBef>
+                <a:spcPct val="0"/>
+              </a:spcBef>
+              <a:spcAft>
+                <a:spcPct val="0"/>
+              </a:spcAft>
+              <a:buClrTx/>
+              <a:buSzTx/>
+              <a:buFontTx/>
+              <a:buNone/>
+              <a:tabLst/>
+            </a:pPr>
+            <a:r>
+              <a:rPr kumimoji="0" lang="zh-CN" altLang="zh-CN" sz="1400" b="0" i="0" u="none" strike="noStrike" cap="none" normalizeH="0" baseline="0" dirty="0" smtClean="0">
+                <a:ln>
+                  <a:noFill/>
+                </a:ln>
+                <a:solidFill>
+                  <a:srgbClr val="000000"/>
+                </a:solidFill>
+                <a:effectLst/>
+                <a:latin typeface="Consolas" panose="020B0609020204030204" pitchFamily="49" charset="0"/>
+                <a:cs typeface="Consolas" panose="020B0609020204030204" pitchFamily="49" charset="0"/>
+              </a:rPr>
+              <a:t>&lt;</a:t>
+            </a:r>
+            <a:r>
+              <a:rPr kumimoji="0" lang="zh-CN" altLang="zh-CN" sz="1400" b="1" i="0" u="none" strike="noStrike" cap="none" normalizeH="0" baseline="0" dirty="0" smtClean="0">
+                <a:ln>
+                  <a:noFill/>
+                </a:ln>
+                <a:solidFill>
+                  <a:srgbClr val="000080"/>
+                </a:solidFill>
+                <a:effectLst/>
+                <a:latin typeface="Consolas" panose="020B0609020204030204" pitchFamily="49" charset="0"/>
+                <a:cs typeface="Consolas" panose="020B0609020204030204" pitchFamily="49" charset="0"/>
+              </a:rPr>
+              <a:t>data</a:t>
+            </a:r>
+            <a:br>
+              <a:rPr kumimoji="0" lang="zh-CN" altLang="zh-CN" sz="1400" b="1" i="0" u="none" strike="noStrike" cap="none" normalizeH="0" baseline="0" dirty="0" smtClean="0">
+                <a:ln>
+                  <a:noFill/>
+                </a:ln>
+                <a:solidFill>
+                  <a:srgbClr val="000080"/>
+                </a:solidFill>
+                <a:effectLst/>
+                <a:latin typeface="Consolas" panose="020B0609020204030204" pitchFamily="49" charset="0"/>
+                <a:cs typeface="Consolas" panose="020B0609020204030204" pitchFamily="49" charset="0"/>
+              </a:rPr>
+            </a:br>
+            <a:r>
+              <a:rPr kumimoji="0" lang="zh-CN" altLang="zh-CN" sz="1400" b="1" i="0" u="none" strike="noStrike" cap="none" normalizeH="0" baseline="0" dirty="0" smtClean="0">
+                <a:ln>
+                  <a:noFill/>
+                </a:ln>
+                <a:solidFill>
+                  <a:srgbClr val="000080"/>
+                </a:solidFill>
+                <a:effectLst/>
+                <a:latin typeface="Consolas" panose="020B0609020204030204" pitchFamily="49" charset="0"/>
+                <a:cs typeface="Consolas" panose="020B0609020204030204" pitchFamily="49" charset="0"/>
+              </a:rPr>
+              <a:t>    </a:t>
+            </a:r>
+            <a:r>
+              <a:rPr kumimoji="0" lang="zh-CN" altLang="zh-CN" sz="1400" b="1" i="0" u="none" strike="noStrike" cap="none" normalizeH="0" baseline="0" dirty="0" smtClean="0">
+                <a:ln>
+                  <a:noFill/>
+                </a:ln>
+                <a:solidFill>
+                  <a:srgbClr val="660E7A"/>
+                </a:solidFill>
+                <a:effectLst/>
+                <a:latin typeface="Consolas" panose="020B0609020204030204" pitchFamily="49" charset="0"/>
+                <a:cs typeface="Consolas" panose="020B0609020204030204" pitchFamily="49" charset="0"/>
+              </a:rPr>
+              <a:t>android</a:t>
+            </a:r>
+            <a:r>
+              <a:rPr kumimoji="0" lang="zh-CN" altLang="zh-CN" sz="1400" b="1" i="0" u="none" strike="noStrike" cap="none" normalizeH="0" baseline="0" dirty="0" smtClean="0">
+                <a:ln>
+                  <a:noFill/>
+                </a:ln>
+                <a:solidFill>
+                  <a:srgbClr val="0000FF"/>
+                </a:solidFill>
+                <a:effectLst/>
+                <a:latin typeface="Consolas" panose="020B0609020204030204" pitchFamily="49" charset="0"/>
+                <a:cs typeface="Consolas" panose="020B0609020204030204" pitchFamily="49" charset="0"/>
+              </a:rPr>
+              <a:t>:mimeType=</a:t>
+            </a:r>
+            <a:r>
+              <a:rPr kumimoji="0" lang="zh-CN" altLang="zh-CN" sz="1400" b="1" i="0" u="none" strike="noStrike" cap="none" normalizeH="0" baseline="0" dirty="0" smtClean="0">
+                <a:ln>
+                  <a:noFill/>
+                </a:ln>
+                <a:solidFill>
+                  <a:srgbClr val="008000"/>
+                </a:solidFill>
+                <a:effectLst/>
+                <a:latin typeface="Consolas" panose="020B0609020204030204" pitchFamily="49" charset="0"/>
+                <a:cs typeface="Consolas" panose="020B0609020204030204" pitchFamily="49" charset="0"/>
+              </a:rPr>
+              <a:t>""</a:t>
+            </a:r>
+            <a:br>
+              <a:rPr kumimoji="0" lang="zh-CN" altLang="zh-CN" sz="1400" b="1" i="0" u="none" strike="noStrike" cap="none" normalizeH="0" baseline="0" dirty="0" smtClean="0">
+                <a:ln>
+                  <a:noFill/>
+                </a:ln>
+                <a:solidFill>
+                  <a:srgbClr val="008000"/>
+                </a:solidFill>
+                <a:effectLst/>
+                <a:latin typeface="Consolas" panose="020B0609020204030204" pitchFamily="49" charset="0"/>
+                <a:cs typeface="Consolas" panose="020B0609020204030204" pitchFamily="49" charset="0"/>
+              </a:rPr>
+            </a:br>
+            <a:r>
+              <a:rPr kumimoji="0" lang="zh-CN" altLang="zh-CN" sz="1400" b="1" i="0" u="none" strike="noStrike" cap="none" normalizeH="0" baseline="0" dirty="0" smtClean="0">
+                <a:ln>
+                  <a:noFill/>
+                </a:ln>
+                <a:solidFill>
+                  <a:srgbClr val="008000"/>
+                </a:solidFill>
+                <a:effectLst/>
+                <a:latin typeface="Consolas" panose="020B0609020204030204" pitchFamily="49" charset="0"/>
+                <a:cs typeface="Consolas" panose="020B0609020204030204" pitchFamily="49" charset="0"/>
+              </a:rPr>
+              <a:t>    </a:t>
+            </a:r>
+            <a:r>
+              <a:rPr kumimoji="0" lang="zh-CN" altLang="zh-CN" sz="1400" b="1" i="0" u="none" strike="noStrike" cap="none" normalizeH="0" baseline="0" dirty="0" smtClean="0">
+                <a:ln>
+                  <a:noFill/>
+                </a:ln>
+                <a:solidFill>
+                  <a:srgbClr val="660E7A"/>
+                </a:solidFill>
+                <a:effectLst/>
+                <a:latin typeface="Consolas" panose="020B0609020204030204" pitchFamily="49" charset="0"/>
+                <a:cs typeface="Consolas" panose="020B0609020204030204" pitchFamily="49" charset="0"/>
+              </a:rPr>
+              <a:t>android</a:t>
+            </a:r>
+            <a:r>
+              <a:rPr kumimoji="0" lang="zh-CN" altLang="zh-CN" sz="1400" b="1" i="0" u="none" strike="noStrike" cap="none" normalizeH="0" baseline="0" dirty="0" smtClean="0">
+                <a:ln>
+                  <a:noFill/>
+                </a:ln>
+                <a:solidFill>
+                  <a:srgbClr val="0000FF"/>
+                </a:solidFill>
+                <a:effectLst/>
+                <a:latin typeface="Consolas" panose="020B0609020204030204" pitchFamily="49" charset="0"/>
+                <a:cs typeface="Consolas" panose="020B0609020204030204" pitchFamily="49" charset="0"/>
+              </a:rPr>
+              <a:t>:scheme=</a:t>
+            </a:r>
+            <a:r>
+              <a:rPr kumimoji="0" lang="zh-CN" altLang="zh-CN" sz="1400" b="1" i="0" u="none" strike="noStrike" cap="none" normalizeH="0" baseline="0" dirty="0" smtClean="0">
+                <a:ln>
+                  <a:noFill/>
+                </a:ln>
+                <a:solidFill>
+                  <a:srgbClr val="008000"/>
+                </a:solidFill>
+                <a:effectLst/>
+                <a:latin typeface="Consolas" panose="020B0609020204030204" pitchFamily="49" charset="0"/>
+                <a:cs typeface="Consolas" panose="020B0609020204030204" pitchFamily="49" charset="0"/>
+              </a:rPr>
+              <a:t>""</a:t>
+            </a:r>
+            <a:br>
+              <a:rPr kumimoji="0" lang="zh-CN" altLang="zh-CN" sz="1400" b="1" i="0" u="none" strike="noStrike" cap="none" normalizeH="0" baseline="0" dirty="0" smtClean="0">
+                <a:ln>
+                  <a:noFill/>
+                </a:ln>
+                <a:solidFill>
+                  <a:srgbClr val="008000"/>
+                </a:solidFill>
+                <a:effectLst/>
+                <a:latin typeface="Consolas" panose="020B0609020204030204" pitchFamily="49" charset="0"/>
+                <a:cs typeface="Consolas" panose="020B0609020204030204" pitchFamily="49" charset="0"/>
+              </a:rPr>
+            </a:br>
+            <a:r>
+              <a:rPr kumimoji="0" lang="zh-CN" altLang="zh-CN" sz="1400" b="1" i="0" u="none" strike="noStrike" cap="none" normalizeH="0" baseline="0" dirty="0" smtClean="0">
+                <a:ln>
+                  <a:noFill/>
+                </a:ln>
+                <a:solidFill>
+                  <a:srgbClr val="008000"/>
+                </a:solidFill>
+                <a:effectLst/>
+                <a:latin typeface="Consolas" panose="020B0609020204030204" pitchFamily="49" charset="0"/>
+                <a:cs typeface="Consolas" panose="020B0609020204030204" pitchFamily="49" charset="0"/>
+              </a:rPr>
+              <a:t>    </a:t>
+            </a:r>
+            <a:r>
+              <a:rPr kumimoji="0" lang="zh-CN" altLang="zh-CN" sz="1400" b="1" i="0" u="none" strike="noStrike" cap="none" normalizeH="0" baseline="0" dirty="0" smtClean="0">
+                <a:ln>
+                  <a:noFill/>
+                </a:ln>
+                <a:solidFill>
+                  <a:srgbClr val="660E7A"/>
+                </a:solidFill>
+                <a:effectLst/>
+                <a:latin typeface="Consolas" panose="020B0609020204030204" pitchFamily="49" charset="0"/>
+                <a:cs typeface="Consolas" panose="020B0609020204030204" pitchFamily="49" charset="0"/>
+              </a:rPr>
+              <a:t>android</a:t>
+            </a:r>
+            <a:r>
+              <a:rPr kumimoji="0" lang="zh-CN" altLang="zh-CN" sz="1400" b="1" i="0" u="none" strike="noStrike" cap="none" normalizeH="0" baseline="0" dirty="0" smtClean="0">
+                <a:ln>
+                  <a:noFill/>
+                </a:ln>
+                <a:solidFill>
+                  <a:srgbClr val="0000FF"/>
+                </a:solidFill>
+                <a:effectLst/>
+                <a:latin typeface="Consolas" panose="020B0609020204030204" pitchFamily="49" charset="0"/>
+                <a:cs typeface="Consolas" panose="020B0609020204030204" pitchFamily="49" charset="0"/>
+              </a:rPr>
+              <a:t>:host=</a:t>
+            </a:r>
+            <a:r>
+              <a:rPr kumimoji="0" lang="zh-CN" altLang="zh-CN" sz="1400" b="1" i="0" u="none" strike="noStrike" cap="none" normalizeH="0" baseline="0" dirty="0" smtClean="0">
+                <a:ln>
+                  <a:noFill/>
+                </a:ln>
+                <a:solidFill>
+                  <a:srgbClr val="008000"/>
+                </a:solidFill>
+                <a:effectLst/>
+                <a:latin typeface="Consolas" panose="020B0609020204030204" pitchFamily="49" charset="0"/>
+                <a:cs typeface="Consolas" panose="020B0609020204030204" pitchFamily="49" charset="0"/>
+              </a:rPr>
+              <a:t>""</a:t>
+            </a:r>
+            <a:br>
+              <a:rPr kumimoji="0" lang="zh-CN" altLang="zh-CN" sz="1400" b="1" i="0" u="none" strike="noStrike" cap="none" normalizeH="0" baseline="0" dirty="0" smtClean="0">
+                <a:ln>
+                  <a:noFill/>
+                </a:ln>
+                <a:solidFill>
+                  <a:srgbClr val="008000"/>
+                </a:solidFill>
+                <a:effectLst/>
+                <a:latin typeface="Consolas" panose="020B0609020204030204" pitchFamily="49" charset="0"/>
+                <a:cs typeface="Consolas" panose="020B0609020204030204" pitchFamily="49" charset="0"/>
+              </a:rPr>
+            </a:br>
+            <a:r>
+              <a:rPr kumimoji="0" lang="zh-CN" altLang="zh-CN" sz="1400" b="1" i="0" u="none" strike="noStrike" cap="none" normalizeH="0" baseline="0" dirty="0" smtClean="0">
+                <a:ln>
+                  <a:noFill/>
+                </a:ln>
+                <a:solidFill>
+                  <a:srgbClr val="008000"/>
+                </a:solidFill>
+                <a:effectLst/>
+                <a:latin typeface="Consolas" panose="020B0609020204030204" pitchFamily="49" charset="0"/>
+                <a:cs typeface="Consolas" panose="020B0609020204030204" pitchFamily="49" charset="0"/>
+              </a:rPr>
+              <a:t>    </a:t>
+            </a:r>
+            <a:r>
+              <a:rPr kumimoji="0" lang="zh-CN" altLang="zh-CN" sz="1400" b="1" i="0" u="none" strike="noStrike" cap="none" normalizeH="0" baseline="0" dirty="0" smtClean="0">
+                <a:ln>
+                  <a:noFill/>
+                </a:ln>
+                <a:solidFill>
+                  <a:srgbClr val="660E7A"/>
+                </a:solidFill>
+                <a:effectLst/>
+                <a:latin typeface="Consolas" panose="020B0609020204030204" pitchFamily="49" charset="0"/>
+                <a:cs typeface="Consolas" panose="020B0609020204030204" pitchFamily="49" charset="0"/>
+              </a:rPr>
+              <a:t>android</a:t>
+            </a:r>
+            <a:r>
+              <a:rPr kumimoji="0" lang="zh-CN" altLang="zh-CN" sz="1400" b="1" i="0" u="none" strike="noStrike" cap="none" normalizeH="0" baseline="0" dirty="0" smtClean="0">
+                <a:ln>
+                  <a:noFill/>
+                </a:ln>
+                <a:solidFill>
+                  <a:srgbClr val="0000FF"/>
+                </a:solidFill>
+                <a:effectLst/>
+                <a:latin typeface="Consolas" panose="020B0609020204030204" pitchFamily="49" charset="0"/>
+                <a:cs typeface="Consolas" panose="020B0609020204030204" pitchFamily="49" charset="0"/>
+              </a:rPr>
+              <a:t>:port=</a:t>
+            </a:r>
+            <a:r>
+              <a:rPr kumimoji="0" lang="zh-CN" altLang="zh-CN" sz="1400" b="1" i="0" u="none" strike="noStrike" cap="none" normalizeH="0" baseline="0" dirty="0" smtClean="0">
+                <a:ln>
+                  <a:noFill/>
+                </a:ln>
+                <a:solidFill>
+                  <a:srgbClr val="008000"/>
+                </a:solidFill>
+                <a:effectLst/>
+                <a:latin typeface="Consolas" panose="020B0609020204030204" pitchFamily="49" charset="0"/>
+                <a:cs typeface="Consolas" panose="020B0609020204030204" pitchFamily="49" charset="0"/>
+              </a:rPr>
+              <a:t>""</a:t>
+            </a:r>
+            <a:br>
+              <a:rPr kumimoji="0" lang="zh-CN" altLang="zh-CN" sz="1400" b="1" i="0" u="none" strike="noStrike" cap="none" normalizeH="0" baseline="0" dirty="0" smtClean="0">
+                <a:ln>
+                  <a:noFill/>
+                </a:ln>
+                <a:solidFill>
+                  <a:srgbClr val="008000"/>
+                </a:solidFill>
+                <a:effectLst/>
+                <a:latin typeface="Consolas" panose="020B0609020204030204" pitchFamily="49" charset="0"/>
+                <a:cs typeface="Consolas" panose="020B0609020204030204" pitchFamily="49" charset="0"/>
+              </a:rPr>
+            </a:br>
+            <a:r>
+              <a:rPr kumimoji="0" lang="zh-CN" altLang="zh-CN" sz="1400" b="1" i="0" u="none" strike="noStrike" cap="none" normalizeH="0" baseline="0" dirty="0" smtClean="0">
+                <a:ln>
+                  <a:noFill/>
+                </a:ln>
+                <a:solidFill>
+                  <a:srgbClr val="008000"/>
+                </a:solidFill>
+                <a:effectLst/>
+                <a:latin typeface="Consolas" panose="020B0609020204030204" pitchFamily="49" charset="0"/>
+                <a:cs typeface="Consolas" panose="020B0609020204030204" pitchFamily="49" charset="0"/>
+              </a:rPr>
+              <a:t>    </a:t>
+            </a:r>
+            <a:r>
+              <a:rPr kumimoji="0" lang="zh-CN" altLang="zh-CN" sz="1400" b="1" i="0" u="none" strike="noStrike" cap="none" normalizeH="0" baseline="0" dirty="0" smtClean="0">
+                <a:ln>
+                  <a:noFill/>
+                </a:ln>
+                <a:solidFill>
+                  <a:srgbClr val="660E7A"/>
+                </a:solidFill>
+                <a:effectLst/>
+                <a:latin typeface="Consolas" panose="020B0609020204030204" pitchFamily="49" charset="0"/>
+                <a:cs typeface="Consolas" panose="020B0609020204030204" pitchFamily="49" charset="0"/>
+              </a:rPr>
+              <a:t>android</a:t>
+            </a:r>
+            <a:r>
+              <a:rPr kumimoji="0" lang="zh-CN" altLang="zh-CN" sz="1400" b="1" i="0" u="none" strike="noStrike" cap="none" normalizeH="0" baseline="0" dirty="0" smtClean="0">
+                <a:ln>
+                  <a:noFill/>
+                </a:ln>
+                <a:solidFill>
+                  <a:srgbClr val="0000FF"/>
+                </a:solidFill>
+                <a:effectLst/>
+                <a:latin typeface="Consolas" panose="020B0609020204030204" pitchFamily="49" charset="0"/>
+                <a:cs typeface="Consolas" panose="020B0609020204030204" pitchFamily="49" charset="0"/>
+              </a:rPr>
+              <a:t>:path=</a:t>
+            </a:r>
+            <a:r>
+              <a:rPr kumimoji="0" lang="zh-CN" altLang="zh-CN" sz="1400" b="1" i="0" u="none" strike="noStrike" cap="none" normalizeH="0" baseline="0" dirty="0" smtClean="0">
+                <a:ln>
+                  <a:noFill/>
+                </a:ln>
+                <a:solidFill>
+                  <a:srgbClr val="008000"/>
+                </a:solidFill>
+                <a:effectLst/>
+                <a:latin typeface="Consolas" panose="020B0609020204030204" pitchFamily="49" charset="0"/>
+                <a:cs typeface="Consolas" panose="020B0609020204030204" pitchFamily="49" charset="0"/>
+              </a:rPr>
+              <a:t>""</a:t>
+            </a:r>
+            <a:br>
+              <a:rPr kumimoji="0" lang="zh-CN" altLang="zh-CN" sz="1400" b="1" i="0" u="none" strike="noStrike" cap="none" normalizeH="0" baseline="0" dirty="0" smtClean="0">
+                <a:ln>
+                  <a:noFill/>
+                </a:ln>
+                <a:solidFill>
+                  <a:srgbClr val="008000"/>
+                </a:solidFill>
+                <a:effectLst/>
+                <a:latin typeface="Consolas" panose="020B0609020204030204" pitchFamily="49" charset="0"/>
+                <a:cs typeface="Consolas" panose="020B0609020204030204" pitchFamily="49" charset="0"/>
+              </a:rPr>
+            </a:br>
+            <a:r>
+              <a:rPr kumimoji="0" lang="zh-CN" altLang="zh-CN" sz="1400" b="1" i="0" u="none" strike="noStrike" cap="none" normalizeH="0" baseline="0" dirty="0" smtClean="0">
+                <a:ln>
+                  <a:noFill/>
+                </a:ln>
+                <a:solidFill>
+                  <a:srgbClr val="008000"/>
+                </a:solidFill>
+                <a:effectLst/>
+                <a:latin typeface="Consolas" panose="020B0609020204030204" pitchFamily="49" charset="0"/>
+                <a:cs typeface="Consolas" panose="020B0609020204030204" pitchFamily="49" charset="0"/>
+              </a:rPr>
+              <a:t>    </a:t>
+            </a:r>
+            <a:r>
+              <a:rPr kumimoji="0" lang="zh-CN" altLang="zh-CN" sz="1400" b="1" i="0" u="none" strike="noStrike" cap="none" normalizeH="0" baseline="0" dirty="0" smtClean="0">
+                <a:ln>
+                  <a:noFill/>
+                </a:ln>
+                <a:solidFill>
+                  <a:srgbClr val="660E7A"/>
+                </a:solidFill>
+                <a:effectLst/>
+                <a:latin typeface="Consolas" panose="020B0609020204030204" pitchFamily="49" charset="0"/>
+                <a:cs typeface="Consolas" panose="020B0609020204030204" pitchFamily="49" charset="0"/>
+              </a:rPr>
+              <a:t>android</a:t>
+            </a:r>
+            <a:r>
+              <a:rPr kumimoji="0" lang="zh-CN" altLang="zh-CN" sz="1400" b="1" i="0" u="none" strike="noStrike" cap="none" normalizeH="0" baseline="0" dirty="0" smtClean="0">
+                <a:ln>
+                  <a:noFill/>
+                </a:ln>
+                <a:solidFill>
+                  <a:srgbClr val="0000FF"/>
+                </a:solidFill>
+                <a:effectLst/>
+                <a:latin typeface="Consolas" panose="020B0609020204030204" pitchFamily="49" charset="0"/>
+                <a:cs typeface="Consolas" panose="020B0609020204030204" pitchFamily="49" charset="0"/>
+              </a:rPr>
+              <a:t>:pathPrefix=</a:t>
+            </a:r>
+            <a:r>
+              <a:rPr kumimoji="0" lang="zh-CN" altLang="zh-CN" sz="1400" b="1" i="0" u="none" strike="noStrike" cap="none" normalizeH="0" baseline="0" dirty="0" smtClean="0">
+                <a:ln>
+                  <a:noFill/>
+                </a:ln>
+                <a:solidFill>
+                  <a:srgbClr val="008000"/>
+                </a:solidFill>
+                <a:effectLst/>
+                <a:latin typeface="Consolas" panose="020B0609020204030204" pitchFamily="49" charset="0"/>
+                <a:cs typeface="Consolas" panose="020B0609020204030204" pitchFamily="49" charset="0"/>
+              </a:rPr>
+              <a:t>""</a:t>
+            </a:r>
+            <a:br>
+              <a:rPr kumimoji="0" lang="zh-CN" altLang="zh-CN" sz="1400" b="1" i="0" u="none" strike="noStrike" cap="none" normalizeH="0" baseline="0" dirty="0" smtClean="0">
+                <a:ln>
+                  <a:noFill/>
+                </a:ln>
+                <a:solidFill>
+                  <a:srgbClr val="008000"/>
+                </a:solidFill>
+                <a:effectLst/>
+                <a:latin typeface="Consolas" panose="020B0609020204030204" pitchFamily="49" charset="0"/>
+                <a:cs typeface="Consolas" panose="020B0609020204030204" pitchFamily="49" charset="0"/>
+              </a:rPr>
+            </a:br>
+            <a:r>
+              <a:rPr kumimoji="0" lang="zh-CN" altLang="zh-CN" sz="1400" b="1" i="0" u="none" strike="noStrike" cap="none" normalizeH="0" baseline="0" dirty="0" smtClean="0">
+                <a:ln>
+                  <a:noFill/>
+                </a:ln>
+                <a:solidFill>
+                  <a:srgbClr val="008000"/>
+                </a:solidFill>
+                <a:effectLst/>
+                <a:latin typeface="Consolas" panose="020B0609020204030204" pitchFamily="49" charset="0"/>
+                <a:cs typeface="Consolas" panose="020B0609020204030204" pitchFamily="49" charset="0"/>
+              </a:rPr>
+              <a:t>    </a:t>
+            </a:r>
+            <a:r>
+              <a:rPr kumimoji="0" lang="zh-CN" altLang="zh-CN" sz="1400" b="1" i="0" u="none" strike="noStrike" cap="none" normalizeH="0" baseline="0" dirty="0" smtClean="0">
+                <a:ln>
+                  <a:noFill/>
+                </a:ln>
+                <a:solidFill>
+                  <a:srgbClr val="660E7A"/>
+                </a:solidFill>
+                <a:effectLst/>
+                <a:latin typeface="Consolas" panose="020B0609020204030204" pitchFamily="49" charset="0"/>
+                <a:cs typeface="Consolas" panose="020B0609020204030204" pitchFamily="49" charset="0"/>
+              </a:rPr>
+              <a:t>android</a:t>
+            </a:r>
+            <a:r>
+              <a:rPr kumimoji="0" lang="zh-CN" altLang="zh-CN" sz="1400" b="1" i="0" u="none" strike="noStrike" cap="none" normalizeH="0" baseline="0" dirty="0" smtClean="0">
+                <a:ln>
+                  <a:noFill/>
+                </a:ln>
+                <a:solidFill>
+                  <a:srgbClr val="0000FF"/>
+                </a:solidFill>
+                <a:effectLst/>
+                <a:latin typeface="Consolas" panose="020B0609020204030204" pitchFamily="49" charset="0"/>
+                <a:cs typeface="Consolas" panose="020B0609020204030204" pitchFamily="49" charset="0"/>
+              </a:rPr>
+              <a:t>:pathPattern=</a:t>
+            </a:r>
+            <a:r>
+              <a:rPr kumimoji="0" lang="zh-CN" altLang="zh-CN" sz="1400" b="1" i="0" u="none" strike="noStrike" cap="none" normalizeH="0" baseline="0" dirty="0" smtClean="0">
+                <a:ln>
+                  <a:noFill/>
+                </a:ln>
+                <a:solidFill>
+                  <a:srgbClr val="008000"/>
+                </a:solidFill>
+                <a:effectLst/>
+                <a:latin typeface="Consolas" panose="020B0609020204030204" pitchFamily="49" charset="0"/>
+                <a:cs typeface="Consolas" panose="020B0609020204030204" pitchFamily="49" charset="0"/>
+              </a:rPr>
+              <a:t>"" </a:t>
+            </a:r>
+            <a:r>
+              <a:rPr kumimoji="0" lang="zh-CN" altLang="zh-CN" sz="1400" b="0" i="0" u="none" strike="noStrike" cap="none" normalizeH="0" baseline="0" dirty="0" smtClean="0">
+                <a:ln>
+                  <a:noFill/>
+                </a:ln>
+                <a:solidFill>
+                  <a:srgbClr val="000000"/>
+                </a:solidFill>
+                <a:effectLst/>
+                <a:latin typeface="Consolas" panose="020B0609020204030204" pitchFamily="49" charset="0"/>
+                <a:cs typeface="Consolas" panose="020B0609020204030204" pitchFamily="49" charset="0"/>
+              </a:rPr>
+              <a:t>/&gt;</a:t>
+            </a:r>
+            <a:endParaRPr kumimoji="0" lang="zh-CN" altLang="zh-CN" sz="2000" b="0" i="0" u="none" strike="noStrike" cap="none" normalizeH="0" baseline="0" dirty="0" smtClean="0">
+              <a:ln>
+                <a:noFill/>
+              </a:ln>
+              <a:solidFill>
+                <a:schemeClr val="tx1"/>
+              </a:solidFill>
+              <a:effectLst/>
+              <a:latin typeface="Arial" panose="020B0604020202020204" pitchFamily="34" charset="0"/>
+            </a:endParaRPr>
+          </a:p>
+        </p:txBody>
+      </p:sp>
+      <p:sp>
+        <p:nvSpPr>
+          <p:cNvPr id="13" name="文本框 12"/>
+          <p:cNvSpPr txBox="1"/>
+          <p:nvPr/>
+        </p:nvSpPr>
+        <p:spPr>
+          <a:xfrm>
+            <a:off x="1522148" y="4615160"/>
+            <a:ext cx="3141245" cy="923330"/>
+          </a:xfrm>
+          <a:prstGeom prst="rect">
+            <a:avLst/>
+          </a:prstGeom>
+          <a:noFill/>
+        </p:spPr>
+        <p:txBody>
+          <a:bodyPr wrap="none" rtlCol="0">
+            <a:spAutoFit/>
+          </a:bodyPr>
+          <a:lstStyle/>
+          <a:p>
+            <a:r>
+              <a:rPr lang="zh-CN" altLang="en-US" dirty="0">
+                <a:solidFill>
+                  <a:schemeClr val="bg1"/>
+                </a:solidFill>
+                <a:latin typeface="Calibri" pitchFamily="34" charset="0"/>
+                <a:ea typeface="方正大黑简体" pitchFamily="2" charset="-122"/>
+              </a:rPr>
+              <a:t>在</a:t>
+            </a:r>
+            <a:r>
+              <a:rPr lang="en-US" altLang="zh-CN" dirty="0" err="1">
+                <a:solidFill>
+                  <a:schemeClr val="bg1"/>
+                </a:solidFill>
+                <a:latin typeface="Calibri" pitchFamily="34" charset="0"/>
+                <a:ea typeface="方正大黑简体" pitchFamily="2" charset="-122"/>
+              </a:rPr>
+              <a:t>AndroidManifest.xml</a:t>
+            </a:r>
+            <a:r>
+              <a:rPr lang="zh-CN" altLang="en-US" dirty="0">
+                <a:solidFill>
+                  <a:schemeClr val="bg1"/>
+                </a:solidFill>
+                <a:latin typeface="Calibri" pitchFamily="34" charset="0"/>
+                <a:ea typeface="方正大黑简体" pitchFamily="2" charset="-122"/>
+              </a:rPr>
+              <a:t>文件</a:t>
+            </a:r>
+            <a:r>
+              <a:rPr lang="zh-CN" altLang="en-US" dirty="0" smtClean="0">
+                <a:solidFill>
+                  <a:schemeClr val="bg1"/>
+                </a:solidFill>
+                <a:latin typeface="Calibri" pitchFamily="34" charset="0"/>
+                <a:ea typeface="方正大黑简体" pitchFamily="2" charset="-122"/>
+              </a:rPr>
+              <a:t>中</a:t>
+            </a:r>
+            <a:endParaRPr lang="en-US" altLang="zh-CN" dirty="0" smtClean="0">
+              <a:solidFill>
+                <a:schemeClr val="bg1"/>
+              </a:solidFill>
+              <a:latin typeface="Calibri" pitchFamily="34" charset="0"/>
+              <a:ea typeface="方正大黑简体" pitchFamily="2" charset="-122"/>
+            </a:endParaRPr>
+          </a:p>
+          <a:p>
+            <a:r>
+              <a:rPr lang="zh-CN" altLang="en-US" dirty="0" smtClean="0">
+                <a:solidFill>
+                  <a:schemeClr val="bg1"/>
+                </a:solidFill>
+                <a:latin typeface="Calibri" pitchFamily="34" charset="0"/>
+                <a:ea typeface="方正大黑简体" pitchFamily="2" charset="-122"/>
+              </a:rPr>
+              <a:t>为</a:t>
+            </a:r>
+            <a:r>
+              <a:rPr lang="zh-CN" altLang="en-US" dirty="0">
+                <a:solidFill>
+                  <a:schemeClr val="bg1"/>
+                </a:solidFill>
+                <a:latin typeface="Calibri" pitchFamily="34" charset="0"/>
+                <a:ea typeface="方正大黑简体" pitchFamily="2" charset="-122"/>
+              </a:rPr>
+              <a:t>组件声明</a:t>
+            </a:r>
+            <a:r>
+              <a:rPr lang="en-US" altLang="zh-CN" dirty="0">
+                <a:solidFill>
+                  <a:schemeClr val="bg1"/>
+                </a:solidFill>
+                <a:latin typeface="Calibri" pitchFamily="34" charset="0"/>
+                <a:ea typeface="方正大黑简体" pitchFamily="2" charset="-122"/>
+              </a:rPr>
+              <a:t>Data</a:t>
+            </a:r>
+            <a:r>
+              <a:rPr lang="zh-CN" altLang="en-US" dirty="0">
+                <a:solidFill>
+                  <a:schemeClr val="bg1"/>
+                </a:solidFill>
+                <a:latin typeface="Calibri" pitchFamily="34" charset="0"/>
+                <a:ea typeface="方正大黑简体" pitchFamily="2" charset="-122"/>
+              </a:rPr>
+              <a:t>、</a:t>
+            </a:r>
+            <a:r>
+              <a:rPr lang="en-US" altLang="zh-CN" dirty="0">
+                <a:solidFill>
+                  <a:schemeClr val="bg1"/>
+                </a:solidFill>
+                <a:latin typeface="Calibri" pitchFamily="34" charset="0"/>
+                <a:ea typeface="方正大黑简体" pitchFamily="2" charset="-122"/>
+              </a:rPr>
+              <a:t>Type</a:t>
+            </a:r>
+            <a:r>
+              <a:rPr lang="zh-CN" altLang="en-US" dirty="0">
+                <a:solidFill>
+                  <a:schemeClr val="bg1"/>
+                </a:solidFill>
+                <a:latin typeface="Calibri" pitchFamily="34" charset="0"/>
+                <a:ea typeface="方正大黑简体" pitchFamily="2" charset="-122"/>
+              </a:rPr>
+              <a:t>属性</a:t>
+            </a:r>
+            <a:r>
+              <a:rPr lang="zh-CN" altLang="en-US" dirty="0" smtClean="0">
+                <a:solidFill>
+                  <a:schemeClr val="bg1"/>
+                </a:solidFill>
+                <a:latin typeface="Calibri" pitchFamily="34" charset="0"/>
+                <a:ea typeface="方正大黑简体" pitchFamily="2" charset="-122"/>
+              </a:rPr>
+              <a:t>都</a:t>
+            </a:r>
+            <a:endParaRPr lang="en-US" altLang="zh-CN" dirty="0" smtClean="0">
+              <a:solidFill>
+                <a:schemeClr val="bg1"/>
+              </a:solidFill>
+              <a:latin typeface="Calibri" pitchFamily="34" charset="0"/>
+              <a:ea typeface="方正大黑简体" pitchFamily="2" charset="-122"/>
+            </a:endParaRPr>
+          </a:p>
+          <a:p>
+            <a:r>
+              <a:rPr lang="zh-CN" altLang="en-US" dirty="0" smtClean="0">
+                <a:solidFill>
+                  <a:schemeClr val="bg1"/>
+                </a:solidFill>
+                <a:latin typeface="Calibri" pitchFamily="34" charset="0"/>
+                <a:ea typeface="方正大黑简体" pitchFamily="2" charset="-122"/>
+              </a:rPr>
+              <a:t>通过</a:t>
+            </a:r>
+            <a:r>
+              <a:rPr lang="en-US" altLang="zh-CN" dirty="0">
+                <a:solidFill>
+                  <a:schemeClr val="bg1"/>
+                </a:solidFill>
+                <a:latin typeface="Calibri" pitchFamily="34" charset="0"/>
+                <a:ea typeface="方正大黑简体" pitchFamily="2" charset="-122"/>
+              </a:rPr>
+              <a:t>&lt;data…/&gt;</a:t>
+            </a:r>
+            <a:r>
+              <a:rPr lang="zh-CN" altLang="en-US" dirty="0" smtClean="0">
+                <a:solidFill>
+                  <a:schemeClr val="bg1"/>
+                </a:solidFill>
+                <a:latin typeface="Calibri" pitchFamily="34" charset="0"/>
+                <a:ea typeface="方正大黑简体" pitchFamily="2" charset="-122"/>
+              </a:rPr>
+              <a:t>元素。</a:t>
+            </a:r>
+            <a:endParaRPr lang="zh-CN" altLang="en-US" dirty="0">
+              <a:solidFill>
+                <a:schemeClr val="bg1"/>
+              </a:solidFill>
+              <a:latin typeface="Calibri" pitchFamily="34" charset="0"/>
+              <a:ea typeface="方正大黑简体" pitchFamily="2" charset="-122"/>
+            </a:endParaRPr>
+          </a:p>
+        </p:txBody>
+      </p:sp>
+      <p:sp>
+        <p:nvSpPr>
+          <p:cNvPr id="21" name="右箭头 20"/>
+          <p:cNvSpPr/>
+          <p:nvPr/>
+        </p:nvSpPr>
+        <p:spPr>
+          <a:xfrm>
+            <a:off x="4786953" y="4908550"/>
+            <a:ext cx="1413838" cy="270456"/>
+          </a:xfrm>
+          <a:prstGeom prst="rightArrow">
+            <a:avLst/>
+          </a:prstGeom>
+          <a:solidFill>
+            <a:srgbClr val="FE5A3E"/>
+          </a:solidFill>
+          <a:ln>
+            <a:noFill/>
+          </a:ln>
+        </p:spPr>
+        <p:style>
+          <a:lnRef idx="2">
+            <a:schemeClr val="accent1">
+              <a:shade val="50000"/>
+            </a:schemeClr>
+          </a:lnRef>
+          <a:fillRef idx="1">
+            <a:schemeClr val="accent1"/>
+          </a:fillRef>
+          <a:effectRef idx="0">
+            <a:schemeClr val="accent1"/>
+          </a:effectRef>
+          <a:fontRef idx="minor">
+            <a:schemeClr val="lt1"/>
+          </a:fontRef>
+        </p:style>
+        <p:txBody>
+          <a:bodyPr rtlCol="0" anchor="ctr"/>
+          <a:lstStyle/>
+          <a:p>
+            <a:pPr algn="ctr"/>
+            <a:endParaRPr lang="zh-CN" altLang="en-US" sz="3200" dirty="0"/>
+          </a:p>
+        </p:txBody>
+      </p:sp>
+    </p:spTree>
+    <p:extLst>
+      <p:ext uri="{BB962C8B-B14F-4D97-AF65-F5344CB8AC3E}">
+        <p14:creationId xmlns:p14="http://schemas.microsoft.com/office/powerpoint/2010/main" xmlns="" val="3419165084"/>
+      </p:ext>
+    </p:extLst>
+  </p:cSld>
+  <p:clrMapOvr>
+    <a:masterClrMapping/>
+  </p:clrMapOvr>
+  <p:timing>
+    <p:tnLst>
+      <p:par>
+        <p:cTn id="1" dur="indefinite" restart="never" nodeType="tmRoot"/>
+      </p:par>
+    </p:tnLst>
+  </p:timing>
+</p:sld>
+</file>
+
+<file path=ppt/slides/slide11.xml><?xml version="1.0" encoding="utf-8"?>
+<p:sld xmlns:a="http://schemas.openxmlformats.org/drawingml/2006/main" xmlns:r="http://schemas.openxmlformats.org/officeDocument/2006/relationships" xmlns:p="http://schemas.openxmlformats.org/presentationml/2006/main">
+  <p:cSld>
+    <p:spTree>
+      <p:nvGrpSpPr>
+        <p:cNvPr id="1" name=""/>
+        <p:cNvGrpSpPr/>
+        <p:nvPr/>
+      </p:nvGrpSpPr>
+      <p:grpSpPr>
+        <a:xfrm>
+          <a:off x="0" y="0"/>
+          <a:ext cx="0" cy="0"/>
+          <a:chOff x="0" y="0"/>
+          <a:chExt cx="0" cy="0"/>
+        </a:xfrm>
+      </p:grpSpPr>
+      <p:cxnSp>
+        <p:nvCxnSpPr>
+          <p:cNvPr id="4" name="直接连接符 3"/>
+          <p:cNvCxnSpPr/>
+          <p:nvPr/>
+        </p:nvCxnSpPr>
+        <p:spPr>
+          <a:xfrm>
+            <a:off x="11568113" y="-120650"/>
+            <a:ext cx="0" cy="7180263"/>
+          </a:xfrm>
+          <a:prstGeom prst="line">
+            <a:avLst/>
+          </a:prstGeom>
+          <a:ln>
+            <a:solidFill>
+              <a:schemeClr val="bg1"/>
+            </a:solidFill>
+          </a:ln>
+        </p:spPr>
+        <p:style>
+          <a:lnRef idx="1">
+            <a:schemeClr val="accent1"/>
+          </a:lnRef>
+          <a:fillRef idx="0">
+            <a:schemeClr val="accent1"/>
+          </a:fillRef>
+          <a:effectRef idx="0">
+            <a:schemeClr val="accent1"/>
+          </a:effectRef>
+          <a:fontRef idx="minor">
+            <a:schemeClr val="tx1"/>
+          </a:fontRef>
+        </p:style>
+      </p:cxnSp>
+      <p:sp>
+        <p:nvSpPr>
+          <p:cNvPr id="5" name="椭圆 4"/>
+          <p:cNvSpPr/>
+          <p:nvPr/>
+        </p:nvSpPr>
+        <p:spPr>
+          <a:xfrm>
             <a:off x="11283950" y="4641850"/>
             <a:ext cx="568325" cy="568325"/>
           </a:xfrm>
@@ -6165,7 +8004,7 @@
 </p:sld>
 </file>
 
-<file path=ppt/slides/slide11.xml><?xml version="1.0" encoding="utf-8"?>
+<file path=ppt/slides/slide12.xml><?xml version="1.0" encoding="utf-8"?>
 <p:sld xmlns:a="http://schemas.openxmlformats.org/drawingml/2006/main" xmlns:r="http://schemas.openxmlformats.org/officeDocument/2006/relationships" xmlns:p="http://schemas.openxmlformats.org/presentationml/2006/main">
   <p:cSld>
     <p:spTree>
@@ -6516,7 +8355,7 @@
 </p:sld>
 </file>
 
-<file path=ppt/slides/slide12.xml><?xml version="1.0" encoding="utf-8"?>
+<file path=ppt/slides/slide13.xml><?xml version="1.0" encoding="utf-8"?>
 <p:sld xmlns:a="http://schemas.openxmlformats.org/drawingml/2006/main" xmlns:r="http://schemas.openxmlformats.org/officeDocument/2006/relationships" xmlns:p="http://schemas.openxmlformats.org/presentationml/2006/main">
   <p:cSld>
     <p:spTree>
@@ -8351,7 +10190,7 @@
 </p:sld>
 </file>
 
-<file path=ppt/slides/slide13.xml><?xml version="1.0" encoding="utf-8"?>
+<file path=ppt/slides/slide14.xml><?xml version="1.0" encoding="utf-8"?>
 <p:sld xmlns:a="http://schemas.openxmlformats.org/drawingml/2006/main" xmlns:r="http://schemas.openxmlformats.org/officeDocument/2006/relationships" xmlns:p="http://schemas.openxmlformats.org/presentationml/2006/main">
   <p:cSld>
     <p:spTree>
@@ -19982,6 +21821,171 @@
           <a:chExt cx="0" cy="0"/>
         </a:xfrm>
       </p:grpSpPr>
+      <p:pic>
+        <p:nvPicPr>
+          <p:cNvPr id="4" name="Picture 2"/>
+          <p:cNvPicPr>
+            <a:picLocks noChangeAspect="1" noChangeArrowheads="1"/>
+          </p:cNvPicPr>
+          <p:nvPr/>
+        </p:nvPicPr>
+        <p:blipFill>
+          <a:blip r:embed="rId2" cstate="print"/>
+          <a:srcRect/>
+          <a:stretch>
+            <a:fillRect/>
+          </a:stretch>
+        </p:blipFill>
+        <p:spPr bwMode="auto">
+          <a:xfrm>
+            <a:off x="1018870" y="1929380"/>
+            <a:ext cx="9500925" cy="3905250"/>
+          </a:xfrm>
+          <a:prstGeom prst="rect">
+            <a:avLst/>
+          </a:prstGeom>
+          <a:noFill/>
+          <a:ln w="9525">
+            <a:noFill/>
+            <a:miter lim="800000"/>
+            <a:headEnd/>
+            <a:tailEnd/>
+          </a:ln>
+        </p:spPr>
+      </p:pic>
+      <p:sp>
+        <p:nvSpPr>
+          <p:cNvPr id="5" name="文本框 10"/>
+          <p:cNvSpPr txBox="1">
+            <a:spLocks noGrp="1" noChangeArrowheads="1"/>
+          </p:cNvSpPr>
+          <p:nvPr>
+            <p:ph type="title"/>
+          </p:nvPr>
+        </p:nvSpPr>
+        <p:spPr bwMode="auto">
+          <a:prstGeom prst="rect">
+            <a:avLst/>
+          </a:prstGeom>
+          <a:noFill/>
+          <a:ln w="9525">
+            <a:noFill/>
+            <a:miter lim="800000"/>
+            <a:headEnd/>
+            <a:tailEnd/>
+          </a:ln>
+        </p:spPr>
+        <p:txBody>
+          <a:bodyPr>
+            <a:spAutoFit/>
+          </a:bodyPr>
+          <a:lstStyle/>
+          <a:p>
+            <a:r>
+              <a:rPr lang="en-US" altLang="zh-CN" sz="4800" dirty="0" smtClean="0">
+                <a:solidFill>
+                  <a:schemeClr val="bg1"/>
+                </a:solidFill>
+                <a:latin typeface="Broadway"/>
+                <a:ea typeface="微软雅黑" pitchFamily="34" charset="-122"/>
+              </a:rPr>
+              <a:t>Action</a:t>
+            </a:r>
+            <a:r>
+              <a:rPr lang="zh-CN" altLang="en-US" sz="4800" dirty="0" smtClean="0">
+                <a:solidFill>
+                  <a:schemeClr val="bg1"/>
+                </a:solidFill>
+                <a:latin typeface="Broadway"/>
+                <a:ea typeface="微软雅黑" pitchFamily="34" charset="-122"/>
+              </a:rPr>
+              <a:t>、</a:t>
+            </a:r>
+            <a:r>
+              <a:rPr lang="en-US" altLang="zh-CN" sz="4800" dirty="0" smtClean="0">
+                <a:solidFill>
+                  <a:schemeClr val="bg1"/>
+                </a:solidFill>
+                <a:latin typeface="Broadway"/>
+                <a:ea typeface="微软雅黑" pitchFamily="34" charset="-122"/>
+              </a:rPr>
+              <a:t>Category</a:t>
+            </a:r>
+            <a:r>
+              <a:rPr lang="zh-CN" altLang="en-US" sz="4800" dirty="0" smtClean="0">
+                <a:solidFill>
+                  <a:schemeClr val="bg1"/>
+                </a:solidFill>
+                <a:latin typeface="Calibri" pitchFamily="34" charset="0"/>
+                <a:ea typeface="方正大黑简体" pitchFamily="2" charset="-122"/>
+              </a:rPr>
+              <a:t>属性</a:t>
+            </a:r>
+            <a:r>
+              <a:rPr lang="zh-CN" altLang="en-US" sz="2400" dirty="0" smtClean="0">
+                <a:solidFill>
+                  <a:schemeClr val="bg1"/>
+                </a:solidFill>
+                <a:latin typeface="Calibri" pitchFamily="34" charset="0"/>
+                <a:ea typeface="方正大黑简体" pitchFamily="2" charset="-122"/>
+              </a:rPr>
+              <a:t>与</a:t>
+            </a:r>
+            <a:r>
+              <a:rPr lang="en-US" altLang="zh-CN" sz="2400" dirty="0" smtClean="0">
+                <a:solidFill>
+                  <a:schemeClr val="bg1"/>
+                </a:solidFill>
+                <a:latin typeface="Calibri" pitchFamily="34" charset="0"/>
+                <a:ea typeface="方正大黑简体" pitchFamily="2" charset="-122"/>
+              </a:rPr>
+              <a:t>intent-filter</a:t>
+            </a:r>
+            <a:r>
+              <a:rPr lang="zh-CN" altLang="en-US" sz="2400" dirty="0" smtClean="0">
+                <a:solidFill>
+                  <a:schemeClr val="bg1"/>
+                </a:solidFill>
+                <a:latin typeface="Calibri" pitchFamily="34" charset="0"/>
+                <a:ea typeface="方正大黑简体" pitchFamily="2" charset="-122"/>
+              </a:rPr>
+              <a:t>配置</a:t>
+            </a:r>
+            <a:endParaRPr lang="zh-CN" altLang="en-US" sz="2400" dirty="0">
+              <a:solidFill>
+                <a:schemeClr val="bg1"/>
+              </a:solidFill>
+              <a:latin typeface="Calibri" pitchFamily="34" charset="0"/>
+              <a:ea typeface="方正大黑简体" pitchFamily="2" charset="-122"/>
+            </a:endParaRPr>
+          </a:p>
+        </p:txBody>
+      </p:sp>
+    </p:spTree>
+  </p:cSld>
+  <p:clrMapOvr>
+    <a:masterClrMapping/>
+  </p:clrMapOvr>
+</p:sld>
+</file>
+
+<file path=ppt/slides/slide9.xml><?xml version="1.0" encoding="utf-8"?>
+<p:sld xmlns:a="http://schemas.openxmlformats.org/drawingml/2006/main" xmlns:r="http://schemas.openxmlformats.org/officeDocument/2006/relationships" xmlns:p="http://schemas.openxmlformats.org/presentationml/2006/main">
+  <p:cSld>
+    <p:spTree>
+      <p:nvGrpSpPr>
+        <p:cNvPr id="1" name=""/>
+        <p:cNvGrpSpPr/>
+        <p:nvPr/>
+      </p:nvGrpSpPr>
+      <p:grpSpPr>
+        <a:xfrm>
+          <a:off x="0" y="0"/>
+          <a:ext cx="0" cy="0"/>
+          <a:chOff x="0" y="0"/>
+          <a:chExt cx="0" cy="0"/>
+        </a:xfrm>
+      </p:grpSpPr>
       <p:cxnSp>
         <p:nvCxnSpPr>
           <p:cNvPr id="4" name="直接连接符 3"/>
@@ -20635,1844 +22639,6 @@
             </p:seq>
           </p:childTnLst>
         </p:cTn>
-      </p:par>
-    </p:tnLst>
-  </p:timing>
-</p:sld>
-</file>
-
-<file path=ppt/slides/slide9.xml><?xml version="1.0" encoding="utf-8"?>
-<p:sld xmlns:a="http://schemas.openxmlformats.org/drawingml/2006/main" xmlns:r="http://schemas.openxmlformats.org/officeDocument/2006/relationships" xmlns:p="http://schemas.openxmlformats.org/presentationml/2006/main">
-  <p:cSld>
-    <p:spTree>
-      <p:nvGrpSpPr>
-        <p:cNvPr id="1" name=""/>
-        <p:cNvGrpSpPr/>
-        <p:nvPr/>
-      </p:nvGrpSpPr>
-      <p:grpSpPr>
-        <a:xfrm>
-          <a:off x="0" y="0"/>
-          <a:ext cx="0" cy="0"/>
-          <a:chOff x="0" y="0"/>
-          <a:chExt cx="0" cy="0"/>
-        </a:xfrm>
-      </p:grpSpPr>
-      <p:cxnSp>
-        <p:nvCxnSpPr>
-          <p:cNvPr id="4" name="直接连接符 3"/>
-          <p:cNvCxnSpPr/>
-          <p:nvPr/>
-        </p:nvCxnSpPr>
-        <p:spPr>
-          <a:xfrm>
-            <a:off x="11568113" y="-120650"/>
-            <a:ext cx="0" cy="7180263"/>
-          </a:xfrm>
-          <a:prstGeom prst="line">
-            <a:avLst/>
-          </a:prstGeom>
-          <a:ln>
-            <a:solidFill>
-              <a:schemeClr val="bg1"/>
-            </a:solidFill>
-          </a:ln>
-        </p:spPr>
-        <p:style>
-          <a:lnRef idx="1">
-            <a:schemeClr val="accent1"/>
-          </a:lnRef>
-          <a:fillRef idx="0">
-            <a:schemeClr val="accent1"/>
-          </a:fillRef>
-          <a:effectRef idx="0">
-            <a:schemeClr val="accent1"/>
-          </a:effectRef>
-          <a:fontRef idx="minor">
-            <a:schemeClr val="tx1"/>
-          </a:fontRef>
-        </p:style>
-      </p:cxnSp>
-      <p:sp>
-        <p:nvSpPr>
-          <p:cNvPr id="5" name="椭圆 4"/>
-          <p:cNvSpPr/>
-          <p:nvPr/>
-        </p:nvSpPr>
-        <p:spPr>
-          <a:xfrm>
-            <a:off x="11283950" y="3681413"/>
-            <a:ext cx="568325" cy="568325"/>
-          </a:xfrm>
-          <a:prstGeom prst="ellipse">
-            <a:avLst/>
-          </a:prstGeom>
-          <a:solidFill>
-            <a:srgbClr val="FE5A3E"/>
-          </a:solidFill>
-          <a:ln>
-            <a:noFill/>
-          </a:ln>
-        </p:spPr>
-        <p:style>
-          <a:lnRef idx="2">
-            <a:schemeClr val="accent1">
-              <a:shade val="50000"/>
-            </a:schemeClr>
-          </a:lnRef>
-          <a:fillRef idx="1">
-            <a:schemeClr val="accent1"/>
-          </a:fillRef>
-          <a:effectRef idx="0">
-            <a:schemeClr val="accent1"/>
-          </a:effectRef>
-          <a:fontRef idx="minor">
-            <a:schemeClr val="lt1"/>
-          </a:fontRef>
-        </p:style>
-        <p:txBody>
-          <a:bodyPr anchor="ctr"/>
-          <a:lstStyle/>
-          <a:p>
-            <a:pPr algn="ctr" fontAlgn="auto">
-              <a:spcBef>
-                <a:spcPts val="0"/>
-              </a:spcBef>
-              <a:spcAft>
-                <a:spcPts val="0"/>
-              </a:spcAft>
-              <a:defRPr/>
-            </a:pPr>
-            <a:endParaRPr lang="zh-CN" altLang="en-US"/>
-          </a:p>
-        </p:txBody>
-      </p:sp>
-      <p:sp>
-        <p:nvSpPr>
-          <p:cNvPr id="6" name="椭圆 5"/>
-          <p:cNvSpPr/>
-          <p:nvPr/>
-        </p:nvSpPr>
-        <p:spPr>
-          <a:xfrm>
-            <a:off x="11399838" y="1911350"/>
-            <a:ext cx="336550" cy="336550"/>
-          </a:xfrm>
-          <a:prstGeom prst="ellipse">
-            <a:avLst/>
-          </a:prstGeom>
-          <a:solidFill>
-            <a:srgbClr val="FFFFFF"/>
-          </a:solidFill>
-          <a:ln>
-            <a:solidFill>
-              <a:schemeClr val="bg1"/>
-            </a:solidFill>
-          </a:ln>
-        </p:spPr>
-        <p:style>
-          <a:lnRef idx="2">
-            <a:schemeClr val="accent1">
-              <a:shade val="50000"/>
-            </a:schemeClr>
-          </a:lnRef>
-          <a:fillRef idx="1">
-            <a:schemeClr val="accent1"/>
-          </a:fillRef>
-          <a:effectRef idx="0">
-            <a:schemeClr val="accent1"/>
-          </a:effectRef>
-          <a:fontRef idx="minor">
-            <a:schemeClr val="lt1"/>
-          </a:fontRef>
-        </p:style>
-        <p:txBody>
-          <a:bodyPr anchor="ctr"/>
-          <a:lstStyle/>
-          <a:p>
-            <a:pPr algn="ctr" fontAlgn="auto">
-              <a:spcBef>
-                <a:spcPts val="0"/>
-              </a:spcBef>
-              <a:spcAft>
-                <a:spcPts val="0"/>
-              </a:spcAft>
-              <a:defRPr/>
-            </a:pPr>
-            <a:endParaRPr lang="zh-CN" altLang="en-US"/>
-          </a:p>
-        </p:txBody>
-      </p:sp>
-      <p:sp>
-        <p:nvSpPr>
-          <p:cNvPr id="7" name="椭圆 6"/>
-          <p:cNvSpPr/>
-          <p:nvPr/>
-        </p:nvSpPr>
-        <p:spPr>
-          <a:xfrm>
-            <a:off x="11399838" y="914400"/>
-            <a:ext cx="336550" cy="336550"/>
-          </a:xfrm>
-          <a:prstGeom prst="ellipse">
-            <a:avLst/>
-          </a:prstGeom>
-          <a:solidFill>
-            <a:srgbClr val="FFFFFF"/>
-          </a:solidFill>
-          <a:ln>
-            <a:solidFill>
-              <a:schemeClr val="bg1"/>
-            </a:solidFill>
-          </a:ln>
-        </p:spPr>
-        <p:style>
-          <a:lnRef idx="2">
-            <a:schemeClr val="accent1">
-              <a:shade val="50000"/>
-            </a:schemeClr>
-          </a:lnRef>
-          <a:fillRef idx="1">
-            <a:schemeClr val="accent1"/>
-          </a:fillRef>
-          <a:effectRef idx="0">
-            <a:schemeClr val="accent1"/>
-          </a:effectRef>
-          <a:fontRef idx="minor">
-            <a:schemeClr val="lt1"/>
-          </a:fontRef>
-        </p:style>
-        <p:txBody>
-          <a:bodyPr anchor="ctr"/>
-          <a:lstStyle/>
-          <a:p>
-            <a:pPr algn="ctr" fontAlgn="auto">
-              <a:spcBef>
-                <a:spcPts val="0"/>
-              </a:spcBef>
-              <a:spcAft>
-                <a:spcPts val="0"/>
-              </a:spcAft>
-              <a:defRPr/>
-            </a:pPr>
-            <a:endParaRPr lang="zh-CN" altLang="en-US"/>
-          </a:p>
-        </p:txBody>
-      </p:sp>
-      <p:sp>
-        <p:nvSpPr>
-          <p:cNvPr id="8" name="椭圆 7"/>
-          <p:cNvSpPr/>
-          <p:nvPr/>
-        </p:nvSpPr>
-        <p:spPr>
-          <a:xfrm>
-            <a:off x="11399838" y="2854325"/>
-            <a:ext cx="336550" cy="336550"/>
-          </a:xfrm>
-          <a:prstGeom prst="ellipse">
-            <a:avLst/>
-          </a:prstGeom>
-          <a:solidFill>
-            <a:srgbClr val="FFFFFF"/>
-          </a:solidFill>
-          <a:ln>
-            <a:solidFill>
-              <a:schemeClr val="bg1"/>
-            </a:solidFill>
-          </a:ln>
-        </p:spPr>
-        <p:style>
-          <a:lnRef idx="2">
-            <a:schemeClr val="accent1">
-              <a:shade val="50000"/>
-            </a:schemeClr>
-          </a:lnRef>
-          <a:fillRef idx="1">
-            <a:schemeClr val="accent1"/>
-          </a:fillRef>
-          <a:effectRef idx="0">
-            <a:schemeClr val="accent1"/>
-          </a:effectRef>
-          <a:fontRef idx="minor">
-            <a:schemeClr val="lt1"/>
-          </a:fontRef>
-        </p:style>
-        <p:txBody>
-          <a:bodyPr anchor="ctr"/>
-          <a:lstStyle/>
-          <a:p>
-            <a:pPr algn="ctr" fontAlgn="auto">
-              <a:spcBef>
-                <a:spcPts val="0"/>
-              </a:spcBef>
-              <a:spcAft>
-                <a:spcPts val="0"/>
-              </a:spcAft>
-              <a:defRPr/>
-            </a:pPr>
-            <a:endParaRPr lang="zh-CN" altLang="en-US"/>
-          </a:p>
-        </p:txBody>
-      </p:sp>
-      <p:sp>
-        <p:nvSpPr>
-          <p:cNvPr id="9" name="椭圆 8"/>
-          <p:cNvSpPr/>
-          <p:nvPr/>
-        </p:nvSpPr>
-        <p:spPr>
-          <a:xfrm>
-            <a:off x="11399838" y="4740275"/>
-            <a:ext cx="336550" cy="336550"/>
-          </a:xfrm>
-          <a:prstGeom prst="ellipse">
-            <a:avLst/>
-          </a:prstGeom>
-          <a:solidFill>
-            <a:srgbClr val="FFFFFF"/>
-          </a:solidFill>
-          <a:ln>
-            <a:solidFill>
-              <a:schemeClr val="bg1"/>
-            </a:solidFill>
-          </a:ln>
-        </p:spPr>
-        <p:style>
-          <a:lnRef idx="2">
-            <a:schemeClr val="accent1">
-              <a:shade val="50000"/>
-            </a:schemeClr>
-          </a:lnRef>
-          <a:fillRef idx="1">
-            <a:schemeClr val="accent1"/>
-          </a:fillRef>
-          <a:effectRef idx="0">
-            <a:schemeClr val="accent1"/>
-          </a:effectRef>
-          <a:fontRef idx="minor">
-            <a:schemeClr val="lt1"/>
-          </a:fontRef>
-        </p:style>
-        <p:txBody>
-          <a:bodyPr anchor="ctr"/>
-          <a:lstStyle/>
-          <a:p>
-            <a:pPr algn="ctr" fontAlgn="auto">
-              <a:spcBef>
-                <a:spcPts val="0"/>
-              </a:spcBef>
-              <a:spcAft>
-                <a:spcPts val="0"/>
-              </a:spcAft>
-              <a:defRPr/>
-            </a:pPr>
-            <a:endParaRPr lang="zh-CN" altLang="en-US"/>
-          </a:p>
-        </p:txBody>
-      </p:sp>
-      <p:sp>
-        <p:nvSpPr>
-          <p:cNvPr id="10" name="椭圆 9"/>
-          <p:cNvSpPr/>
-          <p:nvPr/>
-        </p:nvSpPr>
-        <p:spPr>
-          <a:xfrm>
-            <a:off x="11399838" y="5683250"/>
-            <a:ext cx="336550" cy="336550"/>
-          </a:xfrm>
-          <a:prstGeom prst="ellipse">
-            <a:avLst/>
-          </a:prstGeom>
-          <a:solidFill>
-            <a:srgbClr val="FFFFFF"/>
-          </a:solidFill>
-          <a:ln>
-            <a:solidFill>
-              <a:schemeClr val="bg1"/>
-            </a:solidFill>
-          </a:ln>
-        </p:spPr>
-        <p:style>
-          <a:lnRef idx="2">
-            <a:schemeClr val="accent1">
-              <a:shade val="50000"/>
-            </a:schemeClr>
-          </a:lnRef>
-          <a:fillRef idx="1">
-            <a:schemeClr val="accent1"/>
-          </a:fillRef>
-          <a:effectRef idx="0">
-            <a:schemeClr val="accent1"/>
-          </a:effectRef>
-          <a:fontRef idx="minor">
-            <a:schemeClr val="lt1"/>
-          </a:fontRef>
-        </p:style>
-        <p:txBody>
-          <a:bodyPr anchor="ctr"/>
-          <a:lstStyle/>
-          <a:p>
-            <a:pPr algn="ctr" fontAlgn="auto">
-              <a:spcBef>
-                <a:spcPts val="0"/>
-              </a:spcBef>
-              <a:spcAft>
-                <a:spcPts val="0"/>
-              </a:spcAft>
-              <a:defRPr/>
-            </a:pPr>
-            <a:endParaRPr lang="zh-CN" altLang="en-US"/>
-          </a:p>
-        </p:txBody>
-      </p:sp>
-      <p:sp>
-        <p:nvSpPr>
-          <p:cNvPr id="23" name="文本框 10"/>
-          <p:cNvSpPr txBox="1">
-            <a:spLocks noChangeArrowheads="1"/>
-          </p:cNvSpPr>
-          <p:nvPr/>
-        </p:nvSpPr>
-        <p:spPr bwMode="auto">
-          <a:xfrm>
-            <a:off x="514349" y="544421"/>
-            <a:ext cx="10442575" cy="830997"/>
-          </a:xfrm>
-          <a:prstGeom prst="rect">
-            <a:avLst/>
-          </a:prstGeom>
-          <a:noFill/>
-          <a:ln w="9525">
-            <a:noFill/>
-            <a:miter lim="800000"/>
-            <a:headEnd/>
-            <a:tailEnd/>
-          </a:ln>
-        </p:spPr>
-        <p:txBody>
-          <a:bodyPr>
-            <a:spAutoFit/>
-          </a:bodyPr>
-          <a:lstStyle/>
-          <a:p>
-            <a:r>
-              <a:rPr lang="en-US" altLang="zh-CN" sz="4800" dirty="0" smtClean="0">
-                <a:solidFill>
-                  <a:schemeClr val="bg1"/>
-                </a:solidFill>
-                <a:latin typeface="Broadway"/>
-                <a:ea typeface="微软雅黑" pitchFamily="34" charset="-122"/>
-              </a:rPr>
-              <a:t>Data</a:t>
-            </a:r>
-            <a:r>
-              <a:rPr lang="zh-CN" altLang="en-US" sz="4800" dirty="0" smtClean="0">
-                <a:solidFill>
-                  <a:schemeClr val="bg1"/>
-                </a:solidFill>
-                <a:latin typeface="Broadway"/>
-                <a:ea typeface="微软雅黑" pitchFamily="34" charset="-122"/>
-              </a:rPr>
-              <a:t>、</a:t>
-            </a:r>
-            <a:r>
-              <a:rPr lang="en-US" altLang="zh-CN" sz="4800" dirty="0" smtClean="0">
-                <a:solidFill>
-                  <a:schemeClr val="bg1"/>
-                </a:solidFill>
-                <a:latin typeface="Broadway"/>
-                <a:ea typeface="微软雅黑" pitchFamily="34" charset="-122"/>
-              </a:rPr>
-              <a:t>Type</a:t>
-            </a:r>
-            <a:r>
-              <a:rPr lang="zh-CN" altLang="en-US" sz="4800" dirty="0" smtClean="0">
-                <a:solidFill>
-                  <a:schemeClr val="bg1"/>
-                </a:solidFill>
-                <a:latin typeface="Calibri" pitchFamily="34" charset="0"/>
-                <a:ea typeface="方正大黑简体" pitchFamily="2" charset="-122"/>
-              </a:rPr>
-              <a:t>属性</a:t>
-            </a:r>
-            <a:r>
-              <a:rPr lang="zh-CN" altLang="en-US" sz="2400" dirty="0" smtClean="0">
-                <a:solidFill>
-                  <a:schemeClr val="bg1"/>
-                </a:solidFill>
-                <a:latin typeface="Calibri" pitchFamily="34" charset="0"/>
-                <a:ea typeface="方正大黑简体" pitchFamily="2" charset="-122"/>
-              </a:rPr>
-              <a:t>与</a:t>
-            </a:r>
-            <a:r>
-              <a:rPr lang="en-US" altLang="zh-CN" sz="2400" dirty="0" smtClean="0">
-                <a:solidFill>
-                  <a:schemeClr val="bg1"/>
-                </a:solidFill>
-                <a:latin typeface="Calibri" pitchFamily="34" charset="0"/>
-                <a:ea typeface="方正大黑简体" pitchFamily="2" charset="-122"/>
-              </a:rPr>
-              <a:t>intent-filter</a:t>
-            </a:r>
-            <a:r>
-              <a:rPr lang="zh-CN" altLang="en-US" sz="2400" dirty="0" smtClean="0">
-                <a:solidFill>
-                  <a:schemeClr val="bg1"/>
-                </a:solidFill>
-                <a:latin typeface="Calibri" pitchFamily="34" charset="0"/>
-                <a:ea typeface="方正大黑简体" pitchFamily="2" charset="-122"/>
-              </a:rPr>
-              <a:t>配置</a:t>
-            </a:r>
-            <a:endParaRPr lang="zh-CN" altLang="en-US" sz="2400" dirty="0">
-              <a:solidFill>
-                <a:schemeClr val="bg1"/>
-              </a:solidFill>
-              <a:latin typeface="Calibri" pitchFamily="34" charset="0"/>
-              <a:ea typeface="方正大黑简体" pitchFamily="2" charset="-122"/>
-            </a:endParaRPr>
-          </a:p>
-        </p:txBody>
-      </p:sp>
-      <p:sp>
-        <p:nvSpPr>
-          <p:cNvPr id="24" name="文本框 1"/>
-          <p:cNvSpPr txBox="1">
-            <a:spLocks noChangeArrowheads="1"/>
-          </p:cNvSpPr>
-          <p:nvPr/>
-        </p:nvSpPr>
-        <p:spPr bwMode="auto">
-          <a:xfrm>
-            <a:off x="1128687" y="1911350"/>
-            <a:ext cx="3015208" cy="1661993"/>
-          </a:xfrm>
-          <a:prstGeom prst="rect">
-            <a:avLst/>
-          </a:prstGeom>
-          <a:noFill/>
-          <a:ln w="9525">
-            <a:noFill/>
-            <a:miter lim="800000"/>
-            <a:headEnd/>
-            <a:tailEnd/>
-          </a:ln>
-        </p:spPr>
-        <p:txBody>
-          <a:bodyPr>
-            <a:spAutoFit/>
-          </a:bodyPr>
-          <a:lstStyle/>
-          <a:p>
-            <a:r>
-              <a:rPr lang="en-US" altLang="zh-CN" sz="4800" dirty="0" smtClean="0">
-                <a:solidFill>
-                  <a:schemeClr val="bg1"/>
-                </a:solidFill>
-                <a:latin typeface="Calibri" pitchFamily="34" charset="0"/>
-                <a:ea typeface="方正大黑简体" pitchFamily="2" charset="-122"/>
-              </a:rPr>
-              <a:t>Data</a:t>
-            </a:r>
-            <a:r>
-              <a:rPr lang="zh-CN" altLang="en-US" sz="4800" dirty="0" smtClean="0">
-                <a:solidFill>
-                  <a:schemeClr val="bg1"/>
-                </a:solidFill>
-                <a:latin typeface="Calibri" pitchFamily="34" charset="0"/>
-                <a:ea typeface="方正大黑简体" pitchFamily="2" charset="-122"/>
-              </a:rPr>
-              <a:t>属性</a:t>
-            </a:r>
-            <a:endParaRPr lang="en-US" altLang="zh-CN" sz="4800" dirty="0">
-              <a:solidFill>
-                <a:schemeClr val="bg1"/>
-              </a:solidFill>
-              <a:latin typeface="Calibri" pitchFamily="34" charset="0"/>
-              <a:ea typeface="方正大黑简体" pitchFamily="2" charset="-122"/>
-            </a:endParaRPr>
-          </a:p>
-          <a:p>
-            <a:r>
-              <a:rPr lang="zh-CN" altLang="en-US" dirty="0" smtClean="0">
-                <a:solidFill>
-                  <a:schemeClr val="bg1"/>
-                </a:solidFill>
-                <a:latin typeface="Calibri" pitchFamily="34" charset="0"/>
-                <a:ea typeface="方正大黑简体" pitchFamily="2" charset="-122"/>
-              </a:rPr>
-              <a:t>用于向</a:t>
-            </a:r>
-            <a:r>
-              <a:rPr lang="en-US" altLang="zh-CN" dirty="0" smtClean="0">
-                <a:solidFill>
-                  <a:schemeClr val="bg1"/>
-                </a:solidFill>
-                <a:latin typeface="Calibri" pitchFamily="34" charset="0"/>
-                <a:ea typeface="方正大黑简体" pitchFamily="2" charset="-122"/>
-              </a:rPr>
-              <a:t>Action</a:t>
-            </a:r>
-            <a:r>
-              <a:rPr lang="zh-CN" altLang="en-US" dirty="0" smtClean="0">
-                <a:solidFill>
-                  <a:schemeClr val="bg1"/>
-                </a:solidFill>
-                <a:latin typeface="Calibri" pitchFamily="34" charset="0"/>
-                <a:ea typeface="方正大黑简体" pitchFamily="2" charset="-122"/>
-              </a:rPr>
-              <a:t>属性提供操作的数据，</a:t>
-            </a:r>
-            <a:r>
-              <a:rPr lang="en-US" altLang="zh-CN" dirty="0" smtClean="0">
-                <a:solidFill>
-                  <a:schemeClr val="bg1"/>
-                </a:solidFill>
-                <a:latin typeface="Calibri" pitchFamily="34" charset="0"/>
-                <a:ea typeface="方正大黑简体" pitchFamily="2" charset="-122"/>
-              </a:rPr>
-              <a:t>Data</a:t>
-            </a:r>
-            <a:r>
-              <a:rPr lang="zh-CN" altLang="en-US" dirty="0" smtClean="0">
-                <a:solidFill>
-                  <a:schemeClr val="bg1"/>
-                </a:solidFill>
-                <a:latin typeface="Calibri" pitchFamily="34" charset="0"/>
-                <a:ea typeface="方正大黑简体" pitchFamily="2" charset="-122"/>
-              </a:rPr>
-              <a:t>属性接受一个</a:t>
-            </a:r>
-            <a:r>
-              <a:rPr lang="en-US" altLang="zh-CN" dirty="0" smtClean="0">
-                <a:solidFill>
-                  <a:schemeClr val="bg1"/>
-                </a:solidFill>
-                <a:latin typeface="Calibri" pitchFamily="34" charset="0"/>
-                <a:ea typeface="方正大黑简体" pitchFamily="2" charset="-122"/>
-              </a:rPr>
-              <a:t>Uri</a:t>
-            </a:r>
-            <a:r>
-              <a:rPr lang="zh-CN" altLang="en-US" dirty="0" smtClean="0">
-                <a:solidFill>
-                  <a:schemeClr val="bg1"/>
-                </a:solidFill>
-                <a:latin typeface="Calibri" pitchFamily="34" charset="0"/>
-                <a:ea typeface="方正大黑简体" pitchFamily="2" charset="-122"/>
-              </a:rPr>
-              <a:t>对象。</a:t>
-            </a:r>
-            <a:endParaRPr lang="zh-CN" altLang="en-US" dirty="0">
-              <a:solidFill>
-                <a:schemeClr val="bg1"/>
-              </a:solidFill>
-              <a:latin typeface="Calibri" pitchFamily="34" charset="0"/>
-              <a:ea typeface="方正大黑简体" pitchFamily="2" charset="-122"/>
-            </a:endParaRPr>
-          </a:p>
-        </p:txBody>
-      </p:sp>
-      <p:sp>
-        <p:nvSpPr>
-          <p:cNvPr id="26" name="文本框 1"/>
-          <p:cNvSpPr txBox="1">
-            <a:spLocks noChangeArrowheads="1"/>
-          </p:cNvSpPr>
-          <p:nvPr/>
-        </p:nvSpPr>
-        <p:spPr bwMode="auto">
-          <a:xfrm>
-            <a:off x="7297713" y="1807488"/>
-            <a:ext cx="3015208" cy="1661993"/>
-          </a:xfrm>
-          <a:prstGeom prst="rect">
-            <a:avLst/>
-          </a:prstGeom>
-          <a:noFill/>
-          <a:ln w="9525">
-            <a:noFill/>
-            <a:miter lim="800000"/>
-            <a:headEnd/>
-            <a:tailEnd/>
-          </a:ln>
-        </p:spPr>
-        <p:txBody>
-          <a:bodyPr>
-            <a:spAutoFit/>
-          </a:bodyPr>
-          <a:lstStyle/>
-          <a:p>
-            <a:r>
-              <a:rPr lang="en-US" altLang="zh-CN" sz="4800" dirty="0" smtClean="0">
-                <a:solidFill>
-                  <a:schemeClr val="bg1"/>
-                </a:solidFill>
-                <a:latin typeface="Calibri" pitchFamily="34" charset="0"/>
-                <a:ea typeface="方正大黑简体" pitchFamily="2" charset="-122"/>
-              </a:rPr>
-              <a:t>Type</a:t>
-            </a:r>
-            <a:r>
-              <a:rPr lang="zh-CN" altLang="en-US" sz="4800" dirty="0" smtClean="0">
-                <a:solidFill>
-                  <a:schemeClr val="bg1"/>
-                </a:solidFill>
-                <a:latin typeface="Calibri" pitchFamily="34" charset="0"/>
-                <a:ea typeface="方正大黑简体" pitchFamily="2" charset="-122"/>
-              </a:rPr>
-              <a:t>属性</a:t>
-            </a:r>
-            <a:endParaRPr lang="en-US" altLang="zh-CN" sz="4800" dirty="0">
-              <a:solidFill>
-                <a:schemeClr val="bg1"/>
-              </a:solidFill>
-              <a:latin typeface="Calibri" pitchFamily="34" charset="0"/>
-              <a:ea typeface="方正大黑简体" pitchFamily="2" charset="-122"/>
-            </a:endParaRPr>
-          </a:p>
-          <a:p>
-            <a:r>
-              <a:rPr lang="zh-CN" altLang="en-US" dirty="0" smtClean="0">
-                <a:solidFill>
-                  <a:schemeClr val="bg1"/>
-                </a:solidFill>
-                <a:latin typeface="Calibri" pitchFamily="34" charset="0"/>
-                <a:ea typeface="方正大黑简体" pitchFamily="2" charset="-122"/>
-              </a:rPr>
-              <a:t>用于指定该</a:t>
-            </a:r>
-            <a:r>
-              <a:rPr lang="en-US" altLang="zh-CN" dirty="0" smtClean="0">
-                <a:solidFill>
-                  <a:schemeClr val="bg1"/>
-                </a:solidFill>
-                <a:latin typeface="Calibri" pitchFamily="34" charset="0"/>
-                <a:ea typeface="方正大黑简体" pitchFamily="2" charset="-122"/>
-              </a:rPr>
-              <a:t>Data</a:t>
-            </a:r>
-            <a:r>
-              <a:rPr lang="zh-CN" altLang="en-US" dirty="0" smtClean="0">
-                <a:solidFill>
-                  <a:schemeClr val="bg1"/>
-                </a:solidFill>
-                <a:latin typeface="Calibri" pitchFamily="34" charset="0"/>
-                <a:ea typeface="方正大黑简体" pitchFamily="2" charset="-122"/>
-              </a:rPr>
-              <a:t>属性所指定</a:t>
-            </a:r>
-            <a:r>
-              <a:rPr lang="en-US" altLang="zh-CN" dirty="0" smtClean="0">
-                <a:solidFill>
-                  <a:schemeClr val="bg1"/>
-                </a:solidFill>
-                <a:latin typeface="Calibri" pitchFamily="34" charset="0"/>
-                <a:ea typeface="方正大黑简体" pitchFamily="2" charset="-122"/>
-              </a:rPr>
-              <a:t>Uri</a:t>
-            </a:r>
-            <a:r>
-              <a:rPr lang="zh-CN" altLang="en-US" dirty="0" smtClean="0">
-                <a:solidFill>
-                  <a:schemeClr val="bg1"/>
-                </a:solidFill>
-                <a:latin typeface="Calibri" pitchFamily="34" charset="0"/>
-                <a:ea typeface="方正大黑简体" pitchFamily="2" charset="-122"/>
-              </a:rPr>
-              <a:t>对应的</a:t>
-            </a:r>
-            <a:r>
-              <a:rPr lang="en-US" altLang="zh-CN" dirty="0" smtClean="0">
-                <a:solidFill>
-                  <a:schemeClr val="bg1"/>
-                </a:solidFill>
-                <a:latin typeface="Calibri" pitchFamily="34" charset="0"/>
-                <a:ea typeface="方正大黑简体" pitchFamily="2" charset="-122"/>
-              </a:rPr>
-              <a:t>MIME</a:t>
-            </a:r>
-            <a:r>
-              <a:rPr lang="zh-CN" altLang="en-US" dirty="0" smtClean="0">
-                <a:solidFill>
-                  <a:schemeClr val="bg1"/>
-                </a:solidFill>
-                <a:latin typeface="Calibri" pitchFamily="34" charset="0"/>
-                <a:ea typeface="方正大黑简体" pitchFamily="2" charset="-122"/>
-              </a:rPr>
-              <a:t>类型，可以是任何自定义的</a:t>
-            </a:r>
-            <a:r>
-              <a:rPr lang="en-US" altLang="zh-CN" dirty="0" smtClean="0">
-                <a:solidFill>
-                  <a:schemeClr val="bg1"/>
-                </a:solidFill>
-                <a:latin typeface="Calibri" pitchFamily="34" charset="0"/>
-                <a:ea typeface="方正大黑简体" pitchFamily="2" charset="-122"/>
-              </a:rPr>
-              <a:t>MIME</a:t>
-            </a:r>
-            <a:r>
-              <a:rPr lang="zh-CN" altLang="en-US" dirty="0" smtClean="0">
-                <a:solidFill>
-                  <a:schemeClr val="bg1"/>
-                </a:solidFill>
-                <a:latin typeface="Calibri" pitchFamily="34" charset="0"/>
-                <a:ea typeface="方正大黑简体" pitchFamily="2" charset="-122"/>
-              </a:rPr>
-              <a:t>类型。</a:t>
-            </a:r>
-            <a:endParaRPr lang="zh-CN" altLang="en-US" dirty="0">
-              <a:solidFill>
-                <a:schemeClr val="bg1"/>
-              </a:solidFill>
-              <a:latin typeface="Calibri" pitchFamily="34" charset="0"/>
-              <a:ea typeface="方正大黑简体" pitchFamily="2" charset="-122"/>
-            </a:endParaRPr>
-          </a:p>
-        </p:txBody>
-      </p:sp>
-      <p:sp>
-        <p:nvSpPr>
-          <p:cNvPr id="27" name="弧形 26"/>
-          <p:cNvSpPr/>
-          <p:nvPr/>
-        </p:nvSpPr>
-        <p:spPr bwMode="auto">
-          <a:xfrm rot="13500000">
-            <a:off x="7018314" y="2287767"/>
-            <a:ext cx="809625" cy="809625"/>
-          </a:xfrm>
-          <a:prstGeom prst="arc">
-            <a:avLst/>
-          </a:prstGeom>
-          <a:ln>
-            <a:solidFill>
-              <a:schemeClr val="bg1"/>
-            </a:solidFill>
-          </a:ln>
-        </p:spPr>
-        <p:style>
-          <a:lnRef idx="1">
-            <a:schemeClr val="accent1"/>
-          </a:lnRef>
-          <a:fillRef idx="0">
-            <a:schemeClr val="accent1"/>
-          </a:fillRef>
-          <a:effectRef idx="0">
-            <a:schemeClr val="accent1"/>
-          </a:effectRef>
-          <a:fontRef idx="minor">
-            <a:schemeClr val="tx1"/>
-          </a:fontRef>
-        </p:style>
-        <p:txBody>
-          <a:bodyPr anchor="ctr"/>
-          <a:lstStyle/>
-          <a:p>
-            <a:pPr algn="ctr" fontAlgn="auto">
-              <a:spcBef>
-                <a:spcPts val="0"/>
-              </a:spcBef>
-              <a:spcAft>
-                <a:spcPts val="0"/>
-              </a:spcAft>
-              <a:defRPr/>
-            </a:pPr>
-            <a:endParaRPr lang="zh-CN" altLang="en-US"/>
-          </a:p>
-        </p:txBody>
-      </p:sp>
-      <p:cxnSp>
-        <p:nvCxnSpPr>
-          <p:cNvPr id="28" name="直接连接符 27"/>
-          <p:cNvCxnSpPr/>
-          <p:nvPr/>
-        </p:nvCxnSpPr>
-        <p:spPr bwMode="auto">
-          <a:xfrm>
-            <a:off x="4167812" y="2638484"/>
-            <a:ext cx="2845740" cy="20758"/>
-          </a:xfrm>
-          <a:prstGeom prst="line">
-            <a:avLst/>
-          </a:prstGeom>
-          <a:ln>
-            <a:solidFill>
-              <a:schemeClr val="bg1"/>
-            </a:solidFill>
-            <a:prstDash val="sysDash"/>
-          </a:ln>
-        </p:spPr>
-        <p:style>
-          <a:lnRef idx="1">
-            <a:schemeClr val="accent1"/>
-          </a:lnRef>
-          <a:fillRef idx="0">
-            <a:schemeClr val="accent1"/>
-          </a:fillRef>
-          <a:effectRef idx="0">
-            <a:schemeClr val="accent1"/>
-          </a:effectRef>
-          <a:fontRef idx="minor">
-            <a:schemeClr val="tx1"/>
-          </a:fontRef>
-        </p:style>
-      </p:cxnSp>
-      <p:sp>
-        <p:nvSpPr>
-          <p:cNvPr id="29" name="弧形 28"/>
-          <p:cNvSpPr/>
-          <p:nvPr/>
-        </p:nvSpPr>
-        <p:spPr bwMode="auto">
-          <a:xfrm rot="2642406">
-            <a:off x="3342883" y="2254430"/>
-            <a:ext cx="809625" cy="809625"/>
-          </a:xfrm>
-          <a:prstGeom prst="arc">
-            <a:avLst/>
-          </a:prstGeom>
-          <a:ln>
-            <a:solidFill>
-              <a:schemeClr val="bg1"/>
-            </a:solidFill>
-          </a:ln>
-        </p:spPr>
-        <p:style>
-          <a:lnRef idx="1">
-            <a:schemeClr val="accent1"/>
-          </a:lnRef>
-          <a:fillRef idx="0">
-            <a:schemeClr val="accent1"/>
-          </a:fillRef>
-          <a:effectRef idx="0">
-            <a:schemeClr val="accent1"/>
-          </a:effectRef>
-          <a:fontRef idx="minor">
-            <a:schemeClr val="tx1"/>
-          </a:fontRef>
-        </p:style>
-        <p:txBody>
-          <a:bodyPr anchor="ctr"/>
-          <a:lstStyle/>
-          <a:p>
-            <a:pPr algn="ctr" fontAlgn="auto">
-              <a:spcBef>
-                <a:spcPts val="0"/>
-              </a:spcBef>
-              <a:spcAft>
-                <a:spcPts val="0"/>
-              </a:spcAft>
-              <a:defRPr/>
-            </a:pPr>
-            <a:endParaRPr lang="zh-CN" altLang="en-US"/>
-          </a:p>
-        </p:txBody>
-      </p:sp>
-      <p:sp>
-        <p:nvSpPr>
-          <p:cNvPr id="11" name="文本框 10"/>
-          <p:cNvSpPr txBox="1"/>
-          <p:nvPr/>
-        </p:nvSpPr>
-        <p:spPr>
-          <a:xfrm>
-            <a:off x="5007070" y="2238374"/>
-            <a:ext cx="1210588" cy="400110"/>
-          </a:xfrm>
-          <a:prstGeom prst="rect">
-            <a:avLst/>
-          </a:prstGeom>
-          <a:noFill/>
-        </p:spPr>
-        <p:txBody>
-          <a:bodyPr wrap="none" rtlCol="0">
-            <a:spAutoFit/>
-          </a:bodyPr>
-          <a:lstStyle/>
-          <a:p>
-            <a:r>
-              <a:rPr lang="zh-CN" altLang="en-US" sz="2000" dirty="0" smtClean="0">
-                <a:solidFill>
-                  <a:srgbClr val="FE5A3E"/>
-                </a:solidFill>
-                <a:latin typeface="微软雅黑" panose="020B0503020204020204" pitchFamily="34" charset="-122"/>
-                <a:ea typeface="微软雅黑" panose="020B0503020204020204" pitchFamily="34" charset="-122"/>
-              </a:rPr>
-              <a:t>相互覆盖</a:t>
-            </a:r>
-            <a:endParaRPr lang="zh-CN" altLang="en-US" sz="2000" dirty="0">
-              <a:solidFill>
-                <a:srgbClr val="FE5A3E"/>
-              </a:solidFill>
-              <a:latin typeface="微软雅黑" panose="020B0503020204020204" pitchFamily="34" charset="-122"/>
-              <a:ea typeface="微软雅黑" panose="020B0503020204020204" pitchFamily="34" charset="-122"/>
-            </a:endParaRPr>
-          </a:p>
-        </p:txBody>
-      </p:sp>
-      <p:sp>
-        <p:nvSpPr>
-          <p:cNvPr id="12" name="Rectangle 1"/>
-          <p:cNvSpPr>
-            <a:spLocks noChangeArrowheads="1"/>
-          </p:cNvSpPr>
-          <p:nvPr/>
-        </p:nvSpPr>
-        <p:spPr bwMode="auto">
-          <a:xfrm>
-            <a:off x="6440239" y="4249738"/>
-            <a:ext cx="3066865" cy="1815882"/>
-          </a:xfrm>
-          <a:prstGeom prst="rect">
-            <a:avLst/>
-          </a:prstGeom>
-          <a:solidFill>
-            <a:srgbClr val="FFFFFF"/>
-          </a:solidFill>
-          <a:ln>
-            <a:noFill/>
-          </a:ln>
-          <a:effectLst/>
-          <a:extLst>
-            <a:ext uri="{91240B29-F687-4f45-9708-019B960494DF}">
-              <a14:hiddenLine xmlns:a14="http://schemas.microsoft.com/office/drawing/2010/main" xmlns="" w="9525">
-                <a:solidFill>
-                  <a:schemeClr val="tx1"/>
-                </a:solidFill>
-                <a:miter lim="800000"/>
-                <a:headEnd/>
-                <a:tailEnd/>
-              </a14:hiddenLine>
-            </a:ext>
-            <a:ext uri="{AF507438-7753-43e0-B8FC-AC1667EBCBE1}">
-              <a14:hiddenEffects xmlns:a14="http://schemas.microsoft.com/office/drawing/2010/main" xmlns="">
-                <a:effectLst>
-                  <a:outerShdw dist="35921" dir="2700000" algn="ctr" rotWithShape="0">
-                    <a:schemeClr val="bg2"/>
-                  </a:outerShdw>
-                </a:effectLst>
-              </a14:hiddenEffects>
-            </a:ext>
-          </a:extLst>
-        </p:spPr>
-        <p:txBody>
-          <a:bodyPr vert="horz" wrap="none" lIns="91440" tIns="45720" rIns="91440" bIns="45720" numCol="1" anchor="ctr" anchorCtr="0" compatLnSpc="1">
-            <a:prstTxWarp prst="textNoShape">
-              <a:avLst/>
-            </a:prstTxWarp>
-            <a:spAutoFit/>
-          </a:bodyPr>
-          <a:lstStyle/>
-          <a:p>
-            <a:pPr marL="0" marR="0" lvl="0" indent="0" algn="l" defTabSz="914400" rtl="0" eaLnBrk="0" fontAlgn="base" latinLnBrk="0" hangingPunct="0">
-              <a:lnSpc>
-                <a:spcPct val="100000"/>
-              </a:lnSpc>
-              <a:spcBef>
-                <a:spcPct val="0"/>
-              </a:spcBef>
-              <a:spcAft>
-                <a:spcPct val="0"/>
-              </a:spcAft>
-              <a:buClrTx/>
-              <a:buSzTx/>
-              <a:buFontTx/>
-              <a:buNone/>
-              <a:tabLst/>
-            </a:pPr>
-            <a:r>
-              <a:rPr kumimoji="0" lang="zh-CN" altLang="zh-CN" sz="1400" b="0" i="0" u="none" strike="noStrike" cap="none" normalizeH="0" baseline="0" dirty="0" smtClean="0">
-                <a:ln>
-                  <a:noFill/>
-                </a:ln>
-                <a:solidFill>
-                  <a:srgbClr val="000000"/>
-                </a:solidFill>
-                <a:effectLst/>
-                <a:latin typeface="Consolas" panose="020B0609020204030204" pitchFamily="49" charset="0"/>
-                <a:cs typeface="Consolas" panose="020B0609020204030204" pitchFamily="49" charset="0"/>
-              </a:rPr>
-              <a:t>&lt;</a:t>
-            </a:r>
-            <a:r>
-              <a:rPr kumimoji="0" lang="zh-CN" altLang="zh-CN" sz="1400" b="1" i="0" u="none" strike="noStrike" cap="none" normalizeH="0" baseline="0" dirty="0" smtClean="0">
-                <a:ln>
-                  <a:noFill/>
-                </a:ln>
-                <a:solidFill>
-                  <a:srgbClr val="000080"/>
-                </a:solidFill>
-                <a:effectLst/>
-                <a:latin typeface="Consolas" panose="020B0609020204030204" pitchFamily="49" charset="0"/>
-                <a:cs typeface="Consolas" panose="020B0609020204030204" pitchFamily="49" charset="0"/>
-              </a:rPr>
-              <a:t>data</a:t>
-            </a:r>
-            <a:br>
-              <a:rPr kumimoji="0" lang="zh-CN" altLang="zh-CN" sz="1400" b="1" i="0" u="none" strike="noStrike" cap="none" normalizeH="0" baseline="0" dirty="0" smtClean="0">
-                <a:ln>
-                  <a:noFill/>
-                </a:ln>
-                <a:solidFill>
-                  <a:srgbClr val="000080"/>
-                </a:solidFill>
-                <a:effectLst/>
-                <a:latin typeface="Consolas" panose="020B0609020204030204" pitchFamily="49" charset="0"/>
-                <a:cs typeface="Consolas" panose="020B0609020204030204" pitchFamily="49" charset="0"/>
-              </a:rPr>
-            </a:br>
-            <a:r>
-              <a:rPr kumimoji="0" lang="zh-CN" altLang="zh-CN" sz="1400" b="1" i="0" u="none" strike="noStrike" cap="none" normalizeH="0" baseline="0" dirty="0" smtClean="0">
-                <a:ln>
-                  <a:noFill/>
-                </a:ln>
-                <a:solidFill>
-                  <a:srgbClr val="000080"/>
-                </a:solidFill>
-                <a:effectLst/>
-                <a:latin typeface="Consolas" panose="020B0609020204030204" pitchFamily="49" charset="0"/>
-                <a:cs typeface="Consolas" panose="020B0609020204030204" pitchFamily="49" charset="0"/>
-              </a:rPr>
-              <a:t>    </a:t>
-            </a:r>
-            <a:r>
-              <a:rPr kumimoji="0" lang="zh-CN" altLang="zh-CN" sz="1400" b="1" i="0" u="none" strike="noStrike" cap="none" normalizeH="0" baseline="0" dirty="0" smtClean="0">
-                <a:ln>
-                  <a:noFill/>
-                </a:ln>
-                <a:solidFill>
-                  <a:srgbClr val="660E7A"/>
-                </a:solidFill>
-                <a:effectLst/>
-                <a:latin typeface="Consolas" panose="020B0609020204030204" pitchFamily="49" charset="0"/>
-                <a:cs typeface="Consolas" panose="020B0609020204030204" pitchFamily="49" charset="0"/>
-              </a:rPr>
-              <a:t>android</a:t>
-            </a:r>
-            <a:r>
-              <a:rPr kumimoji="0" lang="zh-CN" altLang="zh-CN" sz="1400" b="1" i="0" u="none" strike="noStrike" cap="none" normalizeH="0" baseline="0" dirty="0" smtClean="0">
-                <a:ln>
-                  <a:noFill/>
-                </a:ln>
-                <a:solidFill>
-                  <a:srgbClr val="0000FF"/>
-                </a:solidFill>
-                <a:effectLst/>
-                <a:latin typeface="Consolas" panose="020B0609020204030204" pitchFamily="49" charset="0"/>
-                <a:cs typeface="Consolas" panose="020B0609020204030204" pitchFamily="49" charset="0"/>
-              </a:rPr>
-              <a:t>:mimeType=</a:t>
-            </a:r>
-            <a:r>
-              <a:rPr kumimoji="0" lang="zh-CN" altLang="zh-CN" sz="1400" b="1" i="0" u="none" strike="noStrike" cap="none" normalizeH="0" baseline="0" dirty="0" smtClean="0">
-                <a:ln>
-                  <a:noFill/>
-                </a:ln>
-                <a:solidFill>
-                  <a:srgbClr val="008000"/>
-                </a:solidFill>
-                <a:effectLst/>
-                <a:latin typeface="Consolas" panose="020B0609020204030204" pitchFamily="49" charset="0"/>
-                <a:cs typeface="Consolas" panose="020B0609020204030204" pitchFamily="49" charset="0"/>
-              </a:rPr>
-              <a:t>""</a:t>
-            </a:r>
-            <a:br>
-              <a:rPr kumimoji="0" lang="zh-CN" altLang="zh-CN" sz="1400" b="1" i="0" u="none" strike="noStrike" cap="none" normalizeH="0" baseline="0" dirty="0" smtClean="0">
-                <a:ln>
-                  <a:noFill/>
-                </a:ln>
-                <a:solidFill>
-                  <a:srgbClr val="008000"/>
-                </a:solidFill>
-                <a:effectLst/>
-                <a:latin typeface="Consolas" panose="020B0609020204030204" pitchFamily="49" charset="0"/>
-                <a:cs typeface="Consolas" panose="020B0609020204030204" pitchFamily="49" charset="0"/>
-              </a:rPr>
-            </a:br>
-            <a:r>
-              <a:rPr kumimoji="0" lang="zh-CN" altLang="zh-CN" sz="1400" b="1" i="0" u="none" strike="noStrike" cap="none" normalizeH="0" baseline="0" dirty="0" smtClean="0">
-                <a:ln>
-                  <a:noFill/>
-                </a:ln>
-                <a:solidFill>
-                  <a:srgbClr val="008000"/>
-                </a:solidFill>
-                <a:effectLst/>
-                <a:latin typeface="Consolas" panose="020B0609020204030204" pitchFamily="49" charset="0"/>
-                <a:cs typeface="Consolas" panose="020B0609020204030204" pitchFamily="49" charset="0"/>
-              </a:rPr>
-              <a:t>    </a:t>
-            </a:r>
-            <a:r>
-              <a:rPr kumimoji="0" lang="zh-CN" altLang="zh-CN" sz="1400" b="1" i="0" u="none" strike="noStrike" cap="none" normalizeH="0" baseline="0" dirty="0" smtClean="0">
-                <a:ln>
-                  <a:noFill/>
-                </a:ln>
-                <a:solidFill>
-                  <a:srgbClr val="660E7A"/>
-                </a:solidFill>
-                <a:effectLst/>
-                <a:latin typeface="Consolas" panose="020B0609020204030204" pitchFamily="49" charset="0"/>
-                <a:cs typeface="Consolas" panose="020B0609020204030204" pitchFamily="49" charset="0"/>
-              </a:rPr>
-              <a:t>android</a:t>
-            </a:r>
-            <a:r>
-              <a:rPr kumimoji="0" lang="zh-CN" altLang="zh-CN" sz="1400" b="1" i="0" u="none" strike="noStrike" cap="none" normalizeH="0" baseline="0" dirty="0" smtClean="0">
-                <a:ln>
-                  <a:noFill/>
-                </a:ln>
-                <a:solidFill>
-                  <a:srgbClr val="0000FF"/>
-                </a:solidFill>
-                <a:effectLst/>
-                <a:latin typeface="Consolas" panose="020B0609020204030204" pitchFamily="49" charset="0"/>
-                <a:cs typeface="Consolas" panose="020B0609020204030204" pitchFamily="49" charset="0"/>
-              </a:rPr>
-              <a:t>:scheme=</a:t>
-            </a:r>
-            <a:r>
-              <a:rPr kumimoji="0" lang="zh-CN" altLang="zh-CN" sz="1400" b="1" i="0" u="none" strike="noStrike" cap="none" normalizeH="0" baseline="0" dirty="0" smtClean="0">
-                <a:ln>
-                  <a:noFill/>
-                </a:ln>
-                <a:solidFill>
-                  <a:srgbClr val="008000"/>
-                </a:solidFill>
-                <a:effectLst/>
-                <a:latin typeface="Consolas" panose="020B0609020204030204" pitchFamily="49" charset="0"/>
-                <a:cs typeface="Consolas" panose="020B0609020204030204" pitchFamily="49" charset="0"/>
-              </a:rPr>
-              <a:t>""</a:t>
-            </a:r>
-            <a:br>
-              <a:rPr kumimoji="0" lang="zh-CN" altLang="zh-CN" sz="1400" b="1" i="0" u="none" strike="noStrike" cap="none" normalizeH="0" baseline="0" dirty="0" smtClean="0">
-                <a:ln>
-                  <a:noFill/>
-                </a:ln>
-                <a:solidFill>
-                  <a:srgbClr val="008000"/>
-                </a:solidFill>
-                <a:effectLst/>
-                <a:latin typeface="Consolas" panose="020B0609020204030204" pitchFamily="49" charset="0"/>
-                <a:cs typeface="Consolas" panose="020B0609020204030204" pitchFamily="49" charset="0"/>
-              </a:rPr>
-            </a:br>
-            <a:r>
-              <a:rPr kumimoji="0" lang="zh-CN" altLang="zh-CN" sz="1400" b="1" i="0" u="none" strike="noStrike" cap="none" normalizeH="0" baseline="0" dirty="0" smtClean="0">
-                <a:ln>
-                  <a:noFill/>
-                </a:ln>
-                <a:solidFill>
-                  <a:srgbClr val="008000"/>
-                </a:solidFill>
-                <a:effectLst/>
-                <a:latin typeface="Consolas" panose="020B0609020204030204" pitchFamily="49" charset="0"/>
-                <a:cs typeface="Consolas" panose="020B0609020204030204" pitchFamily="49" charset="0"/>
-              </a:rPr>
-              <a:t>    </a:t>
-            </a:r>
-            <a:r>
-              <a:rPr kumimoji="0" lang="zh-CN" altLang="zh-CN" sz="1400" b="1" i="0" u="none" strike="noStrike" cap="none" normalizeH="0" baseline="0" dirty="0" smtClean="0">
-                <a:ln>
-                  <a:noFill/>
-                </a:ln>
-                <a:solidFill>
-                  <a:srgbClr val="660E7A"/>
-                </a:solidFill>
-                <a:effectLst/>
-                <a:latin typeface="Consolas" panose="020B0609020204030204" pitchFamily="49" charset="0"/>
-                <a:cs typeface="Consolas" panose="020B0609020204030204" pitchFamily="49" charset="0"/>
-              </a:rPr>
-              <a:t>android</a:t>
-            </a:r>
-            <a:r>
-              <a:rPr kumimoji="0" lang="zh-CN" altLang="zh-CN" sz="1400" b="1" i="0" u="none" strike="noStrike" cap="none" normalizeH="0" baseline="0" dirty="0" smtClean="0">
-                <a:ln>
-                  <a:noFill/>
-                </a:ln>
-                <a:solidFill>
-                  <a:srgbClr val="0000FF"/>
-                </a:solidFill>
-                <a:effectLst/>
-                <a:latin typeface="Consolas" panose="020B0609020204030204" pitchFamily="49" charset="0"/>
-                <a:cs typeface="Consolas" panose="020B0609020204030204" pitchFamily="49" charset="0"/>
-              </a:rPr>
-              <a:t>:host=</a:t>
-            </a:r>
-            <a:r>
-              <a:rPr kumimoji="0" lang="zh-CN" altLang="zh-CN" sz="1400" b="1" i="0" u="none" strike="noStrike" cap="none" normalizeH="0" baseline="0" dirty="0" smtClean="0">
-                <a:ln>
-                  <a:noFill/>
-                </a:ln>
-                <a:solidFill>
-                  <a:srgbClr val="008000"/>
-                </a:solidFill>
-                <a:effectLst/>
-                <a:latin typeface="Consolas" panose="020B0609020204030204" pitchFamily="49" charset="0"/>
-                <a:cs typeface="Consolas" panose="020B0609020204030204" pitchFamily="49" charset="0"/>
-              </a:rPr>
-              <a:t>""</a:t>
-            </a:r>
-            <a:br>
-              <a:rPr kumimoji="0" lang="zh-CN" altLang="zh-CN" sz="1400" b="1" i="0" u="none" strike="noStrike" cap="none" normalizeH="0" baseline="0" dirty="0" smtClean="0">
-                <a:ln>
-                  <a:noFill/>
-                </a:ln>
-                <a:solidFill>
-                  <a:srgbClr val="008000"/>
-                </a:solidFill>
-                <a:effectLst/>
-                <a:latin typeface="Consolas" panose="020B0609020204030204" pitchFamily="49" charset="0"/>
-                <a:cs typeface="Consolas" panose="020B0609020204030204" pitchFamily="49" charset="0"/>
-              </a:rPr>
-            </a:br>
-            <a:r>
-              <a:rPr kumimoji="0" lang="zh-CN" altLang="zh-CN" sz="1400" b="1" i="0" u="none" strike="noStrike" cap="none" normalizeH="0" baseline="0" dirty="0" smtClean="0">
-                <a:ln>
-                  <a:noFill/>
-                </a:ln>
-                <a:solidFill>
-                  <a:srgbClr val="008000"/>
-                </a:solidFill>
-                <a:effectLst/>
-                <a:latin typeface="Consolas" panose="020B0609020204030204" pitchFamily="49" charset="0"/>
-                <a:cs typeface="Consolas" panose="020B0609020204030204" pitchFamily="49" charset="0"/>
-              </a:rPr>
-              <a:t>    </a:t>
-            </a:r>
-            <a:r>
-              <a:rPr kumimoji="0" lang="zh-CN" altLang="zh-CN" sz="1400" b="1" i="0" u="none" strike="noStrike" cap="none" normalizeH="0" baseline="0" dirty="0" smtClean="0">
-                <a:ln>
-                  <a:noFill/>
-                </a:ln>
-                <a:solidFill>
-                  <a:srgbClr val="660E7A"/>
-                </a:solidFill>
-                <a:effectLst/>
-                <a:latin typeface="Consolas" panose="020B0609020204030204" pitchFamily="49" charset="0"/>
-                <a:cs typeface="Consolas" panose="020B0609020204030204" pitchFamily="49" charset="0"/>
-              </a:rPr>
-              <a:t>android</a:t>
-            </a:r>
-            <a:r>
-              <a:rPr kumimoji="0" lang="zh-CN" altLang="zh-CN" sz="1400" b="1" i="0" u="none" strike="noStrike" cap="none" normalizeH="0" baseline="0" dirty="0" smtClean="0">
-                <a:ln>
-                  <a:noFill/>
-                </a:ln>
-                <a:solidFill>
-                  <a:srgbClr val="0000FF"/>
-                </a:solidFill>
-                <a:effectLst/>
-                <a:latin typeface="Consolas" panose="020B0609020204030204" pitchFamily="49" charset="0"/>
-                <a:cs typeface="Consolas" panose="020B0609020204030204" pitchFamily="49" charset="0"/>
-              </a:rPr>
-              <a:t>:port=</a:t>
-            </a:r>
-            <a:r>
-              <a:rPr kumimoji="0" lang="zh-CN" altLang="zh-CN" sz="1400" b="1" i="0" u="none" strike="noStrike" cap="none" normalizeH="0" baseline="0" dirty="0" smtClean="0">
-                <a:ln>
-                  <a:noFill/>
-                </a:ln>
-                <a:solidFill>
-                  <a:srgbClr val="008000"/>
-                </a:solidFill>
-                <a:effectLst/>
-                <a:latin typeface="Consolas" panose="020B0609020204030204" pitchFamily="49" charset="0"/>
-                <a:cs typeface="Consolas" panose="020B0609020204030204" pitchFamily="49" charset="0"/>
-              </a:rPr>
-              <a:t>""</a:t>
-            </a:r>
-            <a:br>
-              <a:rPr kumimoji="0" lang="zh-CN" altLang="zh-CN" sz="1400" b="1" i="0" u="none" strike="noStrike" cap="none" normalizeH="0" baseline="0" dirty="0" smtClean="0">
-                <a:ln>
-                  <a:noFill/>
-                </a:ln>
-                <a:solidFill>
-                  <a:srgbClr val="008000"/>
-                </a:solidFill>
-                <a:effectLst/>
-                <a:latin typeface="Consolas" panose="020B0609020204030204" pitchFamily="49" charset="0"/>
-                <a:cs typeface="Consolas" panose="020B0609020204030204" pitchFamily="49" charset="0"/>
-              </a:rPr>
-            </a:br>
-            <a:r>
-              <a:rPr kumimoji="0" lang="zh-CN" altLang="zh-CN" sz="1400" b="1" i="0" u="none" strike="noStrike" cap="none" normalizeH="0" baseline="0" dirty="0" smtClean="0">
-                <a:ln>
-                  <a:noFill/>
-                </a:ln>
-                <a:solidFill>
-                  <a:srgbClr val="008000"/>
-                </a:solidFill>
-                <a:effectLst/>
-                <a:latin typeface="Consolas" panose="020B0609020204030204" pitchFamily="49" charset="0"/>
-                <a:cs typeface="Consolas" panose="020B0609020204030204" pitchFamily="49" charset="0"/>
-              </a:rPr>
-              <a:t>    </a:t>
-            </a:r>
-            <a:r>
-              <a:rPr kumimoji="0" lang="zh-CN" altLang="zh-CN" sz="1400" b="1" i="0" u="none" strike="noStrike" cap="none" normalizeH="0" baseline="0" dirty="0" smtClean="0">
-                <a:ln>
-                  <a:noFill/>
-                </a:ln>
-                <a:solidFill>
-                  <a:srgbClr val="660E7A"/>
-                </a:solidFill>
-                <a:effectLst/>
-                <a:latin typeface="Consolas" panose="020B0609020204030204" pitchFamily="49" charset="0"/>
-                <a:cs typeface="Consolas" panose="020B0609020204030204" pitchFamily="49" charset="0"/>
-              </a:rPr>
-              <a:t>android</a:t>
-            </a:r>
-            <a:r>
-              <a:rPr kumimoji="0" lang="zh-CN" altLang="zh-CN" sz="1400" b="1" i="0" u="none" strike="noStrike" cap="none" normalizeH="0" baseline="0" dirty="0" smtClean="0">
-                <a:ln>
-                  <a:noFill/>
-                </a:ln>
-                <a:solidFill>
-                  <a:srgbClr val="0000FF"/>
-                </a:solidFill>
-                <a:effectLst/>
-                <a:latin typeface="Consolas" panose="020B0609020204030204" pitchFamily="49" charset="0"/>
-                <a:cs typeface="Consolas" panose="020B0609020204030204" pitchFamily="49" charset="0"/>
-              </a:rPr>
-              <a:t>:path=</a:t>
-            </a:r>
-            <a:r>
-              <a:rPr kumimoji="0" lang="zh-CN" altLang="zh-CN" sz="1400" b="1" i="0" u="none" strike="noStrike" cap="none" normalizeH="0" baseline="0" dirty="0" smtClean="0">
-                <a:ln>
-                  <a:noFill/>
-                </a:ln>
-                <a:solidFill>
-                  <a:srgbClr val="008000"/>
-                </a:solidFill>
-                <a:effectLst/>
-                <a:latin typeface="Consolas" panose="020B0609020204030204" pitchFamily="49" charset="0"/>
-                <a:cs typeface="Consolas" panose="020B0609020204030204" pitchFamily="49" charset="0"/>
-              </a:rPr>
-              <a:t>""</a:t>
-            </a:r>
-            <a:br>
-              <a:rPr kumimoji="0" lang="zh-CN" altLang="zh-CN" sz="1400" b="1" i="0" u="none" strike="noStrike" cap="none" normalizeH="0" baseline="0" dirty="0" smtClean="0">
-                <a:ln>
-                  <a:noFill/>
-                </a:ln>
-                <a:solidFill>
-                  <a:srgbClr val="008000"/>
-                </a:solidFill>
-                <a:effectLst/>
-                <a:latin typeface="Consolas" panose="020B0609020204030204" pitchFamily="49" charset="0"/>
-                <a:cs typeface="Consolas" panose="020B0609020204030204" pitchFamily="49" charset="0"/>
-              </a:rPr>
-            </a:br>
-            <a:r>
-              <a:rPr kumimoji="0" lang="zh-CN" altLang="zh-CN" sz="1400" b="1" i="0" u="none" strike="noStrike" cap="none" normalizeH="0" baseline="0" dirty="0" smtClean="0">
-                <a:ln>
-                  <a:noFill/>
-                </a:ln>
-                <a:solidFill>
-                  <a:srgbClr val="008000"/>
-                </a:solidFill>
-                <a:effectLst/>
-                <a:latin typeface="Consolas" panose="020B0609020204030204" pitchFamily="49" charset="0"/>
-                <a:cs typeface="Consolas" panose="020B0609020204030204" pitchFamily="49" charset="0"/>
-              </a:rPr>
-              <a:t>    </a:t>
-            </a:r>
-            <a:r>
-              <a:rPr kumimoji="0" lang="zh-CN" altLang="zh-CN" sz="1400" b="1" i="0" u="none" strike="noStrike" cap="none" normalizeH="0" baseline="0" dirty="0" smtClean="0">
-                <a:ln>
-                  <a:noFill/>
-                </a:ln>
-                <a:solidFill>
-                  <a:srgbClr val="660E7A"/>
-                </a:solidFill>
-                <a:effectLst/>
-                <a:latin typeface="Consolas" panose="020B0609020204030204" pitchFamily="49" charset="0"/>
-                <a:cs typeface="Consolas" panose="020B0609020204030204" pitchFamily="49" charset="0"/>
-              </a:rPr>
-              <a:t>android</a:t>
-            </a:r>
-            <a:r>
-              <a:rPr kumimoji="0" lang="zh-CN" altLang="zh-CN" sz="1400" b="1" i="0" u="none" strike="noStrike" cap="none" normalizeH="0" baseline="0" dirty="0" smtClean="0">
-                <a:ln>
-                  <a:noFill/>
-                </a:ln>
-                <a:solidFill>
-                  <a:srgbClr val="0000FF"/>
-                </a:solidFill>
-                <a:effectLst/>
-                <a:latin typeface="Consolas" panose="020B0609020204030204" pitchFamily="49" charset="0"/>
-                <a:cs typeface="Consolas" panose="020B0609020204030204" pitchFamily="49" charset="0"/>
-              </a:rPr>
-              <a:t>:pathPrefix=</a:t>
-            </a:r>
-            <a:r>
-              <a:rPr kumimoji="0" lang="zh-CN" altLang="zh-CN" sz="1400" b="1" i="0" u="none" strike="noStrike" cap="none" normalizeH="0" baseline="0" dirty="0" smtClean="0">
-                <a:ln>
-                  <a:noFill/>
-                </a:ln>
-                <a:solidFill>
-                  <a:srgbClr val="008000"/>
-                </a:solidFill>
-                <a:effectLst/>
-                <a:latin typeface="Consolas" panose="020B0609020204030204" pitchFamily="49" charset="0"/>
-                <a:cs typeface="Consolas" panose="020B0609020204030204" pitchFamily="49" charset="0"/>
-              </a:rPr>
-              <a:t>""</a:t>
-            </a:r>
-            <a:br>
-              <a:rPr kumimoji="0" lang="zh-CN" altLang="zh-CN" sz="1400" b="1" i="0" u="none" strike="noStrike" cap="none" normalizeH="0" baseline="0" dirty="0" smtClean="0">
-                <a:ln>
-                  <a:noFill/>
-                </a:ln>
-                <a:solidFill>
-                  <a:srgbClr val="008000"/>
-                </a:solidFill>
-                <a:effectLst/>
-                <a:latin typeface="Consolas" panose="020B0609020204030204" pitchFamily="49" charset="0"/>
-                <a:cs typeface="Consolas" panose="020B0609020204030204" pitchFamily="49" charset="0"/>
-              </a:rPr>
-            </a:br>
-            <a:r>
-              <a:rPr kumimoji="0" lang="zh-CN" altLang="zh-CN" sz="1400" b="1" i="0" u="none" strike="noStrike" cap="none" normalizeH="0" baseline="0" dirty="0" smtClean="0">
-                <a:ln>
-                  <a:noFill/>
-                </a:ln>
-                <a:solidFill>
-                  <a:srgbClr val="008000"/>
-                </a:solidFill>
-                <a:effectLst/>
-                <a:latin typeface="Consolas" panose="020B0609020204030204" pitchFamily="49" charset="0"/>
-                <a:cs typeface="Consolas" panose="020B0609020204030204" pitchFamily="49" charset="0"/>
-              </a:rPr>
-              <a:t>    </a:t>
-            </a:r>
-            <a:r>
-              <a:rPr kumimoji="0" lang="zh-CN" altLang="zh-CN" sz="1400" b="1" i="0" u="none" strike="noStrike" cap="none" normalizeH="0" baseline="0" dirty="0" smtClean="0">
-                <a:ln>
-                  <a:noFill/>
-                </a:ln>
-                <a:solidFill>
-                  <a:srgbClr val="660E7A"/>
-                </a:solidFill>
-                <a:effectLst/>
-                <a:latin typeface="Consolas" panose="020B0609020204030204" pitchFamily="49" charset="0"/>
-                <a:cs typeface="Consolas" panose="020B0609020204030204" pitchFamily="49" charset="0"/>
-              </a:rPr>
-              <a:t>android</a:t>
-            </a:r>
-            <a:r>
-              <a:rPr kumimoji="0" lang="zh-CN" altLang="zh-CN" sz="1400" b="1" i="0" u="none" strike="noStrike" cap="none" normalizeH="0" baseline="0" dirty="0" smtClean="0">
-                <a:ln>
-                  <a:noFill/>
-                </a:ln>
-                <a:solidFill>
-                  <a:srgbClr val="0000FF"/>
-                </a:solidFill>
-                <a:effectLst/>
-                <a:latin typeface="Consolas" panose="020B0609020204030204" pitchFamily="49" charset="0"/>
-                <a:cs typeface="Consolas" panose="020B0609020204030204" pitchFamily="49" charset="0"/>
-              </a:rPr>
-              <a:t>:pathPattern=</a:t>
-            </a:r>
-            <a:r>
-              <a:rPr kumimoji="0" lang="zh-CN" altLang="zh-CN" sz="1400" b="1" i="0" u="none" strike="noStrike" cap="none" normalizeH="0" baseline="0" dirty="0" smtClean="0">
-                <a:ln>
-                  <a:noFill/>
-                </a:ln>
-                <a:solidFill>
-                  <a:srgbClr val="008000"/>
-                </a:solidFill>
-                <a:effectLst/>
-                <a:latin typeface="Consolas" panose="020B0609020204030204" pitchFamily="49" charset="0"/>
-                <a:cs typeface="Consolas" panose="020B0609020204030204" pitchFamily="49" charset="0"/>
-              </a:rPr>
-              <a:t>"" </a:t>
-            </a:r>
-            <a:r>
-              <a:rPr kumimoji="0" lang="zh-CN" altLang="zh-CN" sz="1400" b="0" i="0" u="none" strike="noStrike" cap="none" normalizeH="0" baseline="0" dirty="0" smtClean="0">
-                <a:ln>
-                  <a:noFill/>
-                </a:ln>
-                <a:solidFill>
-                  <a:srgbClr val="000000"/>
-                </a:solidFill>
-                <a:effectLst/>
-                <a:latin typeface="Consolas" panose="020B0609020204030204" pitchFamily="49" charset="0"/>
-                <a:cs typeface="Consolas" panose="020B0609020204030204" pitchFamily="49" charset="0"/>
-              </a:rPr>
-              <a:t>/&gt;</a:t>
-            </a:r>
-            <a:endParaRPr kumimoji="0" lang="zh-CN" altLang="zh-CN" sz="2000" b="0" i="0" u="none" strike="noStrike" cap="none" normalizeH="0" baseline="0" dirty="0" smtClean="0">
-              <a:ln>
-                <a:noFill/>
-              </a:ln>
-              <a:solidFill>
-                <a:schemeClr val="tx1"/>
-              </a:solidFill>
-              <a:effectLst/>
-              <a:latin typeface="Arial" panose="020B0604020202020204" pitchFamily="34" charset="0"/>
-            </a:endParaRPr>
-          </a:p>
-        </p:txBody>
-      </p:sp>
-      <p:sp>
-        <p:nvSpPr>
-          <p:cNvPr id="13" name="文本框 12"/>
-          <p:cNvSpPr txBox="1"/>
-          <p:nvPr/>
-        </p:nvSpPr>
-        <p:spPr>
-          <a:xfrm>
-            <a:off x="1522148" y="4615160"/>
-            <a:ext cx="3141245" cy="923330"/>
-          </a:xfrm>
-          <a:prstGeom prst="rect">
-            <a:avLst/>
-          </a:prstGeom>
-          <a:noFill/>
-        </p:spPr>
-        <p:txBody>
-          <a:bodyPr wrap="none" rtlCol="0">
-            <a:spAutoFit/>
-          </a:bodyPr>
-          <a:lstStyle/>
-          <a:p>
-            <a:r>
-              <a:rPr lang="zh-CN" altLang="en-US" dirty="0">
-                <a:solidFill>
-                  <a:schemeClr val="bg1"/>
-                </a:solidFill>
-                <a:latin typeface="Calibri" pitchFamily="34" charset="0"/>
-                <a:ea typeface="方正大黑简体" pitchFamily="2" charset="-122"/>
-              </a:rPr>
-              <a:t>在</a:t>
-            </a:r>
-            <a:r>
-              <a:rPr lang="en-US" altLang="zh-CN" dirty="0" err="1">
-                <a:solidFill>
-                  <a:schemeClr val="bg1"/>
-                </a:solidFill>
-                <a:latin typeface="Calibri" pitchFamily="34" charset="0"/>
-                <a:ea typeface="方正大黑简体" pitchFamily="2" charset="-122"/>
-              </a:rPr>
-              <a:t>AndroidManifest.xml</a:t>
-            </a:r>
-            <a:r>
-              <a:rPr lang="zh-CN" altLang="en-US" dirty="0">
-                <a:solidFill>
-                  <a:schemeClr val="bg1"/>
-                </a:solidFill>
-                <a:latin typeface="Calibri" pitchFamily="34" charset="0"/>
-                <a:ea typeface="方正大黑简体" pitchFamily="2" charset="-122"/>
-              </a:rPr>
-              <a:t>文件</a:t>
-            </a:r>
-            <a:r>
-              <a:rPr lang="zh-CN" altLang="en-US" dirty="0" smtClean="0">
-                <a:solidFill>
-                  <a:schemeClr val="bg1"/>
-                </a:solidFill>
-                <a:latin typeface="Calibri" pitchFamily="34" charset="0"/>
-                <a:ea typeface="方正大黑简体" pitchFamily="2" charset="-122"/>
-              </a:rPr>
-              <a:t>中</a:t>
-            </a:r>
-            <a:endParaRPr lang="en-US" altLang="zh-CN" dirty="0" smtClean="0">
-              <a:solidFill>
-                <a:schemeClr val="bg1"/>
-              </a:solidFill>
-              <a:latin typeface="Calibri" pitchFamily="34" charset="0"/>
-              <a:ea typeface="方正大黑简体" pitchFamily="2" charset="-122"/>
-            </a:endParaRPr>
-          </a:p>
-          <a:p>
-            <a:r>
-              <a:rPr lang="zh-CN" altLang="en-US" dirty="0" smtClean="0">
-                <a:solidFill>
-                  <a:schemeClr val="bg1"/>
-                </a:solidFill>
-                <a:latin typeface="Calibri" pitchFamily="34" charset="0"/>
-                <a:ea typeface="方正大黑简体" pitchFamily="2" charset="-122"/>
-              </a:rPr>
-              <a:t>为</a:t>
-            </a:r>
-            <a:r>
-              <a:rPr lang="zh-CN" altLang="en-US" dirty="0">
-                <a:solidFill>
-                  <a:schemeClr val="bg1"/>
-                </a:solidFill>
-                <a:latin typeface="Calibri" pitchFamily="34" charset="0"/>
-                <a:ea typeface="方正大黑简体" pitchFamily="2" charset="-122"/>
-              </a:rPr>
-              <a:t>组件声明</a:t>
-            </a:r>
-            <a:r>
-              <a:rPr lang="en-US" altLang="zh-CN" dirty="0">
-                <a:solidFill>
-                  <a:schemeClr val="bg1"/>
-                </a:solidFill>
-                <a:latin typeface="Calibri" pitchFamily="34" charset="0"/>
-                <a:ea typeface="方正大黑简体" pitchFamily="2" charset="-122"/>
-              </a:rPr>
-              <a:t>Data</a:t>
-            </a:r>
-            <a:r>
-              <a:rPr lang="zh-CN" altLang="en-US" dirty="0">
-                <a:solidFill>
-                  <a:schemeClr val="bg1"/>
-                </a:solidFill>
-                <a:latin typeface="Calibri" pitchFamily="34" charset="0"/>
-                <a:ea typeface="方正大黑简体" pitchFamily="2" charset="-122"/>
-              </a:rPr>
-              <a:t>、</a:t>
-            </a:r>
-            <a:r>
-              <a:rPr lang="en-US" altLang="zh-CN" dirty="0">
-                <a:solidFill>
-                  <a:schemeClr val="bg1"/>
-                </a:solidFill>
-                <a:latin typeface="Calibri" pitchFamily="34" charset="0"/>
-                <a:ea typeface="方正大黑简体" pitchFamily="2" charset="-122"/>
-              </a:rPr>
-              <a:t>Type</a:t>
-            </a:r>
-            <a:r>
-              <a:rPr lang="zh-CN" altLang="en-US" dirty="0">
-                <a:solidFill>
-                  <a:schemeClr val="bg1"/>
-                </a:solidFill>
-                <a:latin typeface="Calibri" pitchFamily="34" charset="0"/>
-                <a:ea typeface="方正大黑简体" pitchFamily="2" charset="-122"/>
-              </a:rPr>
-              <a:t>属性</a:t>
-            </a:r>
-            <a:r>
-              <a:rPr lang="zh-CN" altLang="en-US" dirty="0" smtClean="0">
-                <a:solidFill>
-                  <a:schemeClr val="bg1"/>
-                </a:solidFill>
-                <a:latin typeface="Calibri" pitchFamily="34" charset="0"/>
-                <a:ea typeface="方正大黑简体" pitchFamily="2" charset="-122"/>
-              </a:rPr>
-              <a:t>都</a:t>
-            </a:r>
-            <a:endParaRPr lang="en-US" altLang="zh-CN" dirty="0" smtClean="0">
-              <a:solidFill>
-                <a:schemeClr val="bg1"/>
-              </a:solidFill>
-              <a:latin typeface="Calibri" pitchFamily="34" charset="0"/>
-              <a:ea typeface="方正大黑简体" pitchFamily="2" charset="-122"/>
-            </a:endParaRPr>
-          </a:p>
-          <a:p>
-            <a:r>
-              <a:rPr lang="zh-CN" altLang="en-US" dirty="0" smtClean="0">
-                <a:solidFill>
-                  <a:schemeClr val="bg1"/>
-                </a:solidFill>
-                <a:latin typeface="Calibri" pitchFamily="34" charset="0"/>
-                <a:ea typeface="方正大黑简体" pitchFamily="2" charset="-122"/>
-              </a:rPr>
-              <a:t>通过</a:t>
-            </a:r>
-            <a:r>
-              <a:rPr lang="en-US" altLang="zh-CN" dirty="0">
-                <a:solidFill>
-                  <a:schemeClr val="bg1"/>
-                </a:solidFill>
-                <a:latin typeface="Calibri" pitchFamily="34" charset="0"/>
-                <a:ea typeface="方正大黑简体" pitchFamily="2" charset="-122"/>
-              </a:rPr>
-              <a:t>&lt;data…/&gt;</a:t>
-            </a:r>
-            <a:r>
-              <a:rPr lang="zh-CN" altLang="en-US" dirty="0" smtClean="0">
-                <a:solidFill>
-                  <a:schemeClr val="bg1"/>
-                </a:solidFill>
-                <a:latin typeface="Calibri" pitchFamily="34" charset="0"/>
-                <a:ea typeface="方正大黑简体" pitchFamily="2" charset="-122"/>
-              </a:rPr>
-              <a:t>元素。</a:t>
-            </a:r>
-            <a:endParaRPr lang="zh-CN" altLang="en-US" dirty="0">
-              <a:solidFill>
-                <a:schemeClr val="bg1"/>
-              </a:solidFill>
-              <a:latin typeface="Calibri" pitchFamily="34" charset="0"/>
-              <a:ea typeface="方正大黑简体" pitchFamily="2" charset="-122"/>
-            </a:endParaRPr>
-          </a:p>
-        </p:txBody>
-      </p:sp>
-      <p:sp>
-        <p:nvSpPr>
-          <p:cNvPr id="21" name="右箭头 20"/>
-          <p:cNvSpPr/>
-          <p:nvPr/>
-        </p:nvSpPr>
-        <p:spPr>
-          <a:xfrm>
-            <a:off x="4786953" y="4908550"/>
-            <a:ext cx="1413838" cy="270456"/>
-          </a:xfrm>
-          <a:prstGeom prst="rightArrow">
-            <a:avLst/>
-          </a:prstGeom>
-          <a:solidFill>
-            <a:srgbClr val="FE5A3E"/>
-          </a:solidFill>
-          <a:ln>
-            <a:noFill/>
-          </a:ln>
-        </p:spPr>
-        <p:style>
-          <a:lnRef idx="2">
-            <a:schemeClr val="accent1">
-              <a:shade val="50000"/>
-            </a:schemeClr>
-          </a:lnRef>
-          <a:fillRef idx="1">
-            <a:schemeClr val="accent1"/>
-          </a:fillRef>
-          <a:effectRef idx="0">
-            <a:schemeClr val="accent1"/>
-          </a:effectRef>
-          <a:fontRef idx="minor">
-            <a:schemeClr val="lt1"/>
-          </a:fontRef>
-        </p:style>
-        <p:txBody>
-          <a:bodyPr rtlCol="0" anchor="ctr"/>
-          <a:lstStyle/>
-          <a:p>
-            <a:pPr algn="ctr"/>
-            <a:endParaRPr lang="zh-CN" altLang="en-US" sz="3200" dirty="0"/>
-          </a:p>
-        </p:txBody>
-      </p:sp>
-    </p:spTree>
-    <p:extLst>
-      <p:ext uri="{BB962C8B-B14F-4D97-AF65-F5344CB8AC3E}">
-        <p14:creationId xmlns:p14="http://schemas.microsoft.com/office/powerpoint/2010/main" xmlns="" val="3419165084"/>
-      </p:ext>
-    </p:extLst>
-  </p:cSld>
-  <p:clrMapOvr>
-    <a:masterClrMapping/>
-  </p:clrMapOvr>
-  <p:timing>
-    <p:tnLst>
-      <p:par>
-        <p:cTn id="1" dur="indefinite" restart="never" nodeType="tmRoot"/>
       </p:par>
     </p:tnLst>
   </p:timing>

--- a/ppt/ch5.pptx
+++ b/ppt/ch5.pptx
@@ -5,7 +5,7 @@
     <p:sldMasterId id="2147483648" r:id="rId1"/>
   </p:sldMasterIdLst>
   <p:notesMasterIdLst>
-    <p:notesMasterId r:id="rId16"/>
+    <p:notesMasterId r:id="rId17"/>
   </p:notesMasterIdLst>
   <p:sldIdLst>
     <p:sldId id="294" r:id="rId2"/>
@@ -18,10 +18,11 @@
     <p:sldId id="308" r:id="rId9"/>
     <p:sldId id="302" r:id="rId10"/>
     <p:sldId id="303" r:id="rId11"/>
-    <p:sldId id="304" r:id="rId12"/>
-    <p:sldId id="305" r:id="rId13"/>
-    <p:sldId id="307" r:id="rId14"/>
-    <p:sldId id="306" r:id="rId15"/>
+    <p:sldId id="309" r:id="rId12"/>
+    <p:sldId id="304" r:id="rId13"/>
+    <p:sldId id="305" r:id="rId14"/>
+    <p:sldId id="307" r:id="rId15"/>
+    <p:sldId id="306" r:id="rId16"/>
   </p:sldIdLst>
   <p:sldSz cx="12192000" cy="6858000"/>
   <p:notesSz cx="6858000" cy="9144000"/>
@@ -757,7 +758,7 @@
             <a:fld id="{678D3716-3079-41B6-8951-92C177AE559C}" type="slidenum">
               <a:rPr lang="zh-CN" altLang="en-US" smtClean="0"/>
               <a:pPr/>
-              <a:t>12</a:t>
+              <a:t>13</a:t>
             </a:fld>
             <a:endParaRPr lang="zh-CN" altLang="en-US"/>
           </a:p>
@@ -6839,6 +6840,124 @@
           <a:chExt cx="0" cy="0"/>
         </a:xfrm>
       </p:grpSpPr>
+      <p:sp>
+        <p:nvSpPr>
+          <p:cNvPr id="2" name="标题 1"/>
+          <p:cNvSpPr>
+            <a:spLocks noGrp="1"/>
+          </p:cNvSpPr>
+          <p:nvPr>
+            <p:ph type="title"/>
+          </p:nvPr>
+        </p:nvSpPr>
+        <p:spPr/>
+        <p:txBody>
+          <a:bodyPr/>
+          <a:lstStyle/>
+          <a:p>
+            <a:r>
+              <a:rPr lang="en-US" altLang="zh-CN" smtClean="0"/>
+              <a:t>Intent Match </a:t>
+            </a:r>
+            <a:r>
+              <a:rPr lang="en-US" altLang="zh-CN" dirty="0" smtClean="0"/>
+              <a:t>Rules</a:t>
+            </a:r>
+            <a:endParaRPr lang="zh-CN" altLang="en-US" dirty="0"/>
+          </a:p>
+        </p:txBody>
+      </p:sp>
+      <p:pic>
+        <p:nvPicPr>
+          <p:cNvPr id="2050" name="Picture 2"/>
+          <p:cNvPicPr>
+            <a:picLocks noGrp="1" noChangeAspect="1" noChangeArrowheads="1"/>
+          </p:cNvPicPr>
+          <p:nvPr>
+            <p:ph idx="1"/>
+          </p:nvPr>
+        </p:nvPicPr>
+        <p:blipFill>
+          <a:blip r:embed="rId2" cstate="print"/>
+          <a:srcRect/>
+          <a:stretch>
+            <a:fillRect/>
+          </a:stretch>
+        </p:blipFill>
+        <p:spPr bwMode="auto">
+          <a:xfrm>
+            <a:off x="1057144" y="2070077"/>
+            <a:ext cx="10108603" cy="2318331"/>
+          </a:xfrm>
+          <a:prstGeom prst="rect">
+            <a:avLst/>
+          </a:prstGeom>
+          <a:noFill/>
+          <a:ln w="9525">
+            <a:noFill/>
+            <a:miter lim="800000"/>
+            <a:headEnd/>
+            <a:tailEnd/>
+          </a:ln>
+        </p:spPr>
+      </p:pic>
+      <p:pic>
+        <p:nvPicPr>
+          <p:cNvPr id="2051" name="Picture 3"/>
+          <p:cNvPicPr>
+            <a:picLocks noChangeAspect="1" noChangeArrowheads="1"/>
+          </p:cNvPicPr>
+          <p:nvPr/>
+        </p:nvPicPr>
+        <p:blipFill>
+          <a:blip r:embed="rId3" cstate="print"/>
+          <a:srcRect/>
+          <a:stretch>
+            <a:fillRect/>
+          </a:stretch>
+        </p:blipFill>
+        <p:spPr bwMode="auto">
+          <a:xfrm>
+            <a:off x="1080302" y="4436903"/>
+            <a:ext cx="10050446" cy="2056176"/>
+          </a:xfrm>
+          <a:prstGeom prst="rect">
+            <a:avLst/>
+          </a:prstGeom>
+          <a:noFill/>
+          <a:ln w="9525">
+            <a:noFill/>
+            <a:miter lim="800000"/>
+            <a:headEnd/>
+            <a:tailEnd/>
+          </a:ln>
+        </p:spPr>
+      </p:pic>
+    </p:spTree>
+  </p:cSld>
+  <p:clrMapOvr>
+    <a:masterClrMapping/>
+  </p:clrMapOvr>
+</p:sld>
+</file>
+
+<file path=ppt/slides/slide12.xml><?xml version="1.0" encoding="utf-8"?>
+<p:sld xmlns:a="http://schemas.openxmlformats.org/drawingml/2006/main" xmlns:r="http://schemas.openxmlformats.org/officeDocument/2006/relationships" xmlns:p="http://schemas.openxmlformats.org/presentationml/2006/main">
+  <p:cSld>
+    <p:spTree>
+      <p:nvGrpSpPr>
+        <p:cNvPr id="1" name=""/>
+        <p:cNvGrpSpPr/>
+        <p:nvPr/>
+      </p:nvGrpSpPr>
+      <p:grpSpPr>
+        <a:xfrm>
+          <a:off x="0" y="0"/>
+          <a:ext cx="0" cy="0"/>
+          <a:chOff x="0" y="0"/>
+          <a:chExt cx="0" cy="0"/>
+        </a:xfrm>
+      </p:grpSpPr>
       <p:cxnSp>
         <p:nvCxnSpPr>
           <p:cNvPr id="4" name="直接连接符 3"/>
@@ -8004,7 +8123,7 @@
 </p:sld>
 </file>
 
-<file path=ppt/slides/slide12.xml><?xml version="1.0" encoding="utf-8"?>
+<file path=ppt/slides/slide13.xml><?xml version="1.0" encoding="utf-8"?>
 <p:sld xmlns:a="http://schemas.openxmlformats.org/drawingml/2006/main" xmlns:r="http://schemas.openxmlformats.org/officeDocument/2006/relationships" xmlns:p="http://schemas.openxmlformats.org/presentationml/2006/main">
   <p:cSld>
     <p:spTree>
@@ -8355,7 +8474,7 @@
 </p:sld>
 </file>
 
-<file path=ppt/slides/slide13.xml><?xml version="1.0" encoding="utf-8"?>
+<file path=ppt/slides/slide14.xml><?xml version="1.0" encoding="utf-8"?>
 <p:sld xmlns:a="http://schemas.openxmlformats.org/drawingml/2006/main" xmlns:r="http://schemas.openxmlformats.org/officeDocument/2006/relationships" xmlns:p="http://schemas.openxmlformats.org/presentationml/2006/main">
   <p:cSld>
     <p:spTree>
@@ -10190,7 +10309,7 @@
 </p:sld>
 </file>
 
-<file path=ppt/slides/slide14.xml><?xml version="1.0" encoding="utf-8"?>
+<file path=ppt/slides/slide15.xml><?xml version="1.0" encoding="utf-8"?>
 <p:sld xmlns:a="http://schemas.openxmlformats.org/drawingml/2006/main" xmlns:r="http://schemas.openxmlformats.org/officeDocument/2006/relationships" xmlns:p="http://schemas.openxmlformats.org/presentationml/2006/main">
   <p:cSld>
     <p:spTree>
